--- a/diseño/Presentación1.pptx
+++ b/diseño/Presentación1.pptx
@@ -9,6 +9,9 @@
     <p:sldId id="257" r:id="rId3"/>
     <p:sldId id="259" r:id="rId4"/>
     <p:sldId id="258" r:id="rId5"/>
+    <p:sldId id="260" r:id="rId6"/>
+    <p:sldId id="261" r:id="rId7"/>
+    <p:sldId id="262" r:id="rId8"/>
   </p:sldIdLst>
   <p:sldSz cx="12192000" cy="6858000"/>
   <p:notesSz cx="6858000" cy="9144000"/>
@@ -107,6 +110,11 @@
       </a:defRPr>
     </a:lvl9pPr>
   </p:defaultTextStyle>
+  <p:extLst>
+    <p:ext uri="{EFAFB233-063F-42B5-8137-9DF3F51BA10A}">
+      <p15:sldGuideLst xmlns:p15="http://schemas.microsoft.com/office/powerpoint/2012/main"/>
+    </p:ext>
+  </p:extLst>
 </p:presentation>
 </file>
 
@@ -241,7 +249,7 @@
           <a:p>
             <a:fld id="{9578C2D5-FF63-4A80-9782-41C04971033D}" type="datetimeFigureOut">
               <a:rPr lang="es-ES" smtClean="0"/>
-              <a:t>29/11/2022</a:t>
+              <a:t>30/11/2022</a:t>
             </a:fld>
             <a:endParaRPr lang="es-ES"/>
           </a:p>
@@ -411,7 +419,7 @@
           <a:p>
             <a:fld id="{9578C2D5-FF63-4A80-9782-41C04971033D}" type="datetimeFigureOut">
               <a:rPr lang="es-ES" smtClean="0"/>
-              <a:t>29/11/2022</a:t>
+              <a:t>30/11/2022</a:t>
             </a:fld>
             <a:endParaRPr lang="es-ES"/>
           </a:p>
@@ -591,7 +599,7 @@
           <a:p>
             <a:fld id="{9578C2D5-FF63-4A80-9782-41C04971033D}" type="datetimeFigureOut">
               <a:rPr lang="es-ES" smtClean="0"/>
-              <a:t>29/11/2022</a:t>
+              <a:t>30/11/2022</a:t>
             </a:fld>
             <a:endParaRPr lang="es-ES"/>
           </a:p>
@@ -761,7 +769,7 @@
           <a:p>
             <a:fld id="{9578C2D5-FF63-4A80-9782-41C04971033D}" type="datetimeFigureOut">
               <a:rPr lang="es-ES" smtClean="0"/>
-              <a:t>29/11/2022</a:t>
+              <a:t>30/11/2022</a:t>
             </a:fld>
             <a:endParaRPr lang="es-ES"/>
           </a:p>
@@ -1007,7 +1015,7 @@
           <a:p>
             <a:fld id="{9578C2D5-FF63-4A80-9782-41C04971033D}" type="datetimeFigureOut">
               <a:rPr lang="es-ES" smtClean="0"/>
-              <a:t>29/11/2022</a:t>
+              <a:t>30/11/2022</a:t>
             </a:fld>
             <a:endParaRPr lang="es-ES"/>
           </a:p>
@@ -1239,7 +1247,7 @@
           <a:p>
             <a:fld id="{9578C2D5-FF63-4A80-9782-41C04971033D}" type="datetimeFigureOut">
               <a:rPr lang="es-ES" smtClean="0"/>
-              <a:t>29/11/2022</a:t>
+              <a:t>30/11/2022</a:t>
             </a:fld>
             <a:endParaRPr lang="es-ES"/>
           </a:p>
@@ -1606,7 +1614,7 @@
           <a:p>
             <a:fld id="{9578C2D5-FF63-4A80-9782-41C04971033D}" type="datetimeFigureOut">
               <a:rPr lang="es-ES" smtClean="0"/>
-              <a:t>29/11/2022</a:t>
+              <a:t>30/11/2022</a:t>
             </a:fld>
             <a:endParaRPr lang="es-ES"/>
           </a:p>
@@ -1724,7 +1732,7 @@
           <a:p>
             <a:fld id="{9578C2D5-FF63-4A80-9782-41C04971033D}" type="datetimeFigureOut">
               <a:rPr lang="es-ES" smtClean="0"/>
-              <a:t>29/11/2022</a:t>
+              <a:t>30/11/2022</a:t>
             </a:fld>
             <a:endParaRPr lang="es-ES"/>
           </a:p>
@@ -1819,7 +1827,7 @@
           <a:p>
             <a:fld id="{9578C2D5-FF63-4A80-9782-41C04971033D}" type="datetimeFigureOut">
               <a:rPr lang="es-ES" smtClean="0"/>
-              <a:t>29/11/2022</a:t>
+              <a:t>30/11/2022</a:t>
             </a:fld>
             <a:endParaRPr lang="es-ES"/>
           </a:p>
@@ -2096,7 +2104,7 @@
           <a:p>
             <a:fld id="{9578C2D5-FF63-4A80-9782-41C04971033D}" type="datetimeFigureOut">
               <a:rPr lang="es-ES" smtClean="0"/>
-              <a:t>29/11/2022</a:t>
+              <a:t>30/11/2022</a:t>
             </a:fld>
             <a:endParaRPr lang="es-ES"/>
           </a:p>
@@ -2349,7 +2357,7 @@
           <a:p>
             <a:fld id="{9578C2D5-FF63-4A80-9782-41C04971033D}" type="datetimeFigureOut">
               <a:rPr lang="es-ES" smtClean="0"/>
-              <a:t>29/11/2022</a:t>
+              <a:t>30/11/2022</a:t>
             </a:fld>
             <a:endParaRPr lang="es-ES"/>
           </a:p>
@@ -2562,7 +2570,7 @@
           <a:p>
             <a:fld id="{9578C2D5-FF63-4A80-9782-41C04971033D}" type="datetimeFigureOut">
               <a:rPr lang="es-ES" smtClean="0"/>
-              <a:t>29/11/2022</a:t>
+              <a:t>30/11/2022</a:t>
             </a:fld>
             <a:endParaRPr lang="es-ES"/>
           </a:p>
@@ -4291,7 +4299,7 @@
         </p:nvSpPr>
         <p:spPr>
           <a:xfrm>
-            <a:off x="145521" y="1638526"/>
+            <a:off x="-737911" y="3535352"/>
             <a:ext cx="684830" cy="1628350"/>
           </a:xfrm>
           <a:prstGeom prst="rect">
@@ -6309,7 +6317,7 @@
           <p:nvPr/>
         </p:nvGrpSpPr>
         <p:grpSpPr>
-          <a:xfrm>
+          <a:xfrm flipH="1">
             <a:off x="1493841" y="273167"/>
             <a:ext cx="5951621" cy="6112042"/>
             <a:chOff x="288299" y="273167"/>
@@ -7125,8 +7133,8 @@
         </p:nvSpPr>
         <p:spPr>
           <a:xfrm>
-            <a:off x="9689432" y="972353"/>
-            <a:ext cx="1860884" cy="2226852"/>
+            <a:off x="9689432" y="972352"/>
+            <a:ext cx="1860884" cy="3393585"/>
           </a:xfrm>
           <a:prstGeom prst="rect">
             <a:avLst/>
@@ -7240,6 +7248,41 @@
           </a:p>
         </p:txBody>
       </p:sp>
+      <p:cxnSp>
+        <p:nvCxnSpPr>
+          <p:cNvPr id="6" name="Conector recto 5"/>
+          <p:cNvCxnSpPr/>
+          <p:nvPr/>
+        </p:nvCxnSpPr>
+        <p:spPr>
+          <a:xfrm>
+            <a:off x="9897979" y="3199205"/>
+            <a:ext cx="1443789" cy="0"/>
+          </a:xfrm>
+          <a:prstGeom prst="line">
+            <a:avLst/>
+          </a:prstGeom>
+          <a:ln w="76200">
+            <a:solidFill>
+              <a:srgbClr val="7030A0"/>
+            </a:solidFill>
+          </a:ln>
+        </p:spPr>
+        <p:style>
+          <a:lnRef idx="1">
+            <a:schemeClr val="accent1"/>
+          </a:lnRef>
+          <a:fillRef idx="0">
+            <a:schemeClr val="accent1"/>
+          </a:fillRef>
+          <a:effectRef idx="0">
+            <a:schemeClr val="accent1"/>
+          </a:effectRef>
+          <a:fontRef idx="minor">
+            <a:schemeClr val="tx1"/>
+          </a:fontRef>
+        </p:style>
+      </p:cxnSp>
     </p:spTree>
     <p:extLst>
       <p:ext uri="{BB962C8B-B14F-4D97-AF65-F5344CB8AC3E}">
@@ -7270,539 +7313,6 @@
           <a:chExt cx="0" cy="0"/>
         </a:xfrm>
       </p:grpSpPr>
-      <p:sp>
-        <p:nvSpPr>
-          <p:cNvPr id="81" name="Rectángulo 80"/>
-          <p:cNvSpPr/>
-          <p:nvPr/>
-        </p:nvSpPr>
-        <p:spPr>
-          <a:xfrm>
-            <a:off x="309094" y="336884"/>
-            <a:ext cx="2678805" cy="6112042"/>
-          </a:xfrm>
-          <a:prstGeom prst="rect">
-            <a:avLst/>
-          </a:prstGeom>
-        </p:spPr>
-        <p:style>
-          <a:lnRef idx="2">
-            <a:schemeClr val="accent2"/>
-          </a:lnRef>
-          <a:fillRef idx="1">
-            <a:schemeClr val="lt1"/>
-          </a:fillRef>
-          <a:effectRef idx="0">
-            <a:schemeClr val="accent2"/>
-          </a:effectRef>
-          <a:fontRef idx="minor">
-            <a:schemeClr val="dk1"/>
-          </a:fontRef>
-        </p:style>
-        <p:txBody>
-          <a:bodyPr rtlCol="0" anchor="ctr"/>
-          <a:lstStyle/>
-          <a:p>
-            <a:pPr algn="ctr"/>
-            <a:endParaRPr lang="es-ES"/>
-          </a:p>
-        </p:txBody>
-      </p:sp>
-      <p:cxnSp>
-        <p:nvCxnSpPr>
-          <p:cNvPr id="5" name="Conector recto 4"/>
-          <p:cNvCxnSpPr/>
-          <p:nvPr/>
-        </p:nvCxnSpPr>
-        <p:spPr>
-          <a:xfrm>
-            <a:off x="759854" y="489397"/>
-            <a:ext cx="12878" cy="5679583"/>
-          </a:xfrm>
-          <a:prstGeom prst="line">
-            <a:avLst/>
-          </a:prstGeom>
-          <a:ln w="76200"/>
-        </p:spPr>
-        <p:style>
-          <a:lnRef idx="1">
-            <a:schemeClr val="accent1"/>
-          </a:lnRef>
-          <a:fillRef idx="0">
-            <a:schemeClr val="accent1"/>
-          </a:fillRef>
-          <a:effectRef idx="0">
-            <a:schemeClr val="accent1"/>
-          </a:effectRef>
-          <a:fontRef idx="minor">
-            <a:schemeClr val="tx1"/>
-          </a:fontRef>
-        </p:style>
-      </p:cxnSp>
-      <p:cxnSp>
-        <p:nvCxnSpPr>
-          <p:cNvPr id="10" name="Conector recto 9"/>
-          <p:cNvCxnSpPr/>
-          <p:nvPr/>
-        </p:nvCxnSpPr>
-        <p:spPr>
-          <a:xfrm>
-            <a:off x="1584101" y="489397"/>
-            <a:ext cx="0" cy="1931831"/>
-          </a:xfrm>
-          <a:prstGeom prst="line">
-            <a:avLst/>
-          </a:prstGeom>
-          <a:ln w="76200">
-            <a:solidFill>
-              <a:schemeClr val="accent1">
-                <a:lumMod val="60000"/>
-                <a:lumOff val="40000"/>
-              </a:schemeClr>
-            </a:solidFill>
-          </a:ln>
-        </p:spPr>
-        <p:style>
-          <a:lnRef idx="1">
-            <a:schemeClr val="accent1"/>
-          </a:lnRef>
-          <a:fillRef idx="0">
-            <a:schemeClr val="accent1"/>
-          </a:fillRef>
-          <a:effectRef idx="0">
-            <a:schemeClr val="accent1"/>
-          </a:effectRef>
-          <a:fontRef idx="minor">
-            <a:schemeClr val="tx1"/>
-          </a:fontRef>
-        </p:style>
-      </p:cxnSp>
-      <p:cxnSp>
-        <p:nvCxnSpPr>
-          <p:cNvPr id="12" name="Conector recto 11"/>
-          <p:cNvCxnSpPr/>
-          <p:nvPr/>
-        </p:nvCxnSpPr>
-        <p:spPr>
-          <a:xfrm>
-            <a:off x="1584101" y="2562896"/>
-            <a:ext cx="0" cy="3606084"/>
-          </a:xfrm>
-          <a:prstGeom prst="line">
-            <a:avLst/>
-          </a:prstGeom>
-          <a:ln w="76200">
-            <a:solidFill>
-              <a:srgbClr val="0070C0"/>
-            </a:solidFill>
-          </a:ln>
-        </p:spPr>
-        <p:style>
-          <a:lnRef idx="1">
-            <a:schemeClr val="accent1"/>
-          </a:lnRef>
-          <a:fillRef idx="0">
-            <a:schemeClr val="accent1"/>
-          </a:fillRef>
-          <a:effectRef idx="0">
-            <a:schemeClr val="accent1"/>
-          </a:effectRef>
-          <a:fontRef idx="minor">
-            <a:schemeClr val="tx1"/>
-          </a:fontRef>
-        </p:style>
-      </p:cxnSp>
-      <p:cxnSp>
-        <p:nvCxnSpPr>
-          <p:cNvPr id="19" name="Conector recto 18"/>
-          <p:cNvCxnSpPr/>
-          <p:nvPr/>
-        </p:nvCxnSpPr>
-        <p:spPr>
-          <a:xfrm>
-            <a:off x="2292439" y="489397"/>
-            <a:ext cx="0" cy="965915"/>
-          </a:xfrm>
-          <a:prstGeom prst="line">
-            <a:avLst/>
-          </a:prstGeom>
-          <a:ln w="76200"/>
-        </p:spPr>
-        <p:style>
-          <a:lnRef idx="3">
-            <a:schemeClr val="accent2"/>
-          </a:lnRef>
-          <a:fillRef idx="0">
-            <a:schemeClr val="accent2"/>
-          </a:fillRef>
-          <a:effectRef idx="2">
-            <a:schemeClr val="accent2"/>
-          </a:effectRef>
-          <a:fontRef idx="minor">
-            <a:schemeClr val="tx1"/>
-          </a:fontRef>
-        </p:style>
-      </p:cxnSp>
-      <p:cxnSp>
-        <p:nvCxnSpPr>
-          <p:cNvPr id="21" name="Conector recto 20"/>
-          <p:cNvCxnSpPr/>
-          <p:nvPr/>
-        </p:nvCxnSpPr>
-        <p:spPr>
-          <a:xfrm>
-            <a:off x="2292439" y="1658953"/>
-            <a:ext cx="0" cy="824247"/>
-          </a:xfrm>
-          <a:prstGeom prst="line">
-            <a:avLst/>
-          </a:prstGeom>
-          <a:ln w="76200">
-            <a:solidFill>
-              <a:schemeClr val="accent2">
-                <a:lumMod val="50000"/>
-              </a:schemeClr>
-            </a:solidFill>
-          </a:ln>
-        </p:spPr>
-        <p:style>
-          <a:lnRef idx="3">
-            <a:schemeClr val="accent2"/>
-          </a:lnRef>
-          <a:fillRef idx="0">
-            <a:schemeClr val="accent2"/>
-          </a:fillRef>
-          <a:effectRef idx="2">
-            <a:schemeClr val="accent2"/>
-          </a:effectRef>
-          <a:fontRef idx="minor">
-            <a:schemeClr val="tx1"/>
-          </a:fontRef>
-        </p:style>
-      </p:cxnSp>
-      <p:cxnSp>
-        <p:nvCxnSpPr>
-          <p:cNvPr id="24" name="Conector recto 23"/>
-          <p:cNvCxnSpPr/>
-          <p:nvPr/>
-        </p:nvCxnSpPr>
-        <p:spPr>
-          <a:xfrm>
-            <a:off x="2292439" y="2562896"/>
-            <a:ext cx="0" cy="1944710"/>
-          </a:xfrm>
-          <a:prstGeom prst="line">
-            <a:avLst/>
-          </a:prstGeom>
-          <a:ln w="76200">
-            <a:solidFill>
-              <a:schemeClr val="accent6">
-                <a:lumMod val="60000"/>
-                <a:lumOff val="40000"/>
-              </a:schemeClr>
-            </a:solidFill>
-          </a:ln>
-        </p:spPr>
-        <p:style>
-          <a:lnRef idx="1">
-            <a:schemeClr val="accent1"/>
-          </a:lnRef>
-          <a:fillRef idx="0">
-            <a:schemeClr val="accent1"/>
-          </a:fillRef>
-          <a:effectRef idx="0">
-            <a:schemeClr val="accent1"/>
-          </a:effectRef>
-          <a:fontRef idx="minor">
-            <a:schemeClr val="tx1"/>
-          </a:fontRef>
-        </p:style>
-      </p:cxnSp>
-      <p:cxnSp>
-        <p:nvCxnSpPr>
-          <p:cNvPr id="25" name="Conector recto 24"/>
-          <p:cNvCxnSpPr/>
-          <p:nvPr/>
-        </p:nvCxnSpPr>
-        <p:spPr>
-          <a:xfrm>
-            <a:off x="2292439" y="4634248"/>
-            <a:ext cx="0" cy="1534732"/>
-          </a:xfrm>
-          <a:prstGeom prst="line">
-            <a:avLst/>
-          </a:prstGeom>
-          <a:ln w="76200">
-            <a:solidFill>
-              <a:schemeClr val="accent6">
-                <a:lumMod val="75000"/>
-              </a:schemeClr>
-            </a:solidFill>
-          </a:ln>
-        </p:spPr>
-        <p:style>
-          <a:lnRef idx="1">
-            <a:schemeClr val="accent1"/>
-          </a:lnRef>
-          <a:fillRef idx="0">
-            <a:schemeClr val="accent1"/>
-          </a:fillRef>
-          <a:effectRef idx="0">
-            <a:schemeClr val="accent1"/>
-          </a:effectRef>
-          <a:fontRef idx="minor">
-            <a:schemeClr val="tx1"/>
-          </a:fontRef>
-        </p:style>
-      </p:cxnSp>
-      <p:sp>
-        <p:nvSpPr>
-          <p:cNvPr id="33" name="CuadroTexto 32"/>
-          <p:cNvSpPr txBox="1"/>
-          <p:nvPr/>
-        </p:nvSpPr>
-        <p:spPr>
-          <a:xfrm>
-            <a:off x="309094" y="3212085"/>
-            <a:ext cx="193184" cy="646331"/>
-          </a:xfrm>
-          <a:prstGeom prst="rect">
-            <a:avLst/>
-          </a:prstGeom>
-          <a:noFill/>
-        </p:spPr>
-        <p:txBody>
-          <a:bodyPr wrap="square" rtlCol="0">
-            <a:spAutoFit/>
-          </a:bodyPr>
-          <a:lstStyle/>
-          <a:p>
-            <a:r>
-              <a:rPr lang="es-ES" dirty="0" smtClean="0"/>
-              <a:t>A</a:t>
-            </a:r>
-          </a:p>
-          <a:p>
-            <a:r>
-              <a:rPr lang="es-ES" dirty="0"/>
-              <a:t>1</a:t>
-            </a:r>
-          </a:p>
-        </p:txBody>
-      </p:sp>
-      <p:sp>
-        <p:nvSpPr>
-          <p:cNvPr id="34" name="CuadroTexto 33"/>
-          <p:cNvSpPr txBox="1"/>
-          <p:nvPr/>
-        </p:nvSpPr>
-        <p:spPr>
-          <a:xfrm flipH="1">
-            <a:off x="1030308" y="1132146"/>
-            <a:ext cx="347732" cy="646331"/>
-          </a:xfrm>
-          <a:prstGeom prst="rect">
-            <a:avLst/>
-          </a:prstGeom>
-          <a:noFill/>
-        </p:spPr>
-        <p:txBody>
-          <a:bodyPr wrap="square" rtlCol="0">
-            <a:spAutoFit/>
-          </a:bodyPr>
-          <a:lstStyle/>
-          <a:p>
-            <a:r>
-              <a:rPr lang="es-ES" dirty="0" smtClean="0"/>
-              <a:t>A</a:t>
-            </a:r>
-          </a:p>
-          <a:p>
-            <a:r>
-              <a:rPr lang="es-ES" dirty="0"/>
-              <a:t>2</a:t>
-            </a:r>
-          </a:p>
-        </p:txBody>
-      </p:sp>
-      <p:sp>
-        <p:nvSpPr>
-          <p:cNvPr id="35" name="CuadroTexto 34"/>
-          <p:cNvSpPr txBox="1"/>
-          <p:nvPr/>
-        </p:nvSpPr>
-        <p:spPr>
-          <a:xfrm flipH="1">
-            <a:off x="1056067" y="3719607"/>
-            <a:ext cx="347732" cy="646331"/>
-          </a:xfrm>
-          <a:prstGeom prst="rect">
-            <a:avLst/>
-          </a:prstGeom>
-          <a:noFill/>
-        </p:spPr>
-        <p:txBody>
-          <a:bodyPr wrap="square" rtlCol="0">
-            <a:spAutoFit/>
-          </a:bodyPr>
-          <a:lstStyle/>
-          <a:p>
-            <a:r>
-              <a:rPr lang="es-ES" dirty="0" smtClean="0"/>
-              <a:t>A</a:t>
-            </a:r>
-          </a:p>
-          <a:p>
-            <a:r>
-              <a:rPr lang="es-ES" dirty="0" smtClean="0"/>
-              <a:t>3</a:t>
-            </a:r>
-            <a:endParaRPr lang="es-ES" dirty="0"/>
-          </a:p>
-        </p:txBody>
-      </p:sp>
-      <p:sp>
-        <p:nvSpPr>
-          <p:cNvPr id="36" name="CuadroTexto 35"/>
-          <p:cNvSpPr txBox="1"/>
-          <p:nvPr/>
-        </p:nvSpPr>
-        <p:spPr>
-          <a:xfrm flipH="1">
-            <a:off x="1873874" y="649188"/>
-            <a:ext cx="347732" cy="646331"/>
-          </a:xfrm>
-          <a:prstGeom prst="rect">
-            <a:avLst/>
-          </a:prstGeom>
-          <a:noFill/>
-        </p:spPr>
-        <p:txBody>
-          <a:bodyPr wrap="square" rtlCol="0">
-            <a:spAutoFit/>
-          </a:bodyPr>
-          <a:lstStyle/>
-          <a:p>
-            <a:r>
-              <a:rPr lang="es-ES" dirty="0" smtClean="0"/>
-              <a:t>A</a:t>
-            </a:r>
-          </a:p>
-          <a:p>
-            <a:r>
-              <a:rPr lang="es-ES" dirty="0" smtClean="0"/>
-              <a:t>4</a:t>
-            </a:r>
-            <a:endParaRPr lang="es-ES" dirty="0"/>
-          </a:p>
-        </p:txBody>
-      </p:sp>
-      <p:sp>
-        <p:nvSpPr>
-          <p:cNvPr id="37" name="CuadroTexto 36"/>
-          <p:cNvSpPr txBox="1"/>
-          <p:nvPr/>
-        </p:nvSpPr>
-        <p:spPr>
-          <a:xfrm flipH="1">
-            <a:off x="1873874" y="1685938"/>
-            <a:ext cx="347732" cy="646331"/>
-          </a:xfrm>
-          <a:prstGeom prst="rect">
-            <a:avLst/>
-          </a:prstGeom>
-          <a:noFill/>
-        </p:spPr>
-        <p:txBody>
-          <a:bodyPr wrap="square" rtlCol="0">
-            <a:spAutoFit/>
-          </a:bodyPr>
-          <a:lstStyle/>
-          <a:p>
-            <a:r>
-              <a:rPr lang="es-ES" dirty="0" smtClean="0"/>
-              <a:t>A</a:t>
-            </a:r>
-          </a:p>
-          <a:p>
-            <a:r>
-              <a:rPr lang="es-ES" dirty="0"/>
-              <a:t>5</a:t>
-            </a:r>
-          </a:p>
-        </p:txBody>
-      </p:sp>
-      <p:sp>
-        <p:nvSpPr>
-          <p:cNvPr id="38" name="CuadroTexto 37"/>
-          <p:cNvSpPr txBox="1"/>
-          <p:nvPr/>
-        </p:nvSpPr>
-        <p:spPr>
-          <a:xfrm flipH="1">
-            <a:off x="1851337" y="3199205"/>
-            <a:ext cx="347732" cy="646331"/>
-          </a:xfrm>
-          <a:prstGeom prst="rect">
-            <a:avLst/>
-          </a:prstGeom>
-          <a:noFill/>
-        </p:spPr>
-        <p:txBody>
-          <a:bodyPr wrap="square" rtlCol="0">
-            <a:spAutoFit/>
-          </a:bodyPr>
-          <a:lstStyle/>
-          <a:p>
-            <a:r>
-              <a:rPr lang="es-ES" dirty="0" smtClean="0"/>
-              <a:t>A</a:t>
-            </a:r>
-          </a:p>
-          <a:p>
-            <a:r>
-              <a:rPr lang="es-ES" dirty="0" smtClean="0"/>
-              <a:t>6</a:t>
-            </a:r>
-            <a:endParaRPr lang="es-ES" dirty="0"/>
-          </a:p>
-        </p:txBody>
-      </p:sp>
-      <p:sp>
-        <p:nvSpPr>
-          <p:cNvPr id="39" name="CuadroTexto 38"/>
-          <p:cNvSpPr txBox="1"/>
-          <p:nvPr/>
-        </p:nvSpPr>
-        <p:spPr>
-          <a:xfrm flipH="1">
-            <a:off x="1851336" y="5033372"/>
-            <a:ext cx="347732" cy="646331"/>
-          </a:xfrm>
-          <a:prstGeom prst="rect">
-            <a:avLst/>
-          </a:prstGeom>
-          <a:noFill/>
-        </p:spPr>
-        <p:txBody>
-          <a:bodyPr wrap="square" rtlCol="0">
-            <a:spAutoFit/>
-          </a:bodyPr>
-          <a:lstStyle/>
-          <a:p>
-            <a:r>
-              <a:rPr lang="es-ES" dirty="0" smtClean="0"/>
-              <a:t>A</a:t>
-            </a:r>
-          </a:p>
-          <a:p>
-            <a:r>
-              <a:rPr lang="es-ES" dirty="0"/>
-              <a:t>7</a:t>
-            </a:r>
-          </a:p>
-        </p:txBody>
-      </p:sp>
       <p:cxnSp>
         <p:nvCxnSpPr>
           <p:cNvPr id="41" name="Conector recto 40"/>
@@ -8232,78 +7742,626 @@
           </a:fontRef>
         </p:style>
       </p:cxnSp>
-      <p:cxnSp>
-        <p:nvCxnSpPr>
-          <p:cNvPr id="59" name="Conector recto 58"/>
-          <p:cNvCxnSpPr/>
-          <p:nvPr/>
-        </p:nvCxnSpPr>
-        <p:spPr>
-          <a:xfrm>
-            <a:off x="2656268" y="3555760"/>
-            <a:ext cx="8555" cy="951846"/>
-          </a:xfrm>
-          <a:prstGeom prst="line">
-            <a:avLst/>
-          </a:prstGeom>
-          <a:ln w="76200">
-            <a:solidFill>
-              <a:srgbClr val="7030A0"/>
-            </a:solidFill>
-          </a:ln>
-        </p:spPr>
-        <p:style>
-          <a:lnRef idx="1">
-            <a:schemeClr val="accent1"/>
-          </a:lnRef>
-          <a:fillRef idx="0">
-            <a:schemeClr val="accent1"/>
-          </a:fillRef>
-          <a:effectRef idx="0">
-            <a:schemeClr val="accent1"/>
-          </a:effectRef>
-          <a:fontRef idx="minor">
-            <a:schemeClr val="tx1"/>
-          </a:fontRef>
-        </p:style>
-      </p:cxnSp>
-      <p:cxnSp>
-        <p:nvCxnSpPr>
-          <p:cNvPr id="67" name="Conector recto 66"/>
-          <p:cNvCxnSpPr/>
-          <p:nvPr/>
-        </p:nvCxnSpPr>
-        <p:spPr>
-          <a:xfrm>
-            <a:off x="2664823" y="5406189"/>
-            <a:ext cx="0" cy="762791"/>
-          </a:xfrm>
-          <a:prstGeom prst="line">
-            <a:avLst/>
-          </a:prstGeom>
-          <a:ln w="76200">
-            <a:solidFill>
-              <a:schemeClr val="accent4">
-                <a:lumMod val="75000"/>
-              </a:schemeClr>
-            </a:solidFill>
-          </a:ln>
-        </p:spPr>
-        <p:style>
-          <a:lnRef idx="1">
-            <a:schemeClr val="accent1"/>
-          </a:lnRef>
-          <a:fillRef idx="0">
-            <a:schemeClr val="accent1"/>
-          </a:fillRef>
-          <a:effectRef idx="0">
-            <a:schemeClr val="accent1"/>
-          </a:effectRef>
-          <a:fontRef idx="minor">
-            <a:schemeClr val="tx1"/>
-          </a:fontRef>
-        </p:style>
-      </p:cxnSp>
+      <p:grpSp>
+        <p:nvGrpSpPr>
+          <p:cNvPr id="2" name="Grupo 1"/>
+          <p:cNvGrpSpPr/>
+          <p:nvPr/>
+        </p:nvGrpSpPr>
+        <p:grpSpPr>
+          <a:xfrm flipH="1">
+            <a:off x="6890310" y="143184"/>
+            <a:ext cx="2678805" cy="6112042"/>
+            <a:chOff x="309094" y="336884"/>
+            <a:chExt cx="2678805" cy="6112042"/>
+          </a:xfrm>
+        </p:grpSpPr>
+        <p:sp>
+          <p:nvSpPr>
+            <p:cNvPr id="81" name="Rectángulo 80"/>
+            <p:cNvSpPr/>
+            <p:nvPr/>
+          </p:nvSpPr>
+          <p:spPr>
+            <a:xfrm>
+              <a:off x="309094" y="336884"/>
+              <a:ext cx="2678805" cy="6112042"/>
+            </a:xfrm>
+            <a:prstGeom prst="rect">
+              <a:avLst/>
+            </a:prstGeom>
+          </p:spPr>
+          <p:style>
+            <a:lnRef idx="2">
+              <a:schemeClr val="accent2"/>
+            </a:lnRef>
+            <a:fillRef idx="1">
+              <a:schemeClr val="lt1"/>
+            </a:fillRef>
+            <a:effectRef idx="0">
+              <a:schemeClr val="accent2"/>
+            </a:effectRef>
+            <a:fontRef idx="minor">
+              <a:schemeClr val="dk1"/>
+            </a:fontRef>
+          </p:style>
+          <p:txBody>
+            <a:bodyPr rtlCol="0" anchor="ctr"/>
+            <a:lstStyle/>
+            <a:p>
+              <a:pPr algn="ctr"/>
+              <a:endParaRPr lang="es-ES"/>
+            </a:p>
+          </p:txBody>
+        </p:sp>
+        <p:cxnSp>
+          <p:nvCxnSpPr>
+            <p:cNvPr id="5" name="Conector recto 4"/>
+            <p:cNvCxnSpPr/>
+            <p:nvPr/>
+          </p:nvCxnSpPr>
+          <p:spPr>
+            <a:xfrm>
+              <a:off x="759854" y="489397"/>
+              <a:ext cx="12878" cy="5679583"/>
+            </a:xfrm>
+            <a:prstGeom prst="line">
+              <a:avLst/>
+            </a:prstGeom>
+            <a:ln w="76200"/>
+          </p:spPr>
+          <p:style>
+            <a:lnRef idx="1">
+              <a:schemeClr val="accent1"/>
+            </a:lnRef>
+            <a:fillRef idx="0">
+              <a:schemeClr val="accent1"/>
+            </a:fillRef>
+            <a:effectRef idx="0">
+              <a:schemeClr val="accent1"/>
+            </a:effectRef>
+            <a:fontRef idx="minor">
+              <a:schemeClr val="tx1"/>
+            </a:fontRef>
+          </p:style>
+        </p:cxnSp>
+        <p:cxnSp>
+          <p:nvCxnSpPr>
+            <p:cNvPr id="10" name="Conector recto 9"/>
+            <p:cNvCxnSpPr/>
+            <p:nvPr/>
+          </p:nvCxnSpPr>
+          <p:spPr>
+            <a:xfrm>
+              <a:off x="1584101" y="489397"/>
+              <a:ext cx="0" cy="1931831"/>
+            </a:xfrm>
+            <a:prstGeom prst="line">
+              <a:avLst/>
+            </a:prstGeom>
+            <a:ln w="76200">
+              <a:solidFill>
+                <a:schemeClr val="accent1">
+                  <a:lumMod val="60000"/>
+                  <a:lumOff val="40000"/>
+                </a:schemeClr>
+              </a:solidFill>
+            </a:ln>
+          </p:spPr>
+          <p:style>
+            <a:lnRef idx="1">
+              <a:schemeClr val="accent1"/>
+            </a:lnRef>
+            <a:fillRef idx="0">
+              <a:schemeClr val="accent1"/>
+            </a:fillRef>
+            <a:effectRef idx="0">
+              <a:schemeClr val="accent1"/>
+            </a:effectRef>
+            <a:fontRef idx="minor">
+              <a:schemeClr val="tx1"/>
+            </a:fontRef>
+          </p:style>
+        </p:cxnSp>
+        <p:cxnSp>
+          <p:nvCxnSpPr>
+            <p:cNvPr id="12" name="Conector recto 11"/>
+            <p:cNvCxnSpPr/>
+            <p:nvPr/>
+          </p:nvCxnSpPr>
+          <p:spPr>
+            <a:xfrm>
+              <a:off x="1584101" y="2562896"/>
+              <a:ext cx="0" cy="3606084"/>
+            </a:xfrm>
+            <a:prstGeom prst="line">
+              <a:avLst/>
+            </a:prstGeom>
+            <a:ln w="76200">
+              <a:solidFill>
+                <a:srgbClr val="0070C0"/>
+              </a:solidFill>
+            </a:ln>
+          </p:spPr>
+          <p:style>
+            <a:lnRef idx="1">
+              <a:schemeClr val="accent1"/>
+            </a:lnRef>
+            <a:fillRef idx="0">
+              <a:schemeClr val="accent1"/>
+            </a:fillRef>
+            <a:effectRef idx="0">
+              <a:schemeClr val="accent1"/>
+            </a:effectRef>
+            <a:fontRef idx="minor">
+              <a:schemeClr val="tx1"/>
+            </a:fontRef>
+          </p:style>
+        </p:cxnSp>
+        <p:cxnSp>
+          <p:nvCxnSpPr>
+            <p:cNvPr id="19" name="Conector recto 18"/>
+            <p:cNvCxnSpPr/>
+            <p:nvPr/>
+          </p:nvCxnSpPr>
+          <p:spPr>
+            <a:xfrm>
+              <a:off x="2292439" y="489397"/>
+              <a:ext cx="0" cy="965915"/>
+            </a:xfrm>
+            <a:prstGeom prst="line">
+              <a:avLst/>
+            </a:prstGeom>
+            <a:ln w="76200"/>
+          </p:spPr>
+          <p:style>
+            <a:lnRef idx="3">
+              <a:schemeClr val="accent2"/>
+            </a:lnRef>
+            <a:fillRef idx="0">
+              <a:schemeClr val="accent2"/>
+            </a:fillRef>
+            <a:effectRef idx="2">
+              <a:schemeClr val="accent2"/>
+            </a:effectRef>
+            <a:fontRef idx="minor">
+              <a:schemeClr val="tx1"/>
+            </a:fontRef>
+          </p:style>
+        </p:cxnSp>
+        <p:cxnSp>
+          <p:nvCxnSpPr>
+            <p:cNvPr id="21" name="Conector recto 20"/>
+            <p:cNvCxnSpPr/>
+            <p:nvPr/>
+          </p:nvCxnSpPr>
+          <p:spPr>
+            <a:xfrm>
+              <a:off x="2292439" y="1658953"/>
+              <a:ext cx="0" cy="824247"/>
+            </a:xfrm>
+            <a:prstGeom prst="line">
+              <a:avLst/>
+            </a:prstGeom>
+            <a:ln w="76200">
+              <a:solidFill>
+                <a:schemeClr val="accent2">
+                  <a:lumMod val="50000"/>
+                </a:schemeClr>
+              </a:solidFill>
+            </a:ln>
+          </p:spPr>
+          <p:style>
+            <a:lnRef idx="3">
+              <a:schemeClr val="accent2"/>
+            </a:lnRef>
+            <a:fillRef idx="0">
+              <a:schemeClr val="accent2"/>
+            </a:fillRef>
+            <a:effectRef idx="2">
+              <a:schemeClr val="accent2"/>
+            </a:effectRef>
+            <a:fontRef idx="minor">
+              <a:schemeClr val="tx1"/>
+            </a:fontRef>
+          </p:style>
+        </p:cxnSp>
+        <p:cxnSp>
+          <p:nvCxnSpPr>
+            <p:cNvPr id="24" name="Conector recto 23"/>
+            <p:cNvCxnSpPr/>
+            <p:nvPr/>
+          </p:nvCxnSpPr>
+          <p:spPr>
+            <a:xfrm>
+              <a:off x="2292439" y="2562896"/>
+              <a:ext cx="0" cy="1944710"/>
+            </a:xfrm>
+            <a:prstGeom prst="line">
+              <a:avLst/>
+            </a:prstGeom>
+            <a:ln w="76200">
+              <a:solidFill>
+                <a:schemeClr val="accent6">
+                  <a:lumMod val="60000"/>
+                  <a:lumOff val="40000"/>
+                </a:schemeClr>
+              </a:solidFill>
+            </a:ln>
+          </p:spPr>
+          <p:style>
+            <a:lnRef idx="1">
+              <a:schemeClr val="accent1"/>
+            </a:lnRef>
+            <a:fillRef idx="0">
+              <a:schemeClr val="accent1"/>
+            </a:fillRef>
+            <a:effectRef idx="0">
+              <a:schemeClr val="accent1"/>
+            </a:effectRef>
+            <a:fontRef idx="minor">
+              <a:schemeClr val="tx1"/>
+            </a:fontRef>
+          </p:style>
+        </p:cxnSp>
+        <p:cxnSp>
+          <p:nvCxnSpPr>
+            <p:cNvPr id="25" name="Conector recto 24"/>
+            <p:cNvCxnSpPr/>
+            <p:nvPr/>
+          </p:nvCxnSpPr>
+          <p:spPr>
+            <a:xfrm>
+              <a:off x="2292439" y="4634248"/>
+              <a:ext cx="0" cy="1534732"/>
+            </a:xfrm>
+            <a:prstGeom prst="line">
+              <a:avLst/>
+            </a:prstGeom>
+            <a:ln w="76200">
+              <a:solidFill>
+                <a:schemeClr val="accent6">
+                  <a:lumMod val="75000"/>
+                </a:schemeClr>
+              </a:solidFill>
+            </a:ln>
+          </p:spPr>
+          <p:style>
+            <a:lnRef idx="1">
+              <a:schemeClr val="accent1"/>
+            </a:lnRef>
+            <a:fillRef idx="0">
+              <a:schemeClr val="accent1"/>
+            </a:fillRef>
+            <a:effectRef idx="0">
+              <a:schemeClr val="accent1"/>
+            </a:effectRef>
+            <a:fontRef idx="minor">
+              <a:schemeClr val="tx1"/>
+            </a:fontRef>
+          </p:style>
+        </p:cxnSp>
+        <p:sp>
+          <p:nvSpPr>
+            <p:cNvPr id="33" name="CuadroTexto 32"/>
+            <p:cNvSpPr txBox="1"/>
+            <p:nvPr/>
+          </p:nvSpPr>
+          <p:spPr>
+            <a:xfrm>
+              <a:off x="309094" y="3212085"/>
+              <a:ext cx="193184" cy="646331"/>
+            </a:xfrm>
+            <a:prstGeom prst="rect">
+              <a:avLst/>
+            </a:prstGeom>
+            <a:noFill/>
+          </p:spPr>
+          <p:txBody>
+            <a:bodyPr wrap="square" rtlCol="0">
+              <a:spAutoFit/>
+            </a:bodyPr>
+            <a:lstStyle/>
+            <a:p>
+              <a:r>
+                <a:rPr lang="es-ES" dirty="0" smtClean="0"/>
+                <a:t>A</a:t>
+              </a:r>
+            </a:p>
+            <a:p>
+              <a:r>
+                <a:rPr lang="es-ES" dirty="0"/>
+                <a:t>1</a:t>
+              </a:r>
+            </a:p>
+          </p:txBody>
+        </p:sp>
+        <p:sp>
+          <p:nvSpPr>
+            <p:cNvPr id="34" name="CuadroTexto 33"/>
+            <p:cNvSpPr txBox="1"/>
+            <p:nvPr/>
+          </p:nvSpPr>
+          <p:spPr>
+            <a:xfrm flipH="1">
+              <a:off x="1030308" y="1132146"/>
+              <a:ext cx="347732" cy="646331"/>
+            </a:xfrm>
+            <a:prstGeom prst="rect">
+              <a:avLst/>
+            </a:prstGeom>
+            <a:noFill/>
+          </p:spPr>
+          <p:txBody>
+            <a:bodyPr wrap="square" rtlCol="0">
+              <a:spAutoFit/>
+            </a:bodyPr>
+            <a:lstStyle/>
+            <a:p>
+              <a:r>
+                <a:rPr lang="es-ES" dirty="0" smtClean="0"/>
+                <a:t>A</a:t>
+              </a:r>
+            </a:p>
+            <a:p>
+              <a:r>
+                <a:rPr lang="es-ES" dirty="0"/>
+                <a:t>2</a:t>
+              </a:r>
+            </a:p>
+          </p:txBody>
+        </p:sp>
+        <p:sp>
+          <p:nvSpPr>
+            <p:cNvPr id="35" name="CuadroTexto 34"/>
+            <p:cNvSpPr txBox="1"/>
+            <p:nvPr/>
+          </p:nvSpPr>
+          <p:spPr>
+            <a:xfrm flipH="1">
+              <a:off x="1056067" y="3719607"/>
+              <a:ext cx="347732" cy="646331"/>
+            </a:xfrm>
+            <a:prstGeom prst="rect">
+              <a:avLst/>
+            </a:prstGeom>
+            <a:noFill/>
+          </p:spPr>
+          <p:txBody>
+            <a:bodyPr wrap="square" rtlCol="0">
+              <a:spAutoFit/>
+            </a:bodyPr>
+            <a:lstStyle/>
+            <a:p>
+              <a:r>
+                <a:rPr lang="es-ES" dirty="0" smtClean="0"/>
+                <a:t>A</a:t>
+              </a:r>
+            </a:p>
+            <a:p>
+              <a:r>
+                <a:rPr lang="es-ES" dirty="0" smtClean="0"/>
+                <a:t>3</a:t>
+              </a:r>
+              <a:endParaRPr lang="es-ES" dirty="0"/>
+            </a:p>
+          </p:txBody>
+        </p:sp>
+        <p:sp>
+          <p:nvSpPr>
+            <p:cNvPr id="36" name="CuadroTexto 35"/>
+            <p:cNvSpPr txBox="1"/>
+            <p:nvPr/>
+          </p:nvSpPr>
+          <p:spPr>
+            <a:xfrm flipH="1">
+              <a:off x="1873874" y="649188"/>
+              <a:ext cx="347732" cy="646331"/>
+            </a:xfrm>
+            <a:prstGeom prst="rect">
+              <a:avLst/>
+            </a:prstGeom>
+            <a:noFill/>
+          </p:spPr>
+          <p:txBody>
+            <a:bodyPr wrap="square" rtlCol="0">
+              <a:spAutoFit/>
+            </a:bodyPr>
+            <a:lstStyle/>
+            <a:p>
+              <a:r>
+                <a:rPr lang="es-ES" dirty="0" smtClean="0"/>
+                <a:t>A</a:t>
+              </a:r>
+            </a:p>
+            <a:p>
+              <a:r>
+                <a:rPr lang="es-ES" dirty="0" smtClean="0"/>
+                <a:t>4</a:t>
+              </a:r>
+              <a:endParaRPr lang="es-ES" dirty="0"/>
+            </a:p>
+          </p:txBody>
+        </p:sp>
+        <p:sp>
+          <p:nvSpPr>
+            <p:cNvPr id="37" name="CuadroTexto 36"/>
+            <p:cNvSpPr txBox="1"/>
+            <p:nvPr/>
+          </p:nvSpPr>
+          <p:spPr>
+            <a:xfrm flipH="1">
+              <a:off x="1873874" y="1685938"/>
+              <a:ext cx="347732" cy="646331"/>
+            </a:xfrm>
+            <a:prstGeom prst="rect">
+              <a:avLst/>
+            </a:prstGeom>
+            <a:noFill/>
+          </p:spPr>
+          <p:txBody>
+            <a:bodyPr wrap="square" rtlCol="0">
+              <a:spAutoFit/>
+            </a:bodyPr>
+            <a:lstStyle/>
+            <a:p>
+              <a:r>
+                <a:rPr lang="es-ES" dirty="0" smtClean="0"/>
+                <a:t>A</a:t>
+              </a:r>
+            </a:p>
+            <a:p>
+              <a:r>
+                <a:rPr lang="es-ES" dirty="0"/>
+                <a:t>5</a:t>
+              </a:r>
+            </a:p>
+          </p:txBody>
+        </p:sp>
+        <p:sp>
+          <p:nvSpPr>
+            <p:cNvPr id="38" name="CuadroTexto 37"/>
+            <p:cNvSpPr txBox="1"/>
+            <p:nvPr/>
+          </p:nvSpPr>
+          <p:spPr>
+            <a:xfrm flipH="1">
+              <a:off x="1851337" y="3199205"/>
+              <a:ext cx="347732" cy="646331"/>
+            </a:xfrm>
+            <a:prstGeom prst="rect">
+              <a:avLst/>
+            </a:prstGeom>
+            <a:noFill/>
+          </p:spPr>
+          <p:txBody>
+            <a:bodyPr wrap="square" rtlCol="0">
+              <a:spAutoFit/>
+            </a:bodyPr>
+            <a:lstStyle/>
+            <a:p>
+              <a:r>
+                <a:rPr lang="es-ES" dirty="0" smtClean="0"/>
+                <a:t>A</a:t>
+              </a:r>
+            </a:p>
+            <a:p>
+              <a:r>
+                <a:rPr lang="es-ES" dirty="0" smtClean="0"/>
+                <a:t>6</a:t>
+              </a:r>
+              <a:endParaRPr lang="es-ES" dirty="0"/>
+            </a:p>
+          </p:txBody>
+        </p:sp>
+        <p:sp>
+          <p:nvSpPr>
+            <p:cNvPr id="39" name="CuadroTexto 38"/>
+            <p:cNvSpPr txBox="1"/>
+            <p:nvPr/>
+          </p:nvSpPr>
+          <p:spPr>
+            <a:xfrm flipH="1">
+              <a:off x="1851336" y="5033372"/>
+              <a:ext cx="347732" cy="646331"/>
+            </a:xfrm>
+            <a:prstGeom prst="rect">
+              <a:avLst/>
+            </a:prstGeom>
+            <a:noFill/>
+          </p:spPr>
+          <p:txBody>
+            <a:bodyPr wrap="square" rtlCol="0">
+              <a:spAutoFit/>
+            </a:bodyPr>
+            <a:lstStyle/>
+            <a:p>
+              <a:r>
+                <a:rPr lang="es-ES" dirty="0" smtClean="0"/>
+                <a:t>A</a:t>
+              </a:r>
+            </a:p>
+            <a:p>
+              <a:r>
+                <a:rPr lang="es-ES" dirty="0"/>
+                <a:t>7</a:t>
+              </a:r>
+            </a:p>
+          </p:txBody>
+        </p:sp>
+        <p:cxnSp>
+          <p:nvCxnSpPr>
+            <p:cNvPr id="59" name="Conector recto 58"/>
+            <p:cNvCxnSpPr/>
+            <p:nvPr/>
+          </p:nvCxnSpPr>
+          <p:spPr>
+            <a:xfrm>
+              <a:off x="2656268" y="3555760"/>
+              <a:ext cx="8555" cy="951846"/>
+            </a:xfrm>
+            <a:prstGeom prst="line">
+              <a:avLst/>
+            </a:prstGeom>
+            <a:ln w="76200">
+              <a:solidFill>
+                <a:srgbClr val="7030A0"/>
+              </a:solidFill>
+            </a:ln>
+          </p:spPr>
+          <p:style>
+            <a:lnRef idx="1">
+              <a:schemeClr val="accent1"/>
+            </a:lnRef>
+            <a:fillRef idx="0">
+              <a:schemeClr val="accent1"/>
+            </a:fillRef>
+            <a:effectRef idx="0">
+              <a:schemeClr val="accent1"/>
+            </a:effectRef>
+            <a:fontRef idx="minor">
+              <a:schemeClr val="tx1"/>
+            </a:fontRef>
+          </p:style>
+        </p:cxnSp>
+        <p:cxnSp>
+          <p:nvCxnSpPr>
+            <p:cNvPr id="67" name="Conector recto 66"/>
+            <p:cNvCxnSpPr/>
+            <p:nvPr/>
+          </p:nvCxnSpPr>
+          <p:spPr>
+            <a:xfrm>
+              <a:off x="2664823" y="5406189"/>
+              <a:ext cx="0" cy="762791"/>
+            </a:xfrm>
+            <a:prstGeom prst="line">
+              <a:avLst/>
+            </a:prstGeom>
+            <a:ln w="76200">
+              <a:solidFill>
+                <a:schemeClr val="accent4">
+                  <a:lumMod val="75000"/>
+                </a:schemeClr>
+              </a:solidFill>
+            </a:ln>
+          </p:spPr>
+          <p:style>
+            <a:lnRef idx="1">
+              <a:schemeClr val="accent1"/>
+            </a:lnRef>
+            <a:fillRef idx="0">
+              <a:schemeClr val="accent1"/>
+            </a:fillRef>
+            <a:effectRef idx="0">
+              <a:schemeClr val="accent1"/>
+            </a:effectRef>
+            <a:fontRef idx="minor">
+              <a:schemeClr val="tx1"/>
+            </a:fontRef>
+          </p:style>
+        </p:cxnSp>
+      </p:grpSp>
       <p:cxnSp>
         <p:nvCxnSpPr>
           <p:cNvPr id="71" name="Conector recto 70"/>
@@ -8632,6 +8690,4735 @@
     <p:extLst>
       <p:ext uri="{BB962C8B-B14F-4D97-AF65-F5344CB8AC3E}">
         <p14:creationId xmlns:p14="http://schemas.microsoft.com/office/powerpoint/2010/main" val="300229981"/>
+      </p:ext>
+    </p:extLst>
+  </p:cSld>
+  <p:clrMapOvr>
+    <a:masterClrMapping/>
+  </p:clrMapOvr>
+</p:sld>
+</file>
+
+<file path=ppt/slides/slide5.xml><?xml version="1.0" encoding="utf-8"?>
+<p:sld xmlns:a="http://schemas.openxmlformats.org/drawingml/2006/main" xmlns:r="http://schemas.openxmlformats.org/officeDocument/2006/relationships" xmlns:p="http://schemas.openxmlformats.org/presentationml/2006/main">
+  <p:cSld>
+    <p:spTree>
+      <p:nvGrpSpPr>
+        <p:cNvPr id="1" name=""/>
+        <p:cNvGrpSpPr/>
+        <p:nvPr/>
+      </p:nvGrpSpPr>
+      <p:grpSpPr>
+        <a:xfrm>
+          <a:off x="0" y="0"/>
+          <a:ext cx="0" cy="0"/>
+          <a:chOff x="0" y="0"/>
+          <a:chExt cx="0" cy="0"/>
+        </a:xfrm>
+      </p:grpSpPr>
+      <p:cxnSp>
+        <p:nvCxnSpPr>
+          <p:cNvPr id="5" name="Conector recto 4"/>
+          <p:cNvCxnSpPr/>
+          <p:nvPr/>
+        </p:nvCxnSpPr>
+        <p:spPr>
+          <a:xfrm>
+            <a:off x="4608895" y="649974"/>
+            <a:ext cx="20054" cy="5687510"/>
+          </a:xfrm>
+          <a:prstGeom prst="line">
+            <a:avLst/>
+          </a:prstGeom>
+          <a:ln w="76200"/>
+        </p:spPr>
+        <p:style>
+          <a:lnRef idx="1">
+            <a:schemeClr val="accent1"/>
+          </a:lnRef>
+          <a:fillRef idx="0">
+            <a:schemeClr val="accent1"/>
+          </a:fillRef>
+          <a:effectRef idx="0">
+            <a:schemeClr val="accent1"/>
+          </a:effectRef>
+          <a:fontRef idx="minor">
+            <a:schemeClr val="tx1"/>
+          </a:fontRef>
+        </p:style>
+      </p:cxnSp>
+      <p:sp>
+        <p:nvSpPr>
+          <p:cNvPr id="33" name="CuadroTexto 32"/>
+          <p:cNvSpPr txBox="1"/>
+          <p:nvPr/>
+        </p:nvSpPr>
+        <p:spPr>
+          <a:xfrm flipH="1">
+            <a:off x="4628949" y="2510716"/>
+            <a:ext cx="393812" cy="646331"/>
+          </a:xfrm>
+          <a:prstGeom prst="rect">
+            <a:avLst/>
+          </a:prstGeom>
+          <a:noFill/>
+        </p:spPr>
+        <p:txBody>
+          <a:bodyPr wrap="square" rtlCol="0">
+            <a:spAutoFit/>
+          </a:bodyPr>
+          <a:lstStyle/>
+          <a:p>
+            <a:r>
+              <a:rPr lang="es-ES" dirty="0" smtClean="0"/>
+              <a:t>A</a:t>
+            </a:r>
+          </a:p>
+          <a:p>
+            <a:r>
+              <a:rPr lang="es-ES" dirty="0"/>
+              <a:t>1</a:t>
+            </a:r>
+          </a:p>
+        </p:txBody>
+      </p:sp>
+      <p:cxnSp>
+        <p:nvCxnSpPr>
+          <p:cNvPr id="71" name="Conector recto 70"/>
+          <p:cNvCxnSpPr/>
+          <p:nvPr/>
+        </p:nvCxnSpPr>
+        <p:spPr>
+          <a:xfrm>
+            <a:off x="7388066" y="1462944"/>
+            <a:ext cx="1443789" cy="0"/>
+          </a:xfrm>
+          <a:prstGeom prst="line">
+            <a:avLst/>
+          </a:prstGeom>
+          <a:ln w="76200"/>
+        </p:spPr>
+        <p:style>
+          <a:lnRef idx="1">
+            <a:schemeClr val="accent1"/>
+          </a:lnRef>
+          <a:fillRef idx="0">
+            <a:schemeClr val="accent1"/>
+          </a:fillRef>
+          <a:effectRef idx="0">
+            <a:schemeClr val="accent1"/>
+          </a:effectRef>
+          <a:fontRef idx="minor">
+            <a:schemeClr val="tx1"/>
+          </a:fontRef>
+        </p:style>
+      </p:cxnSp>
+      <p:sp>
+        <p:nvSpPr>
+          <p:cNvPr id="79" name="Rectángulo 78"/>
+          <p:cNvSpPr/>
+          <p:nvPr/>
+        </p:nvSpPr>
+        <p:spPr>
+          <a:xfrm>
+            <a:off x="7123372" y="1184560"/>
+            <a:ext cx="3411546" cy="3799563"/>
+          </a:xfrm>
+          <a:prstGeom prst="rect">
+            <a:avLst/>
+          </a:prstGeom>
+          <a:noFill/>
+          <a:ln>
+            <a:solidFill>
+              <a:srgbClr val="FF0000"/>
+            </a:solidFill>
+          </a:ln>
+        </p:spPr>
+        <p:style>
+          <a:lnRef idx="2">
+            <a:schemeClr val="accent1">
+              <a:shade val="50000"/>
+            </a:schemeClr>
+          </a:lnRef>
+          <a:fillRef idx="1">
+            <a:schemeClr val="accent1"/>
+          </a:fillRef>
+          <a:effectRef idx="0">
+            <a:schemeClr val="accent1"/>
+          </a:effectRef>
+          <a:fontRef idx="minor">
+            <a:schemeClr val="lt1"/>
+          </a:fontRef>
+        </p:style>
+        <p:txBody>
+          <a:bodyPr rtlCol="0" anchor="ctr"/>
+          <a:lstStyle/>
+          <a:p>
+            <a:pPr algn="ctr"/>
+            <a:endParaRPr lang="es-ES"/>
+          </a:p>
+        </p:txBody>
+      </p:sp>
+      <p:sp>
+        <p:nvSpPr>
+          <p:cNvPr id="80" name="CuadroTexto 79"/>
+          <p:cNvSpPr txBox="1"/>
+          <p:nvPr/>
+        </p:nvSpPr>
+        <p:spPr>
+          <a:xfrm>
+            <a:off x="7123372" y="424690"/>
+            <a:ext cx="1973179" cy="369332"/>
+          </a:xfrm>
+          <a:prstGeom prst="rect">
+            <a:avLst/>
+          </a:prstGeom>
+          <a:noFill/>
+        </p:spPr>
+        <p:txBody>
+          <a:bodyPr wrap="square" rtlCol="0">
+            <a:spAutoFit/>
+          </a:bodyPr>
+          <a:lstStyle/>
+          <a:p>
+            <a:pPr algn="ctr"/>
+            <a:r>
+              <a:rPr lang="es-ES" dirty="0" smtClean="0"/>
+              <a:t>Configuración </a:t>
+            </a:r>
+            <a:endParaRPr lang="es-ES" dirty="0"/>
+          </a:p>
+        </p:txBody>
+      </p:sp>
+      <p:sp>
+        <p:nvSpPr>
+          <p:cNvPr id="20" name="Rectángulo 19"/>
+          <p:cNvSpPr/>
+          <p:nvPr/>
+        </p:nvSpPr>
+        <p:spPr>
+          <a:xfrm>
+            <a:off x="4224270" y="424690"/>
+            <a:ext cx="1043189" cy="6285203"/>
+          </a:xfrm>
+          <a:prstGeom prst="rect">
+            <a:avLst/>
+          </a:prstGeom>
+          <a:noFill/>
+        </p:spPr>
+        <p:style>
+          <a:lnRef idx="2">
+            <a:schemeClr val="accent1">
+              <a:shade val="50000"/>
+            </a:schemeClr>
+          </a:lnRef>
+          <a:fillRef idx="1">
+            <a:schemeClr val="accent1"/>
+          </a:fillRef>
+          <a:effectRef idx="0">
+            <a:schemeClr val="accent1"/>
+          </a:effectRef>
+          <a:fontRef idx="minor">
+            <a:schemeClr val="lt1"/>
+          </a:fontRef>
+        </p:style>
+        <p:txBody>
+          <a:bodyPr rtlCol="0" anchor="ctr"/>
+          <a:lstStyle/>
+          <a:p>
+            <a:pPr algn="ctr"/>
+            <a:endParaRPr lang="es-ES"/>
+          </a:p>
+        </p:txBody>
+      </p:sp>
+      <p:sp>
+        <p:nvSpPr>
+          <p:cNvPr id="27" name="CuadroTexto 26"/>
+          <p:cNvSpPr txBox="1"/>
+          <p:nvPr/>
+        </p:nvSpPr>
+        <p:spPr>
+          <a:xfrm>
+            <a:off x="9096551" y="1462944"/>
+            <a:ext cx="1232305" cy="369332"/>
+          </a:xfrm>
+          <a:prstGeom prst="rect">
+            <a:avLst/>
+          </a:prstGeom>
+          <a:noFill/>
+        </p:spPr>
+        <p:txBody>
+          <a:bodyPr wrap="square" rtlCol="0">
+            <a:spAutoFit/>
+          </a:bodyPr>
+          <a:lstStyle/>
+          <a:p>
+            <a:r>
+              <a:rPr lang="es-ES" dirty="0" smtClean="0"/>
+              <a:t>Estándar</a:t>
+            </a:r>
+            <a:endParaRPr lang="es-ES" dirty="0"/>
+          </a:p>
+        </p:txBody>
+      </p:sp>
+      <p:sp>
+        <p:nvSpPr>
+          <p:cNvPr id="28" name="Elipse 27"/>
+          <p:cNvSpPr/>
+          <p:nvPr/>
+        </p:nvSpPr>
+        <p:spPr>
+          <a:xfrm>
+            <a:off x="244699" y="540913"/>
+            <a:ext cx="1365160" cy="1291363"/>
+          </a:xfrm>
+          <a:prstGeom prst="ellipse">
+            <a:avLst/>
+          </a:prstGeom>
+        </p:spPr>
+        <p:style>
+          <a:lnRef idx="2">
+            <a:schemeClr val="accent1">
+              <a:shade val="50000"/>
+            </a:schemeClr>
+          </a:lnRef>
+          <a:fillRef idx="1">
+            <a:schemeClr val="accent1"/>
+          </a:fillRef>
+          <a:effectRef idx="0">
+            <a:schemeClr val="accent1"/>
+          </a:effectRef>
+          <a:fontRef idx="minor">
+            <a:schemeClr val="lt1"/>
+          </a:fontRef>
+        </p:style>
+        <p:txBody>
+          <a:bodyPr rtlCol="0" anchor="ctr"/>
+          <a:lstStyle/>
+          <a:p>
+            <a:pPr algn="ctr"/>
+            <a:r>
+              <a:rPr lang="es-ES" dirty="0" smtClean="0"/>
+              <a:t>1</a:t>
+            </a:r>
+            <a:endParaRPr lang="es-ES" dirty="0"/>
+          </a:p>
+        </p:txBody>
+      </p:sp>
+    </p:spTree>
+    <p:extLst>
+      <p:ext uri="{BB962C8B-B14F-4D97-AF65-F5344CB8AC3E}">
+        <p14:creationId xmlns:p14="http://schemas.microsoft.com/office/powerpoint/2010/main" val="3792559999"/>
+      </p:ext>
+    </p:extLst>
+  </p:cSld>
+  <p:clrMapOvr>
+    <a:masterClrMapping/>
+  </p:clrMapOvr>
+</p:sld>
+</file>
+
+<file path=ppt/slides/slide6.xml><?xml version="1.0" encoding="utf-8"?>
+<p:sld xmlns:a="http://schemas.openxmlformats.org/drawingml/2006/main" xmlns:r="http://schemas.openxmlformats.org/officeDocument/2006/relationships" xmlns:p="http://schemas.openxmlformats.org/presentationml/2006/main">
+  <p:cSld>
+    <p:spTree>
+      <p:nvGrpSpPr>
+        <p:cNvPr id="1" name=""/>
+        <p:cNvGrpSpPr/>
+        <p:nvPr/>
+      </p:nvGrpSpPr>
+      <p:grpSpPr>
+        <a:xfrm>
+          <a:off x="0" y="0"/>
+          <a:ext cx="0" cy="0"/>
+          <a:chOff x="0" y="0"/>
+          <a:chExt cx="0" cy="0"/>
+        </a:xfrm>
+      </p:grpSpPr>
+      <p:cxnSp>
+        <p:nvCxnSpPr>
+          <p:cNvPr id="5" name="Conector recto 4"/>
+          <p:cNvCxnSpPr/>
+          <p:nvPr/>
+        </p:nvCxnSpPr>
+        <p:spPr>
+          <a:xfrm flipH="1">
+            <a:off x="5917836" y="723536"/>
+            <a:ext cx="5435" cy="1427236"/>
+          </a:xfrm>
+          <a:prstGeom prst="line">
+            <a:avLst/>
+          </a:prstGeom>
+          <a:ln w="76200"/>
+        </p:spPr>
+        <p:style>
+          <a:lnRef idx="1">
+            <a:schemeClr val="accent1"/>
+          </a:lnRef>
+          <a:fillRef idx="0">
+            <a:schemeClr val="accent1"/>
+          </a:fillRef>
+          <a:effectRef idx="0">
+            <a:schemeClr val="accent1"/>
+          </a:effectRef>
+          <a:fontRef idx="minor">
+            <a:schemeClr val="tx1"/>
+          </a:fontRef>
+        </p:style>
+      </p:cxnSp>
+      <p:sp>
+        <p:nvSpPr>
+          <p:cNvPr id="33" name="CuadroTexto 32"/>
+          <p:cNvSpPr txBox="1"/>
+          <p:nvPr/>
+        </p:nvSpPr>
+        <p:spPr>
+          <a:xfrm flipH="1">
+            <a:off x="5235763" y="2422547"/>
+            <a:ext cx="393812" cy="646331"/>
+          </a:xfrm>
+          <a:prstGeom prst="rect">
+            <a:avLst/>
+          </a:prstGeom>
+          <a:noFill/>
+        </p:spPr>
+        <p:txBody>
+          <a:bodyPr wrap="square" rtlCol="0">
+            <a:spAutoFit/>
+          </a:bodyPr>
+          <a:lstStyle/>
+          <a:p>
+            <a:r>
+              <a:rPr lang="es-ES" dirty="0" smtClean="0"/>
+              <a:t>A</a:t>
+            </a:r>
+          </a:p>
+          <a:p>
+            <a:r>
+              <a:rPr lang="es-ES" dirty="0"/>
+              <a:t>1</a:t>
+            </a:r>
+          </a:p>
+        </p:txBody>
+      </p:sp>
+      <p:sp>
+        <p:nvSpPr>
+          <p:cNvPr id="79" name="Rectángulo 78"/>
+          <p:cNvSpPr/>
+          <p:nvPr/>
+        </p:nvSpPr>
+        <p:spPr>
+          <a:xfrm>
+            <a:off x="6649395" y="756710"/>
+            <a:ext cx="3734888" cy="2089522"/>
+          </a:xfrm>
+          <a:prstGeom prst="rect">
+            <a:avLst/>
+          </a:prstGeom>
+          <a:noFill/>
+          <a:ln>
+            <a:solidFill>
+              <a:srgbClr val="FF0000"/>
+            </a:solidFill>
+          </a:ln>
+        </p:spPr>
+        <p:style>
+          <a:lnRef idx="2">
+            <a:schemeClr val="accent1">
+              <a:shade val="50000"/>
+            </a:schemeClr>
+          </a:lnRef>
+          <a:fillRef idx="1">
+            <a:schemeClr val="accent1"/>
+          </a:fillRef>
+          <a:effectRef idx="0">
+            <a:schemeClr val="accent1"/>
+          </a:effectRef>
+          <a:fontRef idx="minor">
+            <a:schemeClr val="lt1"/>
+          </a:fontRef>
+        </p:style>
+        <p:txBody>
+          <a:bodyPr rtlCol="0" anchor="ctr"/>
+          <a:lstStyle/>
+          <a:p>
+            <a:pPr algn="ctr"/>
+            <a:endParaRPr lang="es-ES"/>
+          </a:p>
+        </p:txBody>
+      </p:sp>
+      <p:sp>
+        <p:nvSpPr>
+          <p:cNvPr id="80" name="CuadroTexto 79"/>
+          <p:cNvSpPr txBox="1"/>
+          <p:nvPr/>
+        </p:nvSpPr>
+        <p:spPr>
+          <a:xfrm>
+            <a:off x="7123372" y="424690"/>
+            <a:ext cx="1973179" cy="369332"/>
+          </a:xfrm>
+          <a:prstGeom prst="rect">
+            <a:avLst/>
+          </a:prstGeom>
+          <a:noFill/>
+        </p:spPr>
+        <p:txBody>
+          <a:bodyPr wrap="square" rtlCol="0">
+            <a:spAutoFit/>
+          </a:bodyPr>
+          <a:lstStyle/>
+          <a:p>
+            <a:pPr algn="ctr"/>
+            <a:r>
+              <a:rPr lang="es-ES" dirty="0" smtClean="0"/>
+              <a:t>Configuración </a:t>
+            </a:r>
+            <a:endParaRPr lang="es-ES" dirty="0"/>
+          </a:p>
+        </p:txBody>
+      </p:sp>
+      <p:sp>
+        <p:nvSpPr>
+          <p:cNvPr id="20" name="Rectángulo 19"/>
+          <p:cNvSpPr/>
+          <p:nvPr/>
+        </p:nvSpPr>
+        <p:spPr>
+          <a:xfrm>
+            <a:off x="4224270" y="424690"/>
+            <a:ext cx="2176530" cy="6285203"/>
+          </a:xfrm>
+          <a:prstGeom prst="rect">
+            <a:avLst/>
+          </a:prstGeom>
+          <a:noFill/>
+        </p:spPr>
+        <p:style>
+          <a:lnRef idx="2">
+            <a:schemeClr val="accent1">
+              <a:shade val="50000"/>
+            </a:schemeClr>
+          </a:lnRef>
+          <a:fillRef idx="1">
+            <a:schemeClr val="accent1"/>
+          </a:fillRef>
+          <a:effectRef idx="0">
+            <a:schemeClr val="accent1"/>
+          </a:effectRef>
+          <a:fontRef idx="minor">
+            <a:schemeClr val="lt1"/>
+          </a:fontRef>
+        </p:style>
+        <p:txBody>
+          <a:bodyPr rtlCol="0" anchor="ctr"/>
+          <a:lstStyle/>
+          <a:p>
+            <a:pPr algn="ctr"/>
+            <a:endParaRPr lang="es-ES"/>
+          </a:p>
+        </p:txBody>
+      </p:sp>
+      <p:sp>
+        <p:nvSpPr>
+          <p:cNvPr id="26" name="Rectángulo 25"/>
+          <p:cNvSpPr/>
+          <p:nvPr/>
+        </p:nvSpPr>
+        <p:spPr>
+          <a:xfrm>
+            <a:off x="528029" y="424690"/>
+            <a:ext cx="3593205" cy="6285203"/>
+          </a:xfrm>
+          <a:prstGeom prst="rect">
+            <a:avLst/>
+          </a:prstGeom>
+        </p:spPr>
+        <p:style>
+          <a:lnRef idx="2">
+            <a:schemeClr val="accent1"/>
+          </a:lnRef>
+          <a:fillRef idx="1">
+            <a:schemeClr val="lt1"/>
+          </a:fillRef>
+          <a:effectRef idx="0">
+            <a:schemeClr val="accent1"/>
+          </a:effectRef>
+          <a:fontRef idx="minor">
+            <a:schemeClr val="dk1"/>
+          </a:fontRef>
+        </p:style>
+        <p:txBody>
+          <a:bodyPr rtlCol="0" anchor="ctr"/>
+          <a:lstStyle/>
+          <a:p>
+            <a:pPr algn="ctr"/>
+            <a:endParaRPr lang="es-ES"/>
+          </a:p>
+        </p:txBody>
+      </p:sp>
+      <p:cxnSp>
+        <p:nvCxnSpPr>
+          <p:cNvPr id="60" name="Conector recto 59"/>
+          <p:cNvCxnSpPr/>
+          <p:nvPr/>
+        </p:nvCxnSpPr>
+        <p:spPr>
+          <a:xfrm>
+            <a:off x="2324631" y="1462944"/>
+            <a:ext cx="1443789" cy="0"/>
+          </a:xfrm>
+          <a:prstGeom prst="line">
+            <a:avLst/>
+          </a:prstGeom>
+          <a:ln w="76200"/>
+        </p:spPr>
+        <p:style>
+          <a:lnRef idx="3">
+            <a:schemeClr val="accent2"/>
+          </a:lnRef>
+          <a:fillRef idx="0">
+            <a:schemeClr val="accent2"/>
+          </a:fillRef>
+          <a:effectRef idx="2">
+            <a:schemeClr val="accent2"/>
+          </a:effectRef>
+          <a:fontRef idx="minor">
+            <a:schemeClr val="tx1"/>
+          </a:fontRef>
+        </p:style>
+      </p:cxnSp>
+      <p:cxnSp>
+        <p:nvCxnSpPr>
+          <p:cNvPr id="61" name="Conector recto 60"/>
+          <p:cNvCxnSpPr/>
+          <p:nvPr/>
+        </p:nvCxnSpPr>
+        <p:spPr>
+          <a:xfrm>
+            <a:off x="2324632" y="1762634"/>
+            <a:ext cx="1443789" cy="0"/>
+          </a:xfrm>
+          <a:prstGeom prst="line">
+            <a:avLst/>
+          </a:prstGeom>
+          <a:ln w="76200"/>
+        </p:spPr>
+        <p:style>
+          <a:lnRef idx="3">
+            <a:schemeClr val="accent2"/>
+          </a:lnRef>
+          <a:fillRef idx="0">
+            <a:schemeClr val="accent2"/>
+          </a:fillRef>
+          <a:effectRef idx="2">
+            <a:schemeClr val="accent2"/>
+          </a:effectRef>
+          <a:fontRef idx="minor">
+            <a:schemeClr val="tx1"/>
+          </a:fontRef>
+        </p:style>
+      </p:cxnSp>
+      <p:cxnSp>
+        <p:nvCxnSpPr>
+          <p:cNvPr id="62" name="Conector recto 61"/>
+          <p:cNvCxnSpPr/>
+          <p:nvPr/>
+        </p:nvCxnSpPr>
+        <p:spPr>
+          <a:xfrm>
+            <a:off x="2324632" y="2422546"/>
+            <a:ext cx="1443789" cy="0"/>
+          </a:xfrm>
+          <a:prstGeom prst="line">
+            <a:avLst/>
+          </a:prstGeom>
+          <a:ln w="76200"/>
+        </p:spPr>
+        <p:style>
+          <a:lnRef idx="3">
+            <a:schemeClr val="accent2"/>
+          </a:lnRef>
+          <a:fillRef idx="0">
+            <a:schemeClr val="accent2"/>
+          </a:fillRef>
+          <a:effectRef idx="2">
+            <a:schemeClr val="accent2"/>
+          </a:effectRef>
+          <a:fontRef idx="minor">
+            <a:schemeClr val="tx1"/>
+          </a:fontRef>
+        </p:style>
+      </p:cxnSp>
+      <p:cxnSp>
+        <p:nvCxnSpPr>
+          <p:cNvPr id="63" name="Conector recto 62"/>
+          <p:cNvCxnSpPr/>
+          <p:nvPr/>
+        </p:nvCxnSpPr>
+        <p:spPr>
+          <a:xfrm>
+            <a:off x="2324632" y="3298806"/>
+            <a:ext cx="1443789" cy="0"/>
+          </a:xfrm>
+          <a:prstGeom prst="line">
+            <a:avLst/>
+          </a:prstGeom>
+          <a:ln w="76200"/>
+        </p:spPr>
+        <p:style>
+          <a:lnRef idx="3">
+            <a:schemeClr val="accent2"/>
+          </a:lnRef>
+          <a:fillRef idx="0">
+            <a:schemeClr val="accent2"/>
+          </a:fillRef>
+          <a:effectRef idx="2">
+            <a:schemeClr val="accent2"/>
+          </a:effectRef>
+          <a:fontRef idx="minor">
+            <a:schemeClr val="tx1"/>
+          </a:fontRef>
+        </p:style>
+      </p:cxnSp>
+      <p:cxnSp>
+        <p:nvCxnSpPr>
+          <p:cNvPr id="64" name="Conector recto 63"/>
+          <p:cNvCxnSpPr/>
+          <p:nvPr/>
+        </p:nvCxnSpPr>
+        <p:spPr>
+          <a:xfrm>
+            <a:off x="2324632" y="4275453"/>
+            <a:ext cx="1443789" cy="0"/>
+          </a:xfrm>
+          <a:prstGeom prst="line">
+            <a:avLst/>
+          </a:prstGeom>
+          <a:ln w="76200"/>
+        </p:spPr>
+        <p:style>
+          <a:lnRef idx="3">
+            <a:schemeClr val="accent2"/>
+          </a:lnRef>
+          <a:fillRef idx="0">
+            <a:schemeClr val="accent2"/>
+          </a:fillRef>
+          <a:effectRef idx="2">
+            <a:schemeClr val="accent2"/>
+          </a:effectRef>
+          <a:fontRef idx="minor">
+            <a:schemeClr val="tx1"/>
+          </a:fontRef>
+        </p:style>
+      </p:cxnSp>
+      <p:cxnSp>
+        <p:nvCxnSpPr>
+          <p:cNvPr id="65" name="Conector recto 64"/>
+          <p:cNvCxnSpPr/>
+          <p:nvPr/>
+        </p:nvCxnSpPr>
+        <p:spPr>
+          <a:xfrm>
+            <a:off x="2324632" y="5496800"/>
+            <a:ext cx="1443789" cy="0"/>
+          </a:xfrm>
+          <a:prstGeom prst="line">
+            <a:avLst/>
+          </a:prstGeom>
+          <a:ln w="76200"/>
+        </p:spPr>
+        <p:style>
+          <a:lnRef idx="3">
+            <a:schemeClr val="accent2"/>
+          </a:lnRef>
+          <a:fillRef idx="0">
+            <a:schemeClr val="accent2"/>
+          </a:fillRef>
+          <a:effectRef idx="2">
+            <a:schemeClr val="accent2"/>
+          </a:effectRef>
+          <a:fontRef idx="minor">
+            <a:schemeClr val="tx1"/>
+          </a:fontRef>
+        </p:style>
+      </p:cxnSp>
+      <p:cxnSp>
+        <p:nvCxnSpPr>
+          <p:cNvPr id="19" name="Conector recto 18"/>
+          <p:cNvCxnSpPr/>
+          <p:nvPr/>
+        </p:nvCxnSpPr>
+        <p:spPr>
+          <a:xfrm flipH="1">
+            <a:off x="5087485" y="2286531"/>
+            <a:ext cx="1192" cy="2221075"/>
+          </a:xfrm>
+          <a:prstGeom prst="line">
+            <a:avLst/>
+          </a:prstGeom>
+          <a:ln w="76200">
+            <a:solidFill>
+              <a:srgbClr val="00B050"/>
+            </a:solidFill>
+          </a:ln>
+        </p:spPr>
+        <p:style>
+          <a:lnRef idx="1">
+            <a:schemeClr val="accent1"/>
+          </a:lnRef>
+          <a:fillRef idx="0">
+            <a:schemeClr val="accent1"/>
+          </a:fillRef>
+          <a:effectRef idx="0">
+            <a:schemeClr val="accent1"/>
+          </a:effectRef>
+          <a:fontRef idx="minor">
+            <a:schemeClr val="tx1"/>
+          </a:fontRef>
+        </p:style>
+      </p:cxnSp>
+      <p:grpSp>
+        <p:nvGrpSpPr>
+          <p:cNvPr id="15" name="Grupo 14"/>
+          <p:cNvGrpSpPr/>
+          <p:nvPr/>
+        </p:nvGrpSpPr>
+        <p:grpSpPr>
+          <a:xfrm>
+            <a:off x="6971876" y="1114875"/>
+            <a:ext cx="3412407" cy="1434802"/>
+            <a:chOff x="7388066" y="1462944"/>
+            <a:chExt cx="3700644" cy="1621397"/>
+          </a:xfrm>
+        </p:grpSpPr>
+        <p:cxnSp>
+          <p:nvCxnSpPr>
+            <p:cNvPr id="71" name="Conector recto 70"/>
+            <p:cNvCxnSpPr/>
+            <p:nvPr/>
+          </p:nvCxnSpPr>
+          <p:spPr>
+            <a:xfrm>
+              <a:off x="7388066" y="1462944"/>
+              <a:ext cx="1443789" cy="0"/>
+            </a:xfrm>
+            <a:prstGeom prst="line">
+              <a:avLst/>
+            </a:prstGeom>
+            <a:ln w="76200"/>
+          </p:spPr>
+          <p:style>
+            <a:lnRef idx="1">
+              <a:schemeClr val="accent1"/>
+            </a:lnRef>
+            <a:fillRef idx="0">
+              <a:schemeClr val="accent1"/>
+            </a:fillRef>
+            <a:effectRef idx="0">
+              <a:schemeClr val="accent1"/>
+            </a:effectRef>
+            <a:fontRef idx="minor">
+              <a:schemeClr val="tx1"/>
+            </a:fontRef>
+          </p:style>
+        </p:cxnSp>
+        <p:cxnSp>
+          <p:nvCxnSpPr>
+            <p:cNvPr id="75" name="Conector recto 74"/>
+            <p:cNvCxnSpPr/>
+            <p:nvPr/>
+          </p:nvCxnSpPr>
+          <p:spPr>
+            <a:xfrm>
+              <a:off x="7388066" y="2899675"/>
+              <a:ext cx="1443789" cy="0"/>
+            </a:xfrm>
+            <a:prstGeom prst="line">
+              <a:avLst/>
+            </a:prstGeom>
+            <a:ln w="76200"/>
+          </p:spPr>
+          <p:style>
+            <a:lnRef idx="3">
+              <a:schemeClr val="accent2"/>
+            </a:lnRef>
+            <a:fillRef idx="0">
+              <a:schemeClr val="accent2"/>
+            </a:fillRef>
+            <a:effectRef idx="2">
+              <a:schemeClr val="accent2"/>
+            </a:effectRef>
+            <a:fontRef idx="minor">
+              <a:schemeClr val="tx1"/>
+            </a:fontRef>
+          </p:style>
+        </p:cxnSp>
+        <p:sp>
+          <p:nvSpPr>
+            <p:cNvPr id="27" name="CuadroTexto 26"/>
+            <p:cNvSpPr txBox="1"/>
+            <p:nvPr/>
+          </p:nvSpPr>
+          <p:spPr>
+            <a:xfrm>
+              <a:off x="9096551" y="1462944"/>
+              <a:ext cx="1232305" cy="369332"/>
+            </a:xfrm>
+            <a:prstGeom prst="rect">
+              <a:avLst/>
+            </a:prstGeom>
+            <a:noFill/>
+          </p:spPr>
+          <p:txBody>
+            <a:bodyPr wrap="square" rtlCol="0">
+              <a:spAutoFit/>
+            </a:bodyPr>
+            <a:lstStyle/>
+            <a:p>
+              <a:r>
+                <a:rPr lang="es-ES" dirty="0" err="1" smtClean="0"/>
+                <a:t>Estandar</a:t>
+              </a:r>
+              <a:endParaRPr lang="es-ES" dirty="0"/>
+            </a:p>
+          </p:txBody>
+        </p:sp>
+        <p:sp>
+          <p:nvSpPr>
+            <p:cNvPr id="68" name="CuadroTexto 67"/>
+            <p:cNvSpPr txBox="1"/>
+            <p:nvPr/>
+          </p:nvSpPr>
+          <p:spPr>
+            <a:xfrm>
+              <a:off x="9096551" y="2715009"/>
+              <a:ext cx="1232305" cy="369332"/>
+            </a:xfrm>
+            <a:prstGeom prst="rect">
+              <a:avLst/>
+            </a:prstGeom>
+            <a:noFill/>
+          </p:spPr>
+          <p:txBody>
+            <a:bodyPr wrap="square" rtlCol="0">
+              <a:spAutoFit/>
+            </a:bodyPr>
+            <a:lstStyle/>
+            <a:p>
+              <a:r>
+                <a:rPr lang="es-ES" dirty="0" smtClean="0"/>
+                <a:t>Feriados</a:t>
+              </a:r>
+            </a:p>
+          </p:txBody>
+        </p:sp>
+        <p:cxnSp>
+          <p:nvCxnSpPr>
+            <p:cNvPr id="21" name="Conector recto 20"/>
+            <p:cNvCxnSpPr/>
+            <p:nvPr/>
+          </p:nvCxnSpPr>
+          <p:spPr>
+            <a:xfrm>
+              <a:off x="7388066" y="2286531"/>
+              <a:ext cx="1443789" cy="0"/>
+            </a:xfrm>
+            <a:prstGeom prst="line">
+              <a:avLst/>
+            </a:prstGeom>
+            <a:ln w="76200">
+              <a:solidFill>
+                <a:srgbClr val="00B050"/>
+              </a:solidFill>
+            </a:ln>
+          </p:spPr>
+          <p:style>
+            <a:lnRef idx="1">
+              <a:schemeClr val="accent1"/>
+            </a:lnRef>
+            <a:fillRef idx="0">
+              <a:schemeClr val="accent1"/>
+            </a:fillRef>
+            <a:effectRef idx="0">
+              <a:schemeClr val="accent1"/>
+            </a:effectRef>
+            <a:fontRef idx="minor">
+              <a:schemeClr val="tx1"/>
+            </a:fontRef>
+          </p:style>
+        </p:cxnSp>
+        <p:sp>
+          <p:nvSpPr>
+            <p:cNvPr id="22" name="CuadroTexto 21"/>
+            <p:cNvSpPr txBox="1"/>
+            <p:nvPr/>
+          </p:nvSpPr>
+          <p:spPr>
+            <a:xfrm>
+              <a:off x="9067234" y="2038148"/>
+              <a:ext cx="2021476" cy="646331"/>
+            </a:xfrm>
+            <a:prstGeom prst="rect">
+              <a:avLst/>
+            </a:prstGeom>
+            <a:noFill/>
+          </p:spPr>
+          <p:txBody>
+            <a:bodyPr wrap="square" rtlCol="0">
+              <a:spAutoFit/>
+            </a:bodyPr>
+            <a:lstStyle/>
+            <a:p>
+              <a:r>
+                <a:rPr lang="es-ES" dirty="0" smtClean="0"/>
+                <a:t>Confutación 2 por </a:t>
+              </a:r>
+              <a:r>
+                <a:rPr lang="es-ES" dirty="0" err="1" smtClean="0"/>
+                <a:t>admin</a:t>
+              </a:r>
+              <a:r>
+                <a:rPr lang="es-ES" dirty="0" smtClean="0"/>
+                <a:t>.</a:t>
+              </a:r>
+              <a:endParaRPr lang="es-ES" dirty="0"/>
+            </a:p>
+          </p:txBody>
+        </p:sp>
+      </p:grpSp>
+      <p:sp>
+        <p:nvSpPr>
+          <p:cNvPr id="23" name="CuadroTexto 22"/>
+          <p:cNvSpPr txBox="1"/>
+          <p:nvPr/>
+        </p:nvSpPr>
+        <p:spPr>
+          <a:xfrm flipH="1">
+            <a:off x="6048846" y="1185945"/>
+            <a:ext cx="393812" cy="646331"/>
+          </a:xfrm>
+          <a:prstGeom prst="rect">
+            <a:avLst/>
+          </a:prstGeom>
+          <a:noFill/>
+        </p:spPr>
+        <p:txBody>
+          <a:bodyPr wrap="square" rtlCol="0">
+            <a:spAutoFit/>
+          </a:bodyPr>
+          <a:lstStyle/>
+          <a:p>
+            <a:r>
+              <a:rPr lang="es-ES" dirty="0" smtClean="0"/>
+              <a:t>A</a:t>
+            </a:r>
+          </a:p>
+          <a:p>
+            <a:r>
+              <a:rPr lang="es-ES" dirty="0"/>
+              <a:t>1</a:t>
+            </a:r>
+          </a:p>
+        </p:txBody>
+      </p:sp>
+      <p:cxnSp>
+        <p:nvCxnSpPr>
+          <p:cNvPr id="6" name="Conector recto de flecha 5"/>
+          <p:cNvCxnSpPr>
+            <a:stCxn id="33" idx="1"/>
+            <a:endCxn id="23" idx="2"/>
+          </p:cNvCxnSpPr>
+          <p:nvPr/>
+        </p:nvCxnSpPr>
+        <p:spPr>
+          <a:xfrm flipV="1">
+            <a:off x="5629575" y="1832276"/>
+            <a:ext cx="616177" cy="913437"/>
+          </a:xfrm>
+          <a:prstGeom prst="straightConnector1">
+            <a:avLst/>
+          </a:prstGeom>
+          <a:ln>
+            <a:tailEnd type="triangle"/>
+          </a:ln>
+        </p:spPr>
+        <p:style>
+          <a:lnRef idx="1">
+            <a:schemeClr val="accent1"/>
+          </a:lnRef>
+          <a:fillRef idx="0">
+            <a:schemeClr val="accent1"/>
+          </a:fillRef>
+          <a:effectRef idx="0">
+            <a:schemeClr val="accent1"/>
+          </a:effectRef>
+          <a:fontRef idx="minor">
+            <a:schemeClr val="tx1"/>
+          </a:fontRef>
+        </p:style>
+      </p:cxnSp>
+      <p:sp>
+        <p:nvSpPr>
+          <p:cNvPr id="30" name="CuadroTexto 29"/>
+          <p:cNvSpPr txBox="1"/>
+          <p:nvPr/>
+        </p:nvSpPr>
+        <p:spPr>
+          <a:xfrm flipH="1">
+            <a:off x="5191712" y="3629122"/>
+            <a:ext cx="393812" cy="646331"/>
+          </a:xfrm>
+          <a:prstGeom prst="rect">
+            <a:avLst/>
+          </a:prstGeom>
+          <a:noFill/>
+        </p:spPr>
+        <p:txBody>
+          <a:bodyPr wrap="square" rtlCol="0">
+            <a:spAutoFit/>
+          </a:bodyPr>
+          <a:lstStyle/>
+          <a:p>
+            <a:r>
+              <a:rPr lang="es-ES" dirty="0" smtClean="0"/>
+              <a:t>A</a:t>
+            </a:r>
+          </a:p>
+          <a:p>
+            <a:r>
+              <a:rPr lang="es-ES" dirty="0"/>
+              <a:t>2</a:t>
+            </a:r>
+            <a:endParaRPr lang="es-ES" dirty="0"/>
+          </a:p>
+        </p:txBody>
+      </p:sp>
+      <p:cxnSp>
+        <p:nvCxnSpPr>
+          <p:cNvPr id="34" name="Conector recto 33"/>
+          <p:cNvCxnSpPr/>
+          <p:nvPr/>
+        </p:nvCxnSpPr>
+        <p:spPr>
+          <a:xfrm>
+            <a:off x="4649273" y="4675031"/>
+            <a:ext cx="6009" cy="1878351"/>
+          </a:xfrm>
+          <a:prstGeom prst="line">
+            <a:avLst/>
+          </a:prstGeom>
+          <a:ln w="76200">
+            <a:solidFill>
+              <a:srgbClr val="00B050"/>
+            </a:solidFill>
+          </a:ln>
+        </p:spPr>
+        <p:style>
+          <a:lnRef idx="1">
+            <a:schemeClr val="accent1"/>
+          </a:lnRef>
+          <a:fillRef idx="0">
+            <a:schemeClr val="accent1"/>
+          </a:fillRef>
+          <a:effectRef idx="0">
+            <a:schemeClr val="accent1"/>
+          </a:effectRef>
+          <a:fontRef idx="minor">
+            <a:schemeClr val="tx1"/>
+          </a:fontRef>
+        </p:style>
+      </p:cxnSp>
+      <p:sp>
+        <p:nvSpPr>
+          <p:cNvPr id="16" name="CuadroTexto 15"/>
+          <p:cNvSpPr txBox="1"/>
+          <p:nvPr/>
+        </p:nvSpPr>
+        <p:spPr>
+          <a:xfrm>
+            <a:off x="4371241" y="723536"/>
+            <a:ext cx="820471" cy="646331"/>
+          </a:xfrm>
+          <a:prstGeom prst="rect">
+            <a:avLst/>
+          </a:prstGeom>
+          <a:noFill/>
+        </p:spPr>
+        <p:txBody>
+          <a:bodyPr wrap="square" rtlCol="0">
+            <a:spAutoFit/>
+          </a:bodyPr>
+          <a:lstStyle/>
+          <a:p>
+            <a:r>
+              <a:rPr lang="es-ES" dirty="0" err="1" smtClean="0"/>
+              <a:t>Atencion</a:t>
+            </a:r>
+            <a:endParaRPr lang="es-ES" dirty="0"/>
+          </a:p>
+        </p:txBody>
+      </p:sp>
+      <p:sp>
+        <p:nvSpPr>
+          <p:cNvPr id="38" name="CuadroTexto 37"/>
+          <p:cNvSpPr txBox="1"/>
+          <p:nvPr/>
+        </p:nvSpPr>
+        <p:spPr>
+          <a:xfrm>
+            <a:off x="766231" y="1278289"/>
+            <a:ext cx="1558400" cy="646331"/>
+          </a:xfrm>
+          <a:prstGeom prst="rect">
+            <a:avLst/>
+          </a:prstGeom>
+          <a:noFill/>
+        </p:spPr>
+        <p:txBody>
+          <a:bodyPr wrap="square" rtlCol="0">
+            <a:spAutoFit/>
+          </a:bodyPr>
+          <a:lstStyle/>
+          <a:p>
+            <a:r>
+              <a:rPr lang="es-ES" dirty="0" smtClean="0"/>
+              <a:t>Haber atención </a:t>
+            </a:r>
+            <a:endParaRPr lang="es-ES" dirty="0"/>
+          </a:p>
+        </p:txBody>
+      </p:sp>
+      <p:cxnSp>
+        <p:nvCxnSpPr>
+          <p:cNvPr id="44" name="Conector recto 43"/>
+          <p:cNvCxnSpPr/>
+          <p:nvPr/>
+        </p:nvCxnSpPr>
+        <p:spPr>
+          <a:xfrm>
+            <a:off x="6778693" y="3505479"/>
+            <a:ext cx="1331335" cy="0"/>
+          </a:xfrm>
+          <a:prstGeom prst="line">
+            <a:avLst/>
+          </a:prstGeom>
+          <a:ln w="76200"/>
+        </p:spPr>
+        <p:style>
+          <a:lnRef idx="1">
+            <a:schemeClr val="accent1"/>
+          </a:lnRef>
+          <a:fillRef idx="0">
+            <a:schemeClr val="accent1"/>
+          </a:fillRef>
+          <a:effectRef idx="0">
+            <a:schemeClr val="accent1"/>
+          </a:effectRef>
+          <a:fontRef idx="minor">
+            <a:schemeClr val="tx1"/>
+          </a:fontRef>
+        </p:style>
+      </p:cxnSp>
+      <p:sp>
+        <p:nvSpPr>
+          <p:cNvPr id="18" name="Rectángulo 17"/>
+          <p:cNvSpPr/>
+          <p:nvPr/>
+        </p:nvSpPr>
+        <p:spPr>
+          <a:xfrm>
+            <a:off x="6649396" y="3168203"/>
+            <a:ext cx="5224926" cy="2328598"/>
+          </a:xfrm>
+          <a:prstGeom prst="rect">
+            <a:avLst/>
+          </a:prstGeom>
+          <a:noFill/>
+        </p:spPr>
+        <p:style>
+          <a:lnRef idx="2">
+            <a:schemeClr val="accent1">
+              <a:shade val="50000"/>
+            </a:schemeClr>
+          </a:lnRef>
+          <a:fillRef idx="1">
+            <a:schemeClr val="accent1"/>
+          </a:fillRef>
+          <a:effectRef idx="0">
+            <a:schemeClr val="accent1"/>
+          </a:effectRef>
+          <a:fontRef idx="minor">
+            <a:schemeClr val="lt1"/>
+          </a:fontRef>
+        </p:style>
+        <p:txBody>
+          <a:bodyPr rtlCol="0" anchor="ctr"/>
+          <a:lstStyle/>
+          <a:p>
+            <a:pPr algn="ctr"/>
+            <a:endParaRPr lang="es-ES"/>
+          </a:p>
+        </p:txBody>
+      </p:sp>
+      <p:sp>
+        <p:nvSpPr>
+          <p:cNvPr id="24" name="Rectángulo 23"/>
+          <p:cNvSpPr/>
+          <p:nvPr/>
+        </p:nvSpPr>
+        <p:spPr>
+          <a:xfrm>
+            <a:off x="8303211" y="3421758"/>
+            <a:ext cx="1380402" cy="487583"/>
+          </a:xfrm>
+          <a:prstGeom prst="rect">
+            <a:avLst/>
+          </a:prstGeom>
+        </p:spPr>
+        <p:style>
+          <a:lnRef idx="2">
+            <a:schemeClr val="accent1">
+              <a:shade val="50000"/>
+            </a:schemeClr>
+          </a:lnRef>
+          <a:fillRef idx="1">
+            <a:schemeClr val="accent1"/>
+          </a:fillRef>
+          <a:effectRef idx="0">
+            <a:schemeClr val="accent1"/>
+          </a:effectRef>
+          <a:fontRef idx="minor">
+            <a:schemeClr val="lt1"/>
+          </a:fontRef>
+        </p:style>
+        <p:txBody>
+          <a:bodyPr rtlCol="0" anchor="ctr"/>
+          <a:lstStyle/>
+          <a:p>
+            <a:pPr algn="ctr"/>
+            <a:r>
+              <a:rPr lang="es-ES" dirty="0" smtClean="0"/>
+              <a:t>Sala 1</a:t>
+            </a:r>
+            <a:endParaRPr lang="es-ES" dirty="0"/>
+          </a:p>
+        </p:txBody>
+      </p:sp>
+      <p:sp>
+        <p:nvSpPr>
+          <p:cNvPr id="47" name="Rectángulo 46"/>
+          <p:cNvSpPr/>
+          <p:nvPr/>
+        </p:nvSpPr>
+        <p:spPr>
+          <a:xfrm>
+            <a:off x="8303211" y="4097967"/>
+            <a:ext cx="1380402" cy="487583"/>
+          </a:xfrm>
+          <a:prstGeom prst="rect">
+            <a:avLst/>
+          </a:prstGeom>
+        </p:spPr>
+        <p:style>
+          <a:lnRef idx="2">
+            <a:schemeClr val="accent1">
+              <a:shade val="50000"/>
+            </a:schemeClr>
+          </a:lnRef>
+          <a:fillRef idx="1">
+            <a:schemeClr val="accent1"/>
+          </a:fillRef>
+          <a:effectRef idx="0">
+            <a:schemeClr val="accent1"/>
+          </a:effectRef>
+          <a:fontRef idx="minor">
+            <a:schemeClr val="lt1"/>
+          </a:fontRef>
+        </p:style>
+        <p:txBody>
+          <a:bodyPr rtlCol="0" anchor="ctr"/>
+          <a:lstStyle/>
+          <a:p>
+            <a:pPr algn="ctr"/>
+            <a:r>
+              <a:rPr lang="es-ES" dirty="0" smtClean="0"/>
+              <a:t>Sala 2</a:t>
+            </a:r>
+            <a:endParaRPr lang="es-ES" dirty="0"/>
+          </a:p>
+        </p:txBody>
+      </p:sp>
+      <p:sp>
+        <p:nvSpPr>
+          <p:cNvPr id="48" name="Rectángulo 47"/>
+          <p:cNvSpPr/>
+          <p:nvPr/>
+        </p:nvSpPr>
+        <p:spPr>
+          <a:xfrm>
+            <a:off x="8303211" y="4774176"/>
+            <a:ext cx="1380402" cy="487583"/>
+          </a:xfrm>
+          <a:prstGeom prst="rect">
+            <a:avLst/>
+          </a:prstGeom>
+        </p:spPr>
+        <p:style>
+          <a:lnRef idx="2">
+            <a:schemeClr val="accent1">
+              <a:shade val="50000"/>
+            </a:schemeClr>
+          </a:lnRef>
+          <a:fillRef idx="1">
+            <a:schemeClr val="accent1"/>
+          </a:fillRef>
+          <a:effectRef idx="0">
+            <a:schemeClr val="accent1"/>
+          </a:effectRef>
+          <a:fontRef idx="minor">
+            <a:schemeClr val="lt1"/>
+          </a:fontRef>
+        </p:style>
+        <p:txBody>
+          <a:bodyPr rtlCol="0" anchor="ctr"/>
+          <a:lstStyle/>
+          <a:p>
+            <a:pPr algn="ctr"/>
+            <a:r>
+              <a:rPr lang="es-ES" dirty="0" smtClean="0"/>
+              <a:t>Sala 3</a:t>
+            </a:r>
+            <a:endParaRPr lang="es-ES" dirty="0"/>
+          </a:p>
+        </p:txBody>
+      </p:sp>
+      <p:sp>
+        <p:nvSpPr>
+          <p:cNvPr id="49" name="Rectángulo 48"/>
+          <p:cNvSpPr/>
+          <p:nvPr/>
+        </p:nvSpPr>
+        <p:spPr>
+          <a:xfrm>
+            <a:off x="9932209" y="3385330"/>
+            <a:ext cx="1380402" cy="487583"/>
+          </a:xfrm>
+          <a:prstGeom prst="rect">
+            <a:avLst/>
+          </a:prstGeom>
+        </p:spPr>
+        <p:style>
+          <a:lnRef idx="2">
+            <a:schemeClr val="accent1">
+              <a:shade val="50000"/>
+            </a:schemeClr>
+          </a:lnRef>
+          <a:fillRef idx="1">
+            <a:schemeClr val="accent1"/>
+          </a:fillRef>
+          <a:effectRef idx="0">
+            <a:schemeClr val="accent1"/>
+          </a:effectRef>
+          <a:fontRef idx="minor">
+            <a:schemeClr val="lt1"/>
+          </a:fontRef>
+        </p:style>
+        <p:txBody>
+          <a:bodyPr rtlCol="0" anchor="ctr"/>
+          <a:lstStyle/>
+          <a:p>
+            <a:pPr algn="ctr"/>
+            <a:r>
+              <a:rPr lang="es-ES" dirty="0" smtClean="0"/>
+              <a:t>horario 1</a:t>
+            </a:r>
+            <a:endParaRPr lang="es-ES" dirty="0"/>
+          </a:p>
+        </p:txBody>
+      </p:sp>
+      <p:sp>
+        <p:nvSpPr>
+          <p:cNvPr id="50" name="Rectángulo 49"/>
+          <p:cNvSpPr/>
+          <p:nvPr/>
+        </p:nvSpPr>
+        <p:spPr>
+          <a:xfrm>
+            <a:off x="9957026" y="4097966"/>
+            <a:ext cx="1380402" cy="487583"/>
+          </a:xfrm>
+          <a:prstGeom prst="rect">
+            <a:avLst/>
+          </a:prstGeom>
+        </p:spPr>
+        <p:style>
+          <a:lnRef idx="2">
+            <a:schemeClr val="accent1">
+              <a:shade val="50000"/>
+            </a:schemeClr>
+          </a:lnRef>
+          <a:fillRef idx="1">
+            <a:schemeClr val="accent1"/>
+          </a:fillRef>
+          <a:effectRef idx="0">
+            <a:schemeClr val="accent1"/>
+          </a:effectRef>
+          <a:fontRef idx="minor">
+            <a:schemeClr val="lt1"/>
+          </a:fontRef>
+        </p:style>
+        <p:txBody>
+          <a:bodyPr rtlCol="0" anchor="ctr"/>
+          <a:lstStyle/>
+          <a:p>
+            <a:pPr algn="ctr"/>
+            <a:r>
+              <a:rPr lang="es-ES" dirty="0" smtClean="0"/>
+              <a:t>horario 1</a:t>
+            </a:r>
+            <a:endParaRPr lang="es-ES" dirty="0"/>
+          </a:p>
+        </p:txBody>
+      </p:sp>
+      <p:sp>
+        <p:nvSpPr>
+          <p:cNvPr id="51" name="Rectángulo 50"/>
+          <p:cNvSpPr/>
+          <p:nvPr/>
+        </p:nvSpPr>
+        <p:spPr>
+          <a:xfrm>
+            <a:off x="9932209" y="4758817"/>
+            <a:ext cx="1380402" cy="487583"/>
+          </a:xfrm>
+          <a:prstGeom prst="rect">
+            <a:avLst/>
+          </a:prstGeom>
+        </p:spPr>
+        <p:style>
+          <a:lnRef idx="2">
+            <a:schemeClr val="accent1">
+              <a:shade val="50000"/>
+            </a:schemeClr>
+          </a:lnRef>
+          <a:fillRef idx="1">
+            <a:schemeClr val="accent1"/>
+          </a:fillRef>
+          <a:effectRef idx="0">
+            <a:schemeClr val="accent1"/>
+          </a:effectRef>
+          <a:fontRef idx="minor">
+            <a:schemeClr val="lt1"/>
+          </a:fontRef>
+        </p:style>
+        <p:txBody>
+          <a:bodyPr rtlCol="0" anchor="ctr"/>
+          <a:lstStyle/>
+          <a:p>
+            <a:pPr algn="ctr"/>
+            <a:r>
+              <a:rPr lang="es-ES" dirty="0" smtClean="0"/>
+              <a:t>horario 1</a:t>
+            </a:r>
+            <a:endParaRPr lang="es-ES" dirty="0"/>
+          </a:p>
+        </p:txBody>
+      </p:sp>
+      <p:cxnSp>
+        <p:nvCxnSpPr>
+          <p:cNvPr id="52" name="Conector recto 51"/>
+          <p:cNvCxnSpPr/>
+          <p:nvPr/>
+        </p:nvCxnSpPr>
+        <p:spPr>
+          <a:xfrm flipV="1">
+            <a:off x="2324631" y="888642"/>
+            <a:ext cx="1443789" cy="5146"/>
+          </a:xfrm>
+          <a:prstGeom prst="line">
+            <a:avLst/>
+          </a:prstGeom>
+          <a:ln w="76200"/>
+        </p:spPr>
+        <p:style>
+          <a:lnRef idx="1">
+            <a:schemeClr val="accent1"/>
+          </a:lnRef>
+          <a:fillRef idx="0">
+            <a:schemeClr val="accent1"/>
+          </a:fillRef>
+          <a:effectRef idx="0">
+            <a:schemeClr val="accent1"/>
+          </a:effectRef>
+          <a:fontRef idx="minor">
+            <a:schemeClr val="tx1"/>
+          </a:fontRef>
+        </p:style>
+      </p:cxnSp>
+      <p:cxnSp>
+        <p:nvCxnSpPr>
+          <p:cNvPr id="55" name="Conector recto 54"/>
+          <p:cNvCxnSpPr/>
+          <p:nvPr/>
+        </p:nvCxnSpPr>
+        <p:spPr>
+          <a:xfrm flipV="1">
+            <a:off x="2324630" y="1022242"/>
+            <a:ext cx="1443789" cy="5146"/>
+          </a:xfrm>
+          <a:prstGeom prst="line">
+            <a:avLst/>
+          </a:prstGeom>
+          <a:ln w="76200"/>
+        </p:spPr>
+        <p:style>
+          <a:lnRef idx="1">
+            <a:schemeClr val="accent1"/>
+          </a:lnRef>
+          <a:fillRef idx="0">
+            <a:schemeClr val="accent1"/>
+          </a:fillRef>
+          <a:effectRef idx="0">
+            <a:schemeClr val="accent1"/>
+          </a:effectRef>
+          <a:fontRef idx="minor">
+            <a:schemeClr val="tx1"/>
+          </a:fontRef>
+        </p:style>
+      </p:cxnSp>
+    </p:spTree>
+    <p:extLst>
+      <p:ext uri="{BB962C8B-B14F-4D97-AF65-F5344CB8AC3E}">
+        <p14:creationId xmlns:p14="http://schemas.microsoft.com/office/powerpoint/2010/main" val="4175908186"/>
+      </p:ext>
+    </p:extLst>
+  </p:cSld>
+  <p:clrMapOvr>
+    <a:masterClrMapping/>
+  </p:clrMapOvr>
+</p:sld>
+</file>
+
+<file path=ppt/slides/slide7.xml><?xml version="1.0" encoding="utf-8"?>
+<p:sld xmlns:a="http://schemas.openxmlformats.org/drawingml/2006/main" xmlns:r="http://schemas.openxmlformats.org/officeDocument/2006/relationships" xmlns:p="http://schemas.openxmlformats.org/presentationml/2006/main">
+  <p:cSld>
+    <p:spTree>
+      <p:nvGrpSpPr>
+        <p:cNvPr id="1" name=""/>
+        <p:cNvGrpSpPr/>
+        <p:nvPr/>
+      </p:nvGrpSpPr>
+      <p:grpSpPr>
+        <a:xfrm>
+          <a:off x="0" y="0"/>
+          <a:ext cx="0" cy="0"/>
+          <a:chOff x="0" y="0"/>
+          <a:chExt cx="0" cy="0"/>
+        </a:xfrm>
+      </p:grpSpPr>
+      <p:cxnSp>
+        <p:nvCxnSpPr>
+          <p:cNvPr id="5" name="Conector recto 4"/>
+          <p:cNvCxnSpPr/>
+          <p:nvPr/>
+        </p:nvCxnSpPr>
+        <p:spPr>
+          <a:xfrm flipH="1">
+            <a:off x="5080821" y="749326"/>
+            <a:ext cx="5435" cy="1427236"/>
+          </a:xfrm>
+          <a:prstGeom prst="line">
+            <a:avLst/>
+          </a:prstGeom>
+          <a:ln w="76200"/>
+        </p:spPr>
+        <p:style>
+          <a:lnRef idx="1">
+            <a:schemeClr val="accent1"/>
+          </a:lnRef>
+          <a:fillRef idx="0">
+            <a:schemeClr val="accent1"/>
+          </a:fillRef>
+          <a:effectRef idx="0">
+            <a:schemeClr val="accent1"/>
+          </a:effectRef>
+          <a:fontRef idx="minor">
+            <a:schemeClr val="tx1"/>
+          </a:fontRef>
+        </p:style>
+      </p:cxnSp>
+      <p:sp>
+        <p:nvSpPr>
+          <p:cNvPr id="33" name="CuadroTexto 32"/>
+          <p:cNvSpPr txBox="1"/>
+          <p:nvPr/>
+        </p:nvSpPr>
+        <p:spPr>
+          <a:xfrm flipH="1">
+            <a:off x="5235763" y="2422547"/>
+            <a:ext cx="393812" cy="646331"/>
+          </a:xfrm>
+          <a:prstGeom prst="rect">
+            <a:avLst/>
+          </a:prstGeom>
+          <a:noFill/>
+        </p:spPr>
+        <p:txBody>
+          <a:bodyPr wrap="square" rtlCol="0">
+            <a:spAutoFit/>
+          </a:bodyPr>
+          <a:lstStyle/>
+          <a:p>
+            <a:r>
+              <a:rPr lang="es-ES" dirty="0" smtClean="0"/>
+              <a:t>A</a:t>
+            </a:r>
+          </a:p>
+          <a:p>
+            <a:r>
+              <a:rPr lang="es-ES" dirty="0"/>
+              <a:t>1</a:t>
+            </a:r>
+          </a:p>
+        </p:txBody>
+      </p:sp>
+      <p:sp>
+        <p:nvSpPr>
+          <p:cNvPr id="20" name="Rectángulo 19"/>
+          <p:cNvSpPr/>
+          <p:nvPr/>
+        </p:nvSpPr>
+        <p:spPr>
+          <a:xfrm>
+            <a:off x="4224270" y="424690"/>
+            <a:ext cx="2176530" cy="6285203"/>
+          </a:xfrm>
+          <a:prstGeom prst="rect">
+            <a:avLst/>
+          </a:prstGeom>
+          <a:noFill/>
+          <a:ln>
+            <a:solidFill>
+              <a:srgbClr val="7030A0"/>
+            </a:solidFill>
+          </a:ln>
+        </p:spPr>
+        <p:style>
+          <a:lnRef idx="2">
+            <a:schemeClr val="accent1">
+              <a:shade val="50000"/>
+            </a:schemeClr>
+          </a:lnRef>
+          <a:fillRef idx="1">
+            <a:schemeClr val="accent1"/>
+          </a:fillRef>
+          <a:effectRef idx="0">
+            <a:schemeClr val="accent1"/>
+          </a:effectRef>
+          <a:fontRef idx="minor">
+            <a:schemeClr val="lt1"/>
+          </a:fontRef>
+        </p:style>
+        <p:txBody>
+          <a:bodyPr rtlCol="0" anchor="ctr"/>
+          <a:lstStyle/>
+          <a:p>
+            <a:pPr algn="ctr"/>
+            <a:endParaRPr lang="es-ES"/>
+          </a:p>
+        </p:txBody>
+      </p:sp>
+      <p:sp>
+        <p:nvSpPr>
+          <p:cNvPr id="26" name="Rectángulo 25"/>
+          <p:cNvSpPr/>
+          <p:nvPr/>
+        </p:nvSpPr>
+        <p:spPr>
+          <a:xfrm>
+            <a:off x="528029" y="424690"/>
+            <a:ext cx="3593205" cy="6285203"/>
+          </a:xfrm>
+          <a:prstGeom prst="rect">
+            <a:avLst/>
+          </a:prstGeom>
+        </p:spPr>
+        <p:style>
+          <a:lnRef idx="2">
+            <a:schemeClr val="accent1"/>
+          </a:lnRef>
+          <a:fillRef idx="1">
+            <a:schemeClr val="lt1"/>
+          </a:fillRef>
+          <a:effectRef idx="0">
+            <a:schemeClr val="accent1"/>
+          </a:effectRef>
+          <a:fontRef idx="minor">
+            <a:schemeClr val="dk1"/>
+          </a:fontRef>
+        </p:style>
+        <p:txBody>
+          <a:bodyPr rtlCol="0" anchor="ctr"/>
+          <a:lstStyle/>
+          <a:p>
+            <a:pPr algn="ctr"/>
+            <a:endParaRPr lang="es-ES"/>
+          </a:p>
+        </p:txBody>
+      </p:sp>
+      <p:cxnSp>
+        <p:nvCxnSpPr>
+          <p:cNvPr id="60" name="Conector recto 59"/>
+          <p:cNvCxnSpPr/>
+          <p:nvPr/>
+        </p:nvCxnSpPr>
+        <p:spPr>
+          <a:xfrm>
+            <a:off x="2324631" y="1462944"/>
+            <a:ext cx="1443789" cy="0"/>
+          </a:xfrm>
+          <a:prstGeom prst="line">
+            <a:avLst/>
+          </a:prstGeom>
+          <a:ln w="76200"/>
+        </p:spPr>
+        <p:style>
+          <a:lnRef idx="3">
+            <a:schemeClr val="accent2"/>
+          </a:lnRef>
+          <a:fillRef idx="0">
+            <a:schemeClr val="accent2"/>
+          </a:fillRef>
+          <a:effectRef idx="2">
+            <a:schemeClr val="accent2"/>
+          </a:effectRef>
+          <a:fontRef idx="minor">
+            <a:schemeClr val="tx1"/>
+          </a:fontRef>
+        </p:style>
+      </p:cxnSp>
+      <p:cxnSp>
+        <p:nvCxnSpPr>
+          <p:cNvPr id="61" name="Conector recto 60"/>
+          <p:cNvCxnSpPr/>
+          <p:nvPr/>
+        </p:nvCxnSpPr>
+        <p:spPr>
+          <a:xfrm>
+            <a:off x="2324632" y="1762634"/>
+            <a:ext cx="1443789" cy="0"/>
+          </a:xfrm>
+          <a:prstGeom prst="line">
+            <a:avLst/>
+          </a:prstGeom>
+          <a:ln w="76200"/>
+        </p:spPr>
+        <p:style>
+          <a:lnRef idx="3">
+            <a:schemeClr val="accent2"/>
+          </a:lnRef>
+          <a:fillRef idx="0">
+            <a:schemeClr val="accent2"/>
+          </a:fillRef>
+          <a:effectRef idx="2">
+            <a:schemeClr val="accent2"/>
+          </a:effectRef>
+          <a:fontRef idx="minor">
+            <a:schemeClr val="tx1"/>
+          </a:fontRef>
+        </p:style>
+      </p:cxnSp>
+      <p:cxnSp>
+        <p:nvCxnSpPr>
+          <p:cNvPr id="62" name="Conector recto 61"/>
+          <p:cNvCxnSpPr/>
+          <p:nvPr/>
+        </p:nvCxnSpPr>
+        <p:spPr>
+          <a:xfrm>
+            <a:off x="2324632" y="2422546"/>
+            <a:ext cx="1443789" cy="0"/>
+          </a:xfrm>
+          <a:prstGeom prst="line">
+            <a:avLst/>
+          </a:prstGeom>
+          <a:ln w="76200"/>
+        </p:spPr>
+        <p:style>
+          <a:lnRef idx="3">
+            <a:schemeClr val="accent2"/>
+          </a:lnRef>
+          <a:fillRef idx="0">
+            <a:schemeClr val="accent2"/>
+          </a:fillRef>
+          <a:effectRef idx="2">
+            <a:schemeClr val="accent2"/>
+          </a:effectRef>
+          <a:fontRef idx="minor">
+            <a:schemeClr val="tx1"/>
+          </a:fontRef>
+        </p:style>
+      </p:cxnSp>
+      <p:cxnSp>
+        <p:nvCxnSpPr>
+          <p:cNvPr id="63" name="Conector recto 62"/>
+          <p:cNvCxnSpPr/>
+          <p:nvPr/>
+        </p:nvCxnSpPr>
+        <p:spPr>
+          <a:xfrm>
+            <a:off x="2324632" y="3298806"/>
+            <a:ext cx="1443789" cy="0"/>
+          </a:xfrm>
+          <a:prstGeom prst="line">
+            <a:avLst/>
+          </a:prstGeom>
+          <a:ln w="76200"/>
+        </p:spPr>
+        <p:style>
+          <a:lnRef idx="3">
+            <a:schemeClr val="accent2"/>
+          </a:lnRef>
+          <a:fillRef idx="0">
+            <a:schemeClr val="accent2"/>
+          </a:fillRef>
+          <a:effectRef idx="2">
+            <a:schemeClr val="accent2"/>
+          </a:effectRef>
+          <a:fontRef idx="minor">
+            <a:schemeClr val="tx1"/>
+          </a:fontRef>
+        </p:style>
+      </p:cxnSp>
+      <p:cxnSp>
+        <p:nvCxnSpPr>
+          <p:cNvPr id="64" name="Conector recto 63"/>
+          <p:cNvCxnSpPr/>
+          <p:nvPr/>
+        </p:nvCxnSpPr>
+        <p:spPr>
+          <a:xfrm>
+            <a:off x="2324632" y="4275453"/>
+            <a:ext cx="1443789" cy="0"/>
+          </a:xfrm>
+          <a:prstGeom prst="line">
+            <a:avLst/>
+          </a:prstGeom>
+          <a:ln w="76200"/>
+        </p:spPr>
+        <p:style>
+          <a:lnRef idx="3">
+            <a:schemeClr val="accent2"/>
+          </a:lnRef>
+          <a:fillRef idx="0">
+            <a:schemeClr val="accent2"/>
+          </a:fillRef>
+          <a:effectRef idx="2">
+            <a:schemeClr val="accent2"/>
+          </a:effectRef>
+          <a:fontRef idx="minor">
+            <a:schemeClr val="tx1"/>
+          </a:fontRef>
+        </p:style>
+      </p:cxnSp>
+      <p:cxnSp>
+        <p:nvCxnSpPr>
+          <p:cNvPr id="65" name="Conector recto 64"/>
+          <p:cNvCxnSpPr/>
+          <p:nvPr/>
+        </p:nvCxnSpPr>
+        <p:spPr>
+          <a:xfrm>
+            <a:off x="2324632" y="5496800"/>
+            <a:ext cx="1443789" cy="0"/>
+          </a:xfrm>
+          <a:prstGeom prst="line">
+            <a:avLst/>
+          </a:prstGeom>
+          <a:ln w="76200"/>
+        </p:spPr>
+        <p:style>
+          <a:lnRef idx="3">
+            <a:schemeClr val="accent2"/>
+          </a:lnRef>
+          <a:fillRef idx="0">
+            <a:schemeClr val="accent2"/>
+          </a:fillRef>
+          <a:effectRef idx="2">
+            <a:schemeClr val="accent2"/>
+          </a:effectRef>
+          <a:fontRef idx="minor">
+            <a:schemeClr val="tx1"/>
+          </a:fontRef>
+        </p:style>
+      </p:cxnSp>
+      <p:cxnSp>
+        <p:nvCxnSpPr>
+          <p:cNvPr id="19" name="Conector recto 18"/>
+          <p:cNvCxnSpPr/>
+          <p:nvPr/>
+        </p:nvCxnSpPr>
+        <p:spPr>
+          <a:xfrm flipH="1">
+            <a:off x="5087485" y="2286531"/>
+            <a:ext cx="1192" cy="2221075"/>
+          </a:xfrm>
+          <a:prstGeom prst="line">
+            <a:avLst/>
+          </a:prstGeom>
+          <a:ln w="76200">
+            <a:solidFill>
+              <a:srgbClr val="00B050"/>
+            </a:solidFill>
+          </a:ln>
+        </p:spPr>
+        <p:style>
+          <a:lnRef idx="1">
+            <a:schemeClr val="accent1"/>
+          </a:lnRef>
+          <a:fillRef idx="0">
+            <a:schemeClr val="accent1"/>
+          </a:fillRef>
+          <a:effectRef idx="0">
+            <a:schemeClr val="accent1"/>
+          </a:effectRef>
+          <a:fontRef idx="minor">
+            <a:schemeClr val="tx1"/>
+          </a:fontRef>
+        </p:style>
+      </p:cxnSp>
+      <p:grpSp>
+        <p:nvGrpSpPr>
+          <p:cNvPr id="2" name="Grupo 1"/>
+          <p:cNvGrpSpPr/>
+          <p:nvPr/>
+        </p:nvGrpSpPr>
+        <p:grpSpPr>
+          <a:xfrm>
+            <a:off x="6649395" y="424690"/>
+            <a:ext cx="2980911" cy="2421542"/>
+            <a:chOff x="6649395" y="424690"/>
+            <a:chExt cx="3734888" cy="2421542"/>
+          </a:xfrm>
+        </p:grpSpPr>
+        <p:sp>
+          <p:nvSpPr>
+            <p:cNvPr id="79" name="Rectángulo 78"/>
+            <p:cNvSpPr/>
+            <p:nvPr/>
+          </p:nvSpPr>
+          <p:spPr>
+            <a:xfrm>
+              <a:off x="6649395" y="756710"/>
+              <a:ext cx="3734888" cy="2089522"/>
+            </a:xfrm>
+            <a:prstGeom prst="rect">
+              <a:avLst/>
+            </a:prstGeom>
+            <a:noFill/>
+            <a:ln>
+              <a:solidFill>
+                <a:srgbClr val="FF0000"/>
+              </a:solidFill>
+            </a:ln>
+          </p:spPr>
+          <p:style>
+            <a:lnRef idx="2">
+              <a:schemeClr val="accent1">
+                <a:shade val="50000"/>
+              </a:schemeClr>
+            </a:lnRef>
+            <a:fillRef idx="1">
+              <a:schemeClr val="accent1"/>
+            </a:fillRef>
+            <a:effectRef idx="0">
+              <a:schemeClr val="accent1"/>
+            </a:effectRef>
+            <a:fontRef idx="minor">
+              <a:schemeClr val="lt1"/>
+            </a:fontRef>
+          </p:style>
+          <p:txBody>
+            <a:bodyPr rtlCol="0" anchor="ctr"/>
+            <a:lstStyle/>
+            <a:p>
+              <a:pPr algn="ctr"/>
+              <a:endParaRPr lang="es-ES"/>
+            </a:p>
+          </p:txBody>
+        </p:sp>
+        <p:sp>
+          <p:nvSpPr>
+            <p:cNvPr id="80" name="CuadroTexto 79"/>
+            <p:cNvSpPr txBox="1"/>
+            <p:nvPr/>
+          </p:nvSpPr>
+          <p:spPr>
+            <a:xfrm>
+              <a:off x="7123372" y="424690"/>
+              <a:ext cx="3012301" cy="369332"/>
+            </a:xfrm>
+            <a:prstGeom prst="rect">
+              <a:avLst/>
+            </a:prstGeom>
+            <a:noFill/>
+          </p:spPr>
+          <p:txBody>
+            <a:bodyPr wrap="square" rtlCol="0">
+              <a:spAutoFit/>
+            </a:bodyPr>
+            <a:lstStyle/>
+            <a:p>
+              <a:pPr algn="ctr"/>
+              <a:r>
+                <a:rPr lang="es-ES" dirty="0" smtClean="0"/>
+                <a:t>Configuración Calendario  </a:t>
+              </a:r>
+              <a:endParaRPr lang="es-ES" dirty="0"/>
+            </a:p>
+          </p:txBody>
+        </p:sp>
+        <p:grpSp>
+          <p:nvGrpSpPr>
+            <p:cNvPr id="15" name="Grupo 14"/>
+            <p:cNvGrpSpPr/>
+            <p:nvPr/>
+          </p:nvGrpSpPr>
+          <p:grpSpPr>
+            <a:xfrm>
+              <a:off x="6971876" y="1114875"/>
+              <a:ext cx="3412407" cy="1434802"/>
+              <a:chOff x="7388066" y="1462944"/>
+              <a:chExt cx="3700644" cy="1621397"/>
+            </a:xfrm>
+          </p:grpSpPr>
+          <p:cxnSp>
+            <p:nvCxnSpPr>
+              <p:cNvPr id="71" name="Conector recto 70"/>
+              <p:cNvCxnSpPr/>
+              <p:nvPr/>
+            </p:nvCxnSpPr>
+            <p:spPr>
+              <a:xfrm>
+                <a:off x="7388066" y="1462944"/>
+                <a:ext cx="1443789" cy="0"/>
+              </a:xfrm>
+              <a:prstGeom prst="line">
+                <a:avLst/>
+              </a:prstGeom>
+              <a:ln w="76200"/>
+            </p:spPr>
+            <p:style>
+              <a:lnRef idx="1">
+                <a:schemeClr val="accent1"/>
+              </a:lnRef>
+              <a:fillRef idx="0">
+                <a:schemeClr val="accent1"/>
+              </a:fillRef>
+              <a:effectRef idx="0">
+                <a:schemeClr val="accent1"/>
+              </a:effectRef>
+              <a:fontRef idx="minor">
+                <a:schemeClr val="tx1"/>
+              </a:fontRef>
+            </p:style>
+          </p:cxnSp>
+          <p:cxnSp>
+            <p:nvCxnSpPr>
+              <p:cNvPr id="75" name="Conector recto 74"/>
+              <p:cNvCxnSpPr/>
+              <p:nvPr/>
+            </p:nvCxnSpPr>
+            <p:spPr>
+              <a:xfrm>
+                <a:off x="7388066" y="2899675"/>
+                <a:ext cx="1443789" cy="0"/>
+              </a:xfrm>
+              <a:prstGeom prst="line">
+                <a:avLst/>
+              </a:prstGeom>
+              <a:ln w="76200"/>
+            </p:spPr>
+            <p:style>
+              <a:lnRef idx="3">
+                <a:schemeClr val="accent2"/>
+              </a:lnRef>
+              <a:fillRef idx="0">
+                <a:schemeClr val="accent2"/>
+              </a:fillRef>
+              <a:effectRef idx="2">
+                <a:schemeClr val="accent2"/>
+              </a:effectRef>
+              <a:fontRef idx="minor">
+                <a:schemeClr val="tx1"/>
+              </a:fontRef>
+            </p:style>
+          </p:cxnSp>
+          <p:sp>
+            <p:nvSpPr>
+              <p:cNvPr id="27" name="CuadroTexto 26"/>
+              <p:cNvSpPr txBox="1"/>
+              <p:nvPr/>
+            </p:nvSpPr>
+            <p:spPr>
+              <a:xfrm>
+                <a:off x="9096551" y="1462944"/>
+                <a:ext cx="1722550" cy="417363"/>
+              </a:xfrm>
+              <a:prstGeom prst="rect">
+                <a:avLst/>
+              </a:prstGeom>
+              <a:noFill/>
+            </p:spPr>
+            <p:txBody>
+              <a:bodyPr wrap="square" rtlCol="0">
+                <a:spAutoFit/>
+              </a:bodyPr>
+              <a:lstStyle/>
+              <a:p>
+                <a:r>
+                  <a:rPr lang="es-ES" dirty="0" smtClean="0"/>
+                  <a:t>Estándar</a:t>
+                </a:r>
+                <a:endParaRPr lang="es-ES" dirty="0"/>
+              </a:p>
+            </p:txBody>
+          </p:sp>
+          <p:sp>
+            <p:nvSpPr>
+              <p:cNvPr id="68" name="CuadroTexto 67"/>
+              <p:cNvSpPr txBox="1"/>
+              <p:nvPr/>
+            </p:nvSpPr>
+            <p:spPr>
+              <a:xfrm>
+                <a:off x="9096551" y="2715009"/>
+                <a:ext cx="1232305" cy="369332"/>
+              </a:xfrm>
+              <a:prstGeom prst="rect">
+                <a:avLst/>
+              </a:prstGeom>
+              <a:noFill/>
+            </p:spPr>
+            <p:txBody>
+              <a:bodyPr wrap="square" rtlCol="0">
+                <a:spAutoFit/>
+              </a:bodyPr>
+              <a:lstStyle/>
+              <a:p>
+                <a:r>
+                  <a:rPr lang="es-ES" dirty="0" smtClean="0"/>
+                  <a:t>Feriados</a:t>
+                </a:r>
+              </a:p>
+            </p:txBody>
+          </p:sp>
+          <p:cxnSp>
+            <p:nvCxnSpPr>
+              <p:cNvPr id="21" name="Conector recto 20"/>
+              <p:cNvCxnSpPr/>
+              <p:nvPr/>
+            </p:nvCxnSpPr>
+            <p:spPr>
+              <a:xfrm>
+                <a:off x="7388066" y="2286531"/>
+                <a:ext cx="1443789" cy="0"/>
+              </a:xfrm>
+              <a:prstGeom prst="line">
+                <a:avLst/>
+              </a:prstGeom>
+              <a:ln w="76200">
+                <a:solidFill>
+                  <a:srgbClr val="00B050"/>
+                </a:solidFill>
+              </a:ln>
+            </p:spPr>
+            <p:style>
+              <a:lnRef idx="1">
+                <a:schemeClr val="accent1"/>
+              </a:lnRef>
+              <a:fillRef idx="0">
+                <a:schemeClr val="accent1"/>
+              </a:fillRef>
+              <a:effectRef idx="0">
+                <a:schemeClr val="accent1"/>
+              </a:effectRef>
+              <a:fontRef idx="minor">
+                <a:schemeClr val="tx1"/>
+              </a:fontRef>
+            </p:style>
+          </p:cxnSp>
+          <p:sp>
+            <p:nvSpPr>
+              <p:cNvPr id="22" name="CuadroTexto 21"/>
+              <p:cNvSpPr txBox="1"/>
+              <p:nvPr/>
+            </p:nvSpPr>
+            <p:spPr>
+              <a:xfrm>
+                <a:off x="9067234" y="2038148"/>
+                <a:ext cx="2021476" cy="646331"/>
+              </a:xfrm>
+              <a:prstGeom prst="rect">
+                <a:avLst/>
+              </a:prstGeom>
+              <a:noFill/>
+            </p:spPr>
+            <p:txBody>
+              <a:bodyPr wrap="square" rtlCol="0">
+                <a:spAutoFit/>
+              </a:bodyPr>
+              <a:lstStyle/>
+              <a:p>
+                <a:r>
+                  <a:rPr lang="es-ES" dirty="0" smtClean="0"/>
+                  <a:t>Confutación 2 por </a:t>
+                </a:r>
+                <a:r>
+                  <a:rPr lang="es-ES" dirty="0" err="1" smtClean="0"/>
+                  <a:t>admin</a:t>
+                </a:r>
+                <a:r>
+                  <a:rPr lang="es-ES" dirty="0" smtClean="0"/>
+                  <a:t>.</a:t>
+                </a:r>
+                <a:endParaRPr lang="es-ES" dirty="0"/>
+              </a:p>
+            </p:txBody>
+          </p:sp>
+        </p:grpSp>
+      </p:grpSp>
+      <p:sp>
+        <p:nvSpPr>
+          <p:cNvPr id="23" name="CuadroTexto 22"/>
+          <p:cNvSpPr txBox="1"/>
+          <p:nvPr/>
+        </p:nvSpPr>
+        <p:spPr>
+          <a:xfrm flipH="1">
+            <a:off x="5281062" y="1194682"/>
+            <a:ext cx="1215609" cy="646331"/>
+          </a:xfrm>
+          <a:prstGeom prst="rect">
+            <a:avLst/>
+          </a:prstGeom>
+          <a:noFill/>
+        </p:spPr>
+        <p:txBody>
+          <a:bodyPr wrap="square" rtlCol="0">
+            <a:spAutoFit/>
+          </a:bodyPr>
+          <a:lstStyle/>
+          <a:p>
+            <a:r>
+              <a:rPr lang="es-ES" dirty="0" smtClean="0"/>
+              <a:t>A</a:t>
+            </a:r>
+          </a:p>
+          <a:p>
+            <a:r>
+              <a:rPr lang="es-ES" dirty="0"/>
+              <a:t>1</a:t>
+            </a:r>
+          </a:p>
+        </p:txBody>
+      </p:sp>
+      <p:cxnSp>
+        <p:nvCxnSpPr>
+          <p:cNvPr id="6" name="Conector recto de flecha 5"/>
+          <p:cNvCxnSpPr>
+            <a:stCxn id="33" idx="1"/>
+            <a:endCxn id="23" idx="2"/>
+          </p:cNvCxnSpPr>
+          <p:nvPr/>
+        </p:nvCxnSpPr>
+        <p:spPr>
+          <a:xfrm flipV="1">
+            <a:off x="5629575" y="1832276"/>
+            <a:ext cx="616177" cy="913437"/>
+          </a:xfrm>
+          <a:prstGeom prst="straightConnector1">
+            <a:avLst/>
+          </a:prstGeom>
+          <a:ln>
+            <a:tailEnd type="triangle"/>
+          </a:ln>
+        </p:spPr>
+        <p:style>
+          <a:lnRef idx="1">
+            <a:schemeClr val="accent1"/>
+          </a:lnRef>
+          <a:fillRef idx="0">
+            <a:schemeClr val="accent1"/>
+          </a:fillRef>
+          <a:effectRef idx="0">
+            <a:schemeClr val="accent1"/>
+          </a:effectRef>
+          <a:fontRef idx="minor">
+            <a:schemeClr val="tx1"/>
+          </a:fontRef>
+        </p:style>
+      </p:cxnSp>
+      <p:sp>
+        <p:nvSpPr>
+          <p:cNvPr id="30" name="CuadroTexto 29"/>
+          <p:cNvSpPr txBox="1"/>
+          <p:nvPr/>
+        </p:nvSpPr>
+        <p:spPr>
+          <a:xfrm flipH="1">
+            <a:off x="5191712" y="3629122"/>
+            <a:ext cx="393812" cy="646331"/>
+          </a:xfrm>
+          <a:prstGeom prst="rect">
+            <a:avLst/>
+          </a:prstGeom>
+          <a:noFill/>
+        </p:spPr>
+        <p:txBody>
+          <a:bodyPr wrap="square" rtlCol="0">
+            <a:spAutoFit/>
+          </a:bodyPr>
+          <a:lstStyle/>
+          <a:p>
+            <a:r>
+              <a:rPr lang="es-ES" dirty="0" smtClean="0"/>
+              <a:t>A</a:t>
+            </a:r>
+          </a:p>
+          <a:p>
+            <a:r>
+              <a:rPr lang="es-ES" dirty="0"/>
+              <a:t>2</a:t>
+            </a:r>
+            <a:endParaRPr lang="es-ES" dirty="0"/>
+          </a:p>
+        </p:txBody>
+      </p:sp>
+      <p:cxnSp>
+        <p:nvCxnSpPr>
+          <p:cNvPr id="34" name="Conector recto 33"/>
+          <p:cNvCxnSpPr/>
+          <p:nvPr/>
+        </p:nvCxnSpPr>
+        <p:spPr>
+          <a:xfrm>
+            <a:off x="5084902" y="4603900"/>
+            <a:ext cx="6009" cy="1878351"/>
+          </a:xfrm>
+          <a:prstGeom prst="line">
+            <a:avLst/>
+          </a:prstGeom>
+          <a:ln w="76200">
+            <a:solidFill>
+              <a:srgbClr val="7030A0"/>
+            </a:solidFill>
+          </a:ln>
+        </p:spPr>
+        <p:style>
+          <a:lnRef idx="1">
+            <a:schemeClr val="accent1"/>
+          </a:lnRef>
+          <a:fillRef idx="0">
+            <a:schemeClr val="accent1"/>
+          </a:fillRef>
+          <a:effectRef idx="0">
+            <a:schemeClr val="accent1"/>
+          </a:effectRef>
+          <a:fontRef idx="minor">
+            <a:schemeClr val="tx1"/>
+          </a:fontRef>
+        </p:style>
+      </p:cxnSp>
+      <p:sp>
+        <p:nvSpPr>
+          <p:cNvPr id="16" name="CuadroTexto 15"/>
+          <p:cNvSpPr txBox="1"/>
+          <p:nvPr/>
+        </p:nvSpPr>
+        <p:spPr>
+          <a:xfrm>
+            <a:off x="4371241" y="723536"/>
+            <a:ext cx="1166810" cy="369332"/>
+          </a:xfrm>
+          <a:prstGeom prst="rect">
+            <a:avLst/>
+          </a:prstGeom>
+          <a:noFill/>
+        </p:spPr>
+        <p:txBody>
+          <a:bodyPr wrap="square" rtlCol="0">
+            <a:spAutoFit/>
+          </a:bodyPr>
+          <a:lstStyle/>
+          <a:p>
+            <a:r>
+              <a:rPr lang="es-ES" dirty="0" smtClean="0"/>
+              <a:t>Atención</a:t>
+            </a:r>
+            <a:endParaRPr lang="es-ES" dirty="0"/>
+          </a:p>
+        </p:txBody>
+      </p:sp>
+      <p:sp>
+        <p:nvSpPr>
+          <p:cNvPr id="38" name="CuadroTexto 37"/>
+          <p:cNvSpPr txBox="1"/>
+          <p:nvPr/>
+        </p:nvSpPr>
+        <p:spPr>
+          <a:xfrm>
+            <a:off x="766231" y="1278289"/>
+            <a:ext cx="1558400" cy="646331"/>
+          </a:xfrm>
+          <a:prstGeom prst="rect">
+            <a:avLst/>
+          </a:prstGeom>
+          <a:noFill/>
+        </p:spPr>
+        <p:txBody>
+          <a:bodyPr wrap="square" rtlCol="0">
+            <a:spAutoFit/>
+          </a:bodyPr>
+          <a:lstStyle/>
+          <a:p>
+            <a:r>
+              <a:rPr lang="es-ES" dirty="0" smtClean="0"/>
+              <a:t>Haber atención </a:t>
+            </a:r>
+            <a:endParaRPr lang="es-ES" dirty="0"/>
+          </a:p>
+        </p:txBody>
+      </p:sp>
+      <p:cxnSp>
+        <p:nvCxnSpPr>
+          <p:cNvPr id="44" name="Conector recto 43"/>
+          <p:cNvCxnSpPr/>
+          <p:nvPr/>
+        </p:nvCxnSpPr>
+        <p:spPr>
+          <a:xfrm>
+            <a:off x="6945786" y="4878600"/>
+            <a:ext cx="855053" cy="0"/>
+          </a:xfrm>
+          <a:prstGeom prst="line">
+            <a:avLst/>
+          </a:prstGeom>
+          <a:ln w="76200"/>
+        </p:spPr>
+        <p:style>
+          <a:lnRef idx="1">
+            <a:schemeClr val="accent1"/>
+          </a:lnRef>
+          <a:fillRef idx="0">
+            <a:schemeClr val="accent1"/>
+          </a:fillRef>
+          <a:effectRef idx="0">
+            <a:schemeClr val="accent1"/>
+          </a:effectRef>
+          <a:fontRef idx="minor">
+            <a:schemeClr val="tx1"/>
+          </a:fontRef>
+        </p:style>
+      </p:cxnSp>
+      <p:sp>
+        <p:nvSpPr>
+          <p:cNvPr id="18" name="Rectángulo 17"/>
+          <p:cNvSpPr/>
+          <p:nvPr/>
+        </p:nvSpPr>
+        <p:spPr>
+          <a:xfrm>
+            <a:off x="6780585" y="4786457"/>
+            <a:ext cx="5096121" cy="682583"/>
+          </a:xfrm>
+          <a:prstGeom prst="rect">
+            <a:avLst/>
+          </a:prstGeom>
+          <a:noFill/>
+          <a:effectLst/>
+        </p:spPr>
+        <p:style>
+          <a:lnRef idx="2">
+            <a:schemeClr val="accent1">
+              <a:shade val="50000"/>
+            </a:schemeClr>
+          </a:lnRef>
+          <a:fillRef idx="1">
+            <a:schemeClr val="accent1"/>
+          </a:fillRef>
+          <a:effectRef idx="0">
+            <a:schemeClr val="accent1"/>
+          </a:effectRef>
+          <a:fontRef idx="minor">
+            <a:schemeClr val="lt1"/>
+          </a:fontRef>
+        </p:style>
+        <p:txBody>
+          <a:bodyPr rtlCol="0" anchor="ctr"/>
+          <a:lstStyle/>
+          <a:p>
+            <a:pPr algn="ctr"/>
+            <a:endParaRPr lang="es-ES">
+              <a:effectLst>
+                <a:glow rad="228600">
+                  <a:schemeClr val="accent5">
+                    <a:satMod val="175000"/>
+                    <a:alpha val="40000"/>
+                  </a:schemeClr>
+                </a:glow>
+              </a:effectLst>
+            </a:endParaRPr>
+          </a:p>
+        </p:txBody>
+      </p:sp>
+      <p:sp>
+        <p:nvSpPr>
+          <p:cNvPr id="24" name="Rectángulo 23"/>
+          <p:cNvSpPr/>
+          <p:nvPr/>
+        </p:nvSpPr>
+        <p:spPr>
+          <a:xfrm>
+            <a:off x="7871617" y="4852671"/>
+            <a:ext cx="1382927" cy="142925"/>
+          </a:xfrm>
+          <a:prstGeom prst="rect">
+            <a:avLst/>
+          </a:prstGeom>
+        </p:spPr>
+        <p:style>
+          <a:lnRef idx="2">
+            <a:schemeClr val="accent1">
+              <a:shade val="50000"/>
+            </a:schemeClr>
+          </a:lnRef>
+          <a:fillRef idx="1">
+            <a:schemeClr val="accent1"/>
+          </a:fillRef>
+          <a:effectRef idx="0">
+            <a:schemeClr val="accent1"/>
+          </a:effectRef>
+          <a:fontRef idx="minor">
+            <a:schemeClr val="lt1"/>
+          </a:fontRef>
+        </p:style>
+        <p:txBody>
+          <a:bodyPr rtlCol="0" anchor="ctr"/>
+          <a:lstStyle/>
+          <a:p>
+            <a:pPr algn="ctr"/>
+            <a:r>
+              <a:rPr lang="es-ES" dirty="0" smtClean="0"/>
+              <a:t>Sala 1</a:t>
+            </a:r>
+            <a:endParaRPr lang="es-ES" dirty="0"/>
+          </a:p>
+        </p:txBody>
+      </p:sp>
+      <p:sp>
+        <p:nvSpPr>
+          <p:cNvPr id="47" name="Rectángulo 46"/>
+          <p:cNvSpPr/>
+          <p:nvPr/>
+        </p:nvSpPr>
+        <p:spPr>
+          <a:xfrm>
+            <a:off x="7871617" y="5054071"/>
+            <a:ext cx="1382927" cy="142925"/>
+          </a:xfrm>
+          <a:prstGeom prst="rect">
+            <a:avLst/>
+          </a:prstGeom>
+        </p:spPr>
+        <p:style>
+          <a:lnRef idx="2">
+            <a:schemeClr val="accent1">
+              <a:shade val="50000"/>
+            </a:schemeClr>
+          </a:lnRef>
+          <a:fillRef idx="1">
+            <a:schemeClr val="accent1"/>
+          </a:fillRef>
+          <a:effectRef idx="0">
+            <a:schemeClr val="accent1"/>
+          </a:effectRef>
+          <a:fontRef idx="minor">
+            <a:schemeClr val="lt1"/>
+          </a:fontRef>
+        </p:style>
+        <p:txBody>
+          <a:bodyPr rtlCol="0" anchor="ctr"/>
+          <a:lstStyle/>
+          <a:p>
+            <a:pPr algn="ctr"/>
+            <a:r>
+              <a:rPr lang="es-ES" dirty="0" smtClean="0"/>
+              <a:t>Sala 2</a:t>
+            </a:r>
+            <a:endParaRPr lang="es-ES" dirty="0"/>
+          </a:p>
+        </p:txBody>
+      </p:sp>
+      <p:sp>
+        <p:nvSpPr>
+          <p:cNvPr id="48" name="Rectángulo 47"/>
+          <p:cNvSpPr/>
+          <p:nvPr/>
+        </p:nvSpPr>
+        <p:spPr>
+          <a:xfrm>
+            <a:off x="7871617" y="5250464"/>
+            <a:ext cx="1382927" cy="142925"/>
+          </a:xfrm>
+          <a:prstGeom prst="rect">
+            <a:avLst/>
+          </a:prstGeom>
+          <a:ln>
+            <a:solidFill>
+              <a:srgbClr val="00B050"/>
+            </a:solidFill>
+          </a:ln>
+          <a:effectLst>
+            <a:glow rad="228600">
+              <a:schemeClr val="accent5">
+                <a:satMod val="175000"/>
+                <a:alpha val="40000"/>
+              </a:schemeClr>
+            </a:glow>
+          </a:effectLst>
+        </p:spPr>
+        <p:style>
+          <a:lnRef idx="2">
+            <a:schemeClr val="accent1">
+              <a:shade val="50000"/>
+            </a:schemeClr>
+          </a:lnRef>
+          <a:fillRef idx="1">
+            <a:schemeClr val="accent1"/>
+          </a:fillRef>
+          <a:effectRef idx="0">
+            <a:schemeClr val="accent1"/>
+          </a:effectRef>
+          <a:fontRef idx="minor">
+            <a:schemeClr val="lt1"/>
+          </a:fontRef>
+        </p:style>
+        <p:txBody>
+          <a:bodyPr rtlCol="0" anchor="ctr"/>
+          <a:lstStyle/>
+          <a:p>
+            <a:pPr algn="ctr"/>
+            <a:r>
+              <a:rPr lang="es-ES" dirty="0" smtClean="0"/>
+              <a:t>Sala 3</a:t>
+            </a:r>
+            <a:endParaRPr lang="es-ES" dirty="0"/>
+          </a:p>
+        </p:txBody>
+      </p:sp>
+      <p:sp>
+        <p:nvSpPr>
+          <p:cNvPr id="49" name="Rectángulo 48"/>
+          <p:cNvSpPr/>
+          <p:nvPr/>
+        </p:nvSpPr>
+        <p:spPr>
+          <a:xfrm>
+            <a:off x="9714962" y="4845775"/>
+            <a:ext cx="1777771" cy="142925"/>
+          </a:xfrm>
+          <a:prstGeom prst="rect">
+            <a:avLst/>
+          </a:prstGeom>
+        </p:spPr>
+        <p:style>
+          <a:lnRef idx="2">
+            <a:schemeClr val="accent1">
+              <a:shade val="50000"/>
+            </a:schemeClr>
+          </a:lnRef>
+          <a:fillRef idx="1">
+            <a:schemeClr val="accent1"/>
+          </a:fillRef>
+          <a:effectRef idx="0">
+            <a:schemeClr val="accent1"/>
+          </a:effectRef>
+          <a:fontRef idx="minor">
+            <a:schemeClr val="lt1"/>
+          </a:fontRef>
+        </p:style>
+        <p:txBody>
+          <a:bodyPr rtlCol="0" anchor="ctr"/>
+          <a:lstStyle/>
+          <a:p>
+            <a:pPr algn="ctr"/>
+            <a:r>
+              <a:rPr lang="es-ES" dirty="0" smtClean="0"/>
+              <a:t>horario 1</a:t>
+            </a:r>
+            <a:endParaRPr lang="es-ES" dirty="0"/>
+          </a:p>
+        </p:txBody>
+      </p:sp>
+      <p:sp>
+        <p:nvSpPr>
+          <p:cNvPr id="50" name="Rectángulo 49"/>
+          <p:cNvSpPr/>
+          <p:nvPr/>
+        </p:nvSpPr>
+        <p:spPr>
+          <a:xfrm>
+            <a:off x="9714962" y="5034105"/>
+            <a:ext cx="1754860" cy="142925"/>
+          </a:xfrm>
+          <a:prstGeom prst="rect">
+            <a:avLst/>
+          </a:prstGeom>
+          <a:effectLst/>
+        </p:spPr>
+        <p:style>
+          <a:lnRef idx="2">
+            <a:schemeClr val="accent1">
+              <a:shade val="50000"/>
+            </a:schemeClr>
+          </a:lnRef>
+          <a:fillRef idx="1">
+            <a:schemeClr val="accent1"/>
+          </a:fillRef>
+          <a:effectRef idx="0">
+            <a:schemeClr val="accent1"/>
+          </a:effectRef>
+          <a:fontRef idx="minor">
+            <a:schemeClr val="lt1"/>
+          </a:fontRef>
+        </p:style>
+        <p:txBody>
+          <a:bodyPr rtlCol="0" anchor="ctr"/>
+          <a:lstStyle/>
+          <a:p>
+            <a:pPr algn="ctr"/>
+            <a:r>
+              <a:rPr lang="es-ES" dirty="0" smtClean="0"/>
+              <a:t>horario 1</a:t>
+            </a:r>
+            <a:endParaRPr lang="es-ES" dirty="0"/>
+          </a:p>
+        </p:txBody>
+      </p:sp>
+      <p:sp>
+        <p:nvSpPr>
+          <p:cNvPr id="51" name="Rectángulo 50"/>
+          <p:cNvSpPr/>
+          <p:nvPr/>
+        </p:nvSpPr>
+        <p:spPr>
+          <a:xfrm>
+            <a:off x="9736415" y="5229398"/>
+            <a:ext cx="1754860" cy="142925"/>
+          </a:xfrm>
+          <a:prstGeom prst="rect">
+            <a:avLst/>
+          </a:prstGeom>
+          <a:effectLst>
+            <a:glow rad="228600">
+              <a:schemeClr val="accent5">
+                <a:satMod val="175000"/>
+                <a:alpha val="40000"/>
+              </a:schemeClr>
+            </a:glow>
+          </a:effectLst>
+        </p:spPr>
+        <p:style>
+          <a:lnRef idx="2">
+            <a:schemeClr val="accent1">
+              <a:shade val="50000"/>
+            </a:schemeClr>
+          </a:lnRef>
+          <a:fillRef idx="1">
+            <a:schemeClr val="accent1"/>
+          </a:fillRef>
+          <a:effectRef idx="0">
+            <a:schemeClr val="accent1"/>
+          </a:effectRef>
+          <a:fontRef idx="minor">
+            <a:schemeClr val="lt1"/>
+          </a:fontRef>
+        </p:style>
+        <p:txBody>
+          <a:bodyPr rtlCol="0" anchor="ctr"/>
+          <a:lstStyle/>
+          <a:p>
+            <a:pPr algn="ctr"/>
+            <a:r>
+              <a:rPr lang="es-ES" dirty="0" smtClean="0"/>
+              <a:t>horario 1</a:t>
+            </a:r>
+            <a:endParaRPr lang="es-ES" dirty="0"/>
+          </a:p>
+        </p:txBody>
+      </p:sp>
+      <p:cxnSp>
+        <p:nvCxnSpPr>
+          <p:cNvPr id="52" name="Conector recto 51"/>
+          <p:cNvCxnSpPr/>
+          <p:nvPr/>
+        </p:nvCxnSpPr>
+        <p:spPr>
+          <a:xfrm flipV="1">
+            <a:off x="2324631" y="888642"/>
+            <a:ext cx="1443789" cy="5146"/>
+          </a:xfrm>
+          <a:prstGeom prst="line">
+            <a:avLst/>
+          </a:prstGeom>
+          <a:ln w="76200"/>
+        </p:spPr>
+        <p:style>
+          <a:lnRef idx="1">
+            <a:schemeClr val="accent1"/>
+          </a:lnRef>
+          <a:fillRef idx="0">
+            <a:schemeClr val="accent1"/>
+          </a:fillRef>
+          <a:effectRef idx="0">
+            <a:schemeClr val="accent1"/>
+          </a:effectRef>
+          <a:fontRef idx="minor">
+            <a:schemeClr val="tx1"/>
+          </a:fontRef>
+        </p:style>
+      </p:cxnSp>
+      <p:cxnSp>
+        <p:nvCxnSpPr>
+          <p:cNvPr id="55" name="Conector recto 54"/>
+          <p:cNvCxnSpPr/>
+          <p:nvPr/>
+        </p:nvCxnSpPr>
+        <p:spPr>
+          <a:xfrm flipV="1">
+            <a:off x="2324631" y="1130416"/>
+            <a:ext cx="1443789" cy="5146"/>
+          </a:xfrm>
+          <a:prstGeom prst="line">
+            <a:avLst/>
+          </a:prstGeom>
+          <a:ln w="76200"/>
+        </p:spPr>
+        <p:style>
+          <a:lnRef idx="1">
+            <a:schemeClr val="accent1"/>
+          </a:lnRef>
+          <a:fillRef idx="0">
+            <a:schemeClr val="accent1"/>
+          </a:fillRef>
+          <a:effectRef idx="0">
+            <a:schemeClr val="accent1"/>
+          </a:effectRef>
+          <a:fontRef idx="minor">
+            <a:schemeClr val="tx1"/>
+          </a:fontRef>
+        </p:style>
+      </p:cxnSp>
+      <p:cxnSp>
+        <p:nvCxnSpPr>
+          <p:cNvPr id="39" name="Conector recto 38"/>
+          <p:cNvCxnSpPr/>
+          <p:nvPr/>
+        </p:nvCxnSpPr>
+        <p:spPr>
+          <a:xfrm flipV="1">
+            <a:off x="766231" y="862885"/>
+            <a:ext cx="1443789" cy="5146"/>
+          </a:xfrm>
+          <a:prstGeom prst="line">
+            <a:avLst/>
+          </a:prstGeom>
+          <a:ln w="76200"/>
+          <a:effectLst>
+            <a:glow rad="228600">
+              <a:schemeClr val="accent5">
+                <a:satMod val="175000"/>
+                <a:alpha val="40000"/>
+              </a:schemeClr>
+            </a:glow>
+          </a:effectLst>
+        </p:spPr>
+        <p:style>
+          <a:lnRef idx="1">
+            <a:schemeClr val="accent1"/>
+          </a:lnRef>
+          <a:fillRef idx="0">
+            <a:schemeClr val="accent1"/>
+          </a:fillRef>
+          <a:effectRef idx="0">
+            <a:schemeClr val="accent1"/>
+          </a:effectRef>
+          <a:fontRef idx="minor">
+            <a:schemeClr val="tx1"/>
+          </a:fontRef>
+        </p:style>
+      </p:cxnSp>
+      <p:sp>
+        <p:nvSpPr>
+          <p:cNvPr id="8" name="CuadroTexto 7"/>
+          <p:cNvSpPr txBox="1"/>
+          <p:nvPr/>
+        </p:nvSpPr>
+        <p:spPr>
+          <a:xfrm>
+            <a:off x="4309625" y="87842"/>
+            <a:ext cx="2246088" cy="369332"/>
+          </a:xfrm>
+          <a:prstGeom prst="rect">
+            <a:avLst/>
+          </a:prstGeom>
+          <a:noFill/>
+        </p:spPr>
+        <p:txBody>
+          <a:bodyPr wrap="square" rtlCol="0">
+            <a:spAutoFit/>
+          </a:bodyPr>
+          <a:lstStyle/>
+          <a:p>
+            <a:r>
+              <a:rPr lang="es-ES" dirty="0" smtClean="0"/>
+              <a:t>Rango de fecha</a:t>
+            </a:r>
+            <a:endParaRPr lang="es-ES" dirty="0"/>
+          </a:p>
+        </p:txBody>
+      </p:sp>
+      <p:sp>
+        <p:nvSpPr>
+          <p:cNvPr id="46" name="CuadroTexto 45"/>
+          <p:cNvSpPr txBox="1"/>
+          <p:nvPr/>
+        </p:nvSpPr>
+        <p:spPr>
+          <a:xfrm>
+            <a:off x="1035932" y="86878"/>
+            <a:ext cx="2246088" cy="369332"/>
+          </a:xfrm>
+          <a:prstGeom prst="rect">
+            <a:avLst/>
+          </a:prstGeom>
+          <a:noFill/>
+        </p:spPr>
+        <p:txBody>
+          <a:bodyPr wrap="square" rtlCol="0">
+            <a:spAutoFit/>
+          </a:bodyPr>
+          <a:lstStyle/>
+          <a:p>
+            <a:r>
+              <a:rPr lang="es-ES" dirty="0" smtClean="0"/>
+              <a:t>fecha</a:t>
+            </a:r>
+            <a:endParaRPr lang="es-ES" dirty="0"/>
+          </a:p>
+        </p:txBody>
+      </p:sp>
+      <p:grpSp>
+        <p:nvGrpSpPr>
+          <p:cNvPr id="54" name="Grupo 53"/>
+          <p:cNvGrpSpPr/>
+          <p:nvPr/>
+        </p:nvGrpSpPr>
+        <p:grpSpPr>
+          <a:xfrm>
+            <a:off x="6703975" y="2945126"/>
+            <a:ext cx="5050739" cy="832660"/>
+            <a:chOff x="6649396" y="3014370"/>
+            <a:chExt cx="3988553" cy="2498501"/>
+          </a:xfrm>
+        </p:grpSpPr>
+        <p:cxnSp>
+          <p:nvCxnSpPr>
+            <p:cNvPr id="56" name="Conector recto 55"/>
+            <p:cNvCxnSpPr/>
+            <p:nvPr/>
+          </p:nvCxnSpPr>
+          <p:spPr>
+            <a:xfrm>
+              <a:off x="6778693" y="3505479"/>
+              <a:ext cx="669220" cy="0"/>
+            </a:xfrm>
+            <a:prstGeom prst="line">
+              <a:avLst/>
+            </a:prstGeom>
+            <a:ln w="76200"/>
+          </p:spPr>
+          <p:style>
+            <a:lnRef idx="1">
+              <a:schemeClr val="accent1"/>
+            </a:lnRef>
+            <a:fillRef idx="0">
+              <a:schemeClr val="accent1"/>
+            </a:fillRef>
+            <a:effectRef idx="0">
+              <a:schemeClr val="accent1"/>
+            </a:effectRef>
+            <a:fontRef idx="minor">
+              <a:schemeClr val="tx1"/>
+            </a:fontRef>
+          </p:style>
+        </p:cxnSp>
+        <p:sp>
+          <p:nvSpPr>
+            <p:cNvPr id="57" name="Rectángulo 56"/>
+            <p:cNvSpPr/>
+            <p:nvPr/>
+          </p:nvSpPr>
+          <p:spPr>
+            <a:xfrm>
+              <a:off x="6649396" y="3014370"/>
+              <a:ext cx="3988553" cy="2498501"/>
+            </a:xfrm>
+            <a:prstGeom prst="rect">
+              <a:avLst/>
+            </a:prstGeom>
+            <a:noFill/>
+          </p:spPr>
+          <p:style>
+            <a:lnRef idx="2">
+              <a:schemeClr val="accent1">
+                <a:shade val="50000"/>
+              </a:schemeClr>
+            </a:lnRef>
+            <a:fillRef idx="1">
+              <a:schemeClr val="accent1"/>
+            </a:fillRef>
+            <a:effectRef idx="0">
+              <a:schemeClr val="accent1"/>
+            </a:effectRef>
+            <a:fontRef idx="minor">
+              <a:schemeClr val="lt1"/>
+            </a:fontRef>
+          </p:style>
+          <p:txBody>
+            <a:bodyPr rtlCol="0" anchor="ctr"/>
+            <a:lstStyle/>
+            <a:p>
+              <a:pPr algn="ctr"/>
+              <a:endParaRPr lang="es-ES">
+                <a:effectLst>
+                  <a:glow rad="228600">
+                    <a:schemeClr val="accent5">
+                      <a:satMod val="175000"/>
+                      <a:alpha val="40000"/>
+                    </a:schemeClr>
+                  </a:glow>
+                </a:effectLst>
+              </a:endParaRPr>
+            </a:p>
+          </p:txBody>
+        </p:sp>
+        <p:sp>
+          <p:nvSpPr>
+            <p:cNvPr id="58" name="Rectángulo 57"/>
+            <p:cNvSpPr/>
+            <p:nvPr/>
+          </p:nvSpPr>
+          <p:spPr>
+            <a:xfrm>
+              <a:off x="7503308" y="3410571"/>
+              <a:ext cx="1082368" cy="523159"/>
+            </a:xfrm>
+            <a:prstGeom prst="rect">
+              <a:avLst/>
+            </a:prstGeom>
+          </p:spPr>
+          <p:style>
+            <a:lnRef idx="2">
+              <a:schemeClr val="accent1">
+                <a:shade val="50000"/>
+              </a:schemeClr>
+            </a:lnRef>
+            <a:fillRef idx="1">
+              <a:schemeClr val="accent1"/>
+            </a:fillRef>
+            <a:effectRef idx="0">
+              <a:schemeClr val="accent1"/>
+            </a:effectRef>
+            <a:fontRef idx="minor">
+              <a:schemeClr val="lt1"/>
+            </a:fontRef>
+          </p:style>
+          <p:txBody>
+            <a:bodyPr rtlCol="0" anchor="ctr"/>
+            <a:lstStyle/>
+            <a:p>
+              <a:pPr algn="ctr"/>
+              <a:r>
+                <a:rPr lang="es-ES" dirty="0" smtClean="0"/>
+                <a:t>Sala 1</a:t>
+              </a:r>
+              <a:endParaRPr lang="es-ES" dirty="0"/>
+            </a:p>
+          </p:txBody>
+        </p:sp>
+        <p:sp>
+          <p:nvSpPr>
+            <p:cNvPr id="59" name="Rectángulo 58"/>
+            <p:cNvSpPr/>
+            <p:nvPr/>
+          </p:nvSpPr>
+          <p:spPr>
+            <a:xfrm>
+              <a:off x="7503308" y="4147768"/>
+              <a:ext cx="1082368" cy="523159"/>
+            </a:xfrm>
+            <a:prstGeom prst="rect">
+              <a:avLst/>
+            </a:prstGeom>
+            <a:effectLst>
+              <a:glow rad="228600">
+                <a:schemeClr val="accent5">
+                  <a:satMod val="175000"/>
+                  <a:alpha val="40000"/>
+                </a:schemeClr>
+              </a:glow>
+            </a:effectLst>
+          </p:spPr>
+          <p:style>
+            <a:lnRef idx="2">
+              <a:schemeClr val="accent1">
+                <a:shade val="50000"/>
+              </a:schemeClr>
+            </a:lnRef>
+            <a:fillRef idx="1">
+              <a:schemeClr val="accent1"/>
+            </a:fillRef>
+            <a:effectRef idx="0">
+              <a:schemeClr val="accent1"/>
+            </a:effectRef>
+            <a:fontRef idx="minor">
+              <a:schemeClr val="lt1"/>
+            </a:fontRef>
+          </p:style>
+          <p:txBody>
+            <a:bodyPr rtlCol="0" anchor="ctr"/>
+            <a:lstStyle/>
+            <a:p>
+              <a:pPr algn="ctr"/>
+              <a:r>
+                <a:rPr lang="es-ES" dirty="0" smtClean="0"/>
+                <a:t>Sala 2</a:t>
+              </a:r>
+              <a:endParaRPr lang="es-ES" dirty="0"/>
+            </a:p>
+          </p:txBody>
+        </p:sp>
+        <p:sp>
+          <p:nvSpPr>
+            <p:cNvPr id="66" name="Rectángulo 65"/>
+            <p:cNvSpPr/>
+            <p:nvPr/>
+          </p:nvSpPr>
+          <p:spPr>
+            <a:xfrm>
+              <a:off x="7535224" y="4870734"/>
+              <a:ext cx="1082368" cy="523159"/>
+            </a:xfrm>
+            <a:prstGeom prst="rect">
+              <a:avLst/>
+            </a:prstGeom>
+            <a:ln>
+              <a:solidFill>
+                <a:srgbClr val="00B050"/>
+              </a:solidFill>
+            </a:ln>
+          </p:spPr>
+          <p:style>
+            <a:lnRef idx="2">
+              <a:schemeClr val="accent1">
+                <a:shade val="50000"/>
+              </a:schemeClr>
+            </a:lnRef>
+            <a:fillRef idx="1">
+              <a:schemeClr val="accent1"/>
+            </a:fillRef>
+            <a:effectRef idx="0">
+              <a:schemeClr val="accent1"/>
+            </a:effectRef>
+            <a:fontRef idx="minor">
+              <a:schemeClr val="lt1"/>
+            </a:fontRef>
+          </p:style>
+          <p:txBody>
+            <a:bodyPr rtlCol="0" anchor="ctr"/>
+            <a:lstStyle/>
+            <a:p>
+              <a:pPr algn="ctr"/>
+              <a:r>
+                <a:rPr lang="es-ES" dirty="0" smtClean="0"/>
+                <a:t>Sala 3</a:t>
+              </a:r>
+              <a:endParaRPr lang="es-ES" dirty="0"/>
+            </a:p>
+          </p:txBody>
+        </p:sp>
+        <p:sp>
+          <p:nvSpPr>
+            <p:cNvPr id="67" name="Rectángulo 66"/>
+            <p:cNvSpPr/>
+            <p:nvPr/>
+          </p:nvSpPr>
+          <p:spPr>
+            <a:xfrm>
+              <a:off x="8946029" y="3385330"/>
+              <a:ext cx="1391398" cy="523159"/>
+            </a:xfrm>
+            <a:prstGeom prst="rect">
+              <a:avLst/>
+            </a:prstGeom>
+          </p:spPr>
+          <p:style>
+            <a:lnRef idx="2">
+              <a:schemeClr val="accent1">
+                <a:shade val="50000"/>
+              </a:schemeClr>
+            </a:lnRef>
+            <a:fillRef idx="1">
+              <a:schemeClr val="accent1"/>
+            </a:fillRef>
+            <a:effectRef idx="0">
+              <a:schemeClr val="accent1"/>
+            </a:effectRef>
+            <a:fontRef idx="minor">
+              <a:schemeClr val="lt1"/>
+            </a:fontRef>
+          </p:style>
+          <p:txBody>
+            <a:bodyPr rtlCol="0" anchor="ctr"/>
+            <a:lstStyle/>
+            <a:p>
+              <a:pPr algn="ctr"/>
+              <a:r>
+                <a:rPr lang="es-ES" dirty="0" smtClean="0"/>
+                <a:t>horario 1</a:t>
+              </a:r>
+              <a:endParaRPr lang="es-ES" dirty="0"/>
+            </a:p>
+          </p:txBody>
+        </p:sp>
+        <p:sp>
+          <p:nvSpPr>
+            <p:cNvPr id="69" name="Rectángulo 68"/>
+            <p:cNvSpPr/>
+            <p:nvPr/>
+          </p:nvSpPr>
+          <p:spPr>
+            <a:xfrm>
+              <a:off x="8946029" y="4074685"/>
+              <a:ext cx="1373467" cy="523159"/>
+            </a:xfrm>
+            <a:prstGeom prst="rect">
+              <a:avLst/>
+            </a:prstGeom>
+            <a:effectLst>
+              <a:glow rad="228600">
+                <a:schemeClr val="accent5">
+                  <a:satMod val="175000"/>
+                  <a:alpha val="40000"/>
+                </a:schemeClr>
+              </a:glow>
+            </a:effectLst>
+          </p:spPr>
+          <p:style>
+            <a:lnRef idx="2">
+              <a:schemeClr val="accent1">
+                <a:shade val="50000"/>
+              </a:schemeClr>
+            </a:lnRef>
+            <a:fillRef idx="1">
+              <a:schemeClr val="accent1"/>
+            </a:fillRef>
+            <a:effectRef idx="0">
+              <a:schemeClr val="accent1"/>
+            </a:effectRef>
+            <a:fontRef idx="minor">
+              <a:schemeClr val="lt1"/>
+            </a:fontRef>
+          </p:style>
+          <p:txBody>
+            <a:bodyPr rtlCol="0" anchor="ctr"/>
+            <a:lstStyle/>
+            <a:p>
+              <a:pPr algn="ctr"/>
+              <a:r>
+                <a:rPr lang="es-ES" dirty="0" smtClean="0"/>
+                <a:t>horario 1</a:t>
+              </a:r>
+              <a:endParaRPr lang="es-ES" dirty="0"/>
+            </a:p>
+          </p:txBody>
+        </p:sp>
+        <p:sp>
+          <p:nvSpPr>
+            <p:cNvPr id="70" name="Rectángulo 69"/>
+            <p:cNvSpPr/>
+            <p:nvPr/>
+          </p:nvSpPr>
+          <p:spPr>
+            <a:xfrm>
+              <a:off x="8962819" y="4789529"/>
+              <a:ext cx="1373467" cy="523159"/>
+            </a:xfrm>
+            <a:prstGeom prst="rect">
+              <a:avLst/>
+            </a:prstGeom>
+          </p:spPr>
+          <p:style>
+            <a:lnRef idx="2">
+              <a:schemeClr val="accent1">
+                <a:shade val="50000"/>
+              </a:schemeClr>
+            </a:lnRef>
+            <a:fillRef idx="1">
+              <a:schemeClr val="accent1"/>
+            </a:fillRef>
+            <a:effectRef idx="0">
+              <a:schemeClr val="accent1"/>
+            </a:effectRef>
+            <a:fontRef idx="minor">
+              <a:schemeClr val="lt1"/>
+            </a:fontRef>
+          </p:style>
+          <p:txBody>
+            <a:bodyPr rtlCol="0" anchor="ctr"/>
+            <a:lstStyle/>
+            <a:p>
+              <a:pPr algn="ctr"/>
+              <a:r>
+                <a:rPr lang="es-ES" dirty="0" smtClean="0"/>
+                <a:t>horario 1</a:t>
+              </a:r>
+              <a:endParaRPr lang="es-ES" dirty="0"/>
+            </a:p>
+          </p:txBody>
+        </p:sp>
+      </p:grpSp>
+      <p:cxnSp>
+        <p:nvCxnSpPr>
+          <p:cNvPr id="72" name="Conector recto 71"/>
+          <p:cNvCxnSpPr/>
+          <p:nvPr/>
+        </p:nvCxnSpPr>
+        <p:spPr>
+          <a:xfrm flipV="1">
+            <a:off x="763941" y="1140730"/>
+            <a:ext cx="1443789" cy="5146"/>
+          </a:xfrm>
+          <a:prstGeom prst="line">
+            <a:avLst/>
+          </a:prstGeom>
+          <a:ln w="76200"/>
+          <a:effectLst>
+            <a:glow rad="228600">
+              <a:schemeClr val="accent2">
+                <a:satMod val="175000"/>
+                <a:alpha val="40000"/>
+              </a:schemeClr>
+            </a:glow>
+          </a:effectLst>
+        </p:spPr>
+        <p:style>
+          <a:lnRef idx="1">
+            <a:schemeClr val="accent1"/>
+          </a:lnRef>
+          <a:fillRef idx="0">
+            <a:schemeClr val="accent1"/>
+          </a:fillRef>
+          <a:effectRef idx="0">
+            <a:schemeClr val="accent1"/>
+          </a:effectRef>
+          <a:fontRef idx="minor">
+            <a:schemeClr val="tx1"/>
+          </a:fontRef>
+        </p:style>
+      </p:cxnSp>
+      <p:cxnSp>
+        <p:nvCxnSpPr>
+          <p:cNvPr id="73" name="Conector recto 72"/>
+          <p:cNvCxnSpPr/>
+          <p:nvPr/>
+        </p:nvCxnSpPr>
+        <p:spPr>
+          <a:xfrm flipV="1">
+            <a:off x="2324631" y="1269165"/>
+            <a:ext cx="1443789" cy="5146"/>
+          </a:xfrm>
+          <a:prstGeom prst="line">
+            <a:avLst/>
+          </a:prstGeom>
+          <a:ln w="76200"/>
+        </p:spPr>
+        <p:style>
+          <a:lnRef idx="1">
+            <a:schemeClr val="accent1"/>
+          </a:lnRef>
+          <a:fillRef idx="0">
+            <a:schemeClr val="accent1"/>
+          </a:fillRef>
+          <a:effectRef idx="0">
+            <a:schemeClr val="accent1"/>
+          </a:effectRef>
+          <a:fontRef idx="minor">
+            <a:schemeClr val="tx1"/>
+          </a:fontRef>
+        </p:style>
+      </p:cxnSp>
+      <p:cxnSp>
+        <p:nvCxnSpPr>
+          <p:cNvPr id="76" name="Conector recto 75"/>
+          <p:cNvCxnSpPr/>
+          <p:nvPr/>
+        </p:nvCxnSpPr>
+        <p:spPr>
+          <a:xfrm>
+            <a:off x="6944103" y="3995898"/>
+            <a:ext cx="846344" cy="0"/>
+          </a:xfrm>
+          <a:prstGeom prst="line">
+            <a:avLst/>
+          </a:prstGeom>
+          <a:ln w="76200"/>
+          <a:effectLst/>
+        </p:spPr>
+        <p:style>
+          <a:lnRef idx="1">
+            <a:schemeClr val="accent1"/>
+          </a:lnRef>
+          <a:fillRef idx="0">
+            <a:schemeClr val="accent1"/>
+          </a:fillRef>
+          <a:effectRef idx="0">
+            <a:schemeClr val="accent1"/>
+          </a:effectRef>
+          <a:fontRef idx="minor">
+            <a:schemeClr val="tx1"/>
+          </a:fontRef>
+        </p:style>
+      </p:cxnSp>
+      <p:sp>
+        <p:nvSpPr>
+          <p:cNvPr id="77" name="Rectángulo 76"/>
+          <p:cNvSpPr/>
+          <p:nvPr/>
+        </p:nvSpPr>
+        <p:spPr>
+          <a:xfrm>
+            <a:off x="6780585" y="3901014"/>
+            <a:ext cx="5044212" cy="702886"/>
+          </a:xfrm>
+          <a:prstGeom prst="rect">
+            <a:avLst/>
+          </a:prstGeom>
+          <a:noFill/>
+          <a:effectLst/>
+        </p:spPr>
+        <p:style>
+          <a:lnRef idx="2">
+            <a:schemeClr val="accent1">
+              <a:shade val="50000"/>
+            </a:schemeClr>
+          </a:lnRef>
+          <a:fillRef idx="1">
+            <a:schemeClr val="accent1"/>
+          </a:fillRef>
+          <a:effectRef idx="0">
+            <a:schemeClr val="accent1"/>
+          </a:effectRef>
+          <a:fontRef idx="minor">
+            <a:schemeClr val="lt1"/>
+          </a:fontRef>
+        </p:style>
+        <p:txBody>
+          <a:bodyPr rtlCol="0" anchor="ctr"/>
+          <a:lstStyle/>
+          <a:p>
+            <a:pPr algn="ctr"/>
+            <a:endParaRPr lang="es-ES">
+              <a:effectLst>
+                <a:glow rad="228600">
+                  <a:schemeClr val="accent5">
+                    <a:satMod val="175000"/>
+                    <a:alpha val="40000"/>
+                  </a:schemeClr>
+                </a:glow>
+              </a:effectLst>
+            </a:endParaRPr>
+          </a:p>
+        </p:txBody>
+      </p:sp>
+      <p:sp>
+        <p:nvSpPr>
+          <p:cNvPr id="78" name="Rectángulo 77"/>
+          <p:cNvSpPr/>
+          <p:nvPr/>
+        </p:nvSpPr>
+        <p:spPr>
+          <a:xfrm>
+            <a:off x="7860504" y="3969198"/>
+            <a:ext cx="1368841" cy="147177"/>
+          </a:xfrm>
+          <a:prstGeom prst="rect">
+            <a:avLst/>
+          </a:prstGeom>
+          <a:effectLst/>
+        </p:spPr>
+        <p:style>
+          <a:lnRef idx="2">
+            <a:schemeClr val="accent1">
+              <a:shade val="50000"/>
+            </a:schemeClr>
+          </a:lnRef>
+          <a:fillRef idx="1">
+            <a:schemeClr val="accent1"/>
+          </a:fillRef>
+          <a:effectRef idx="0">
+            <a:schemeClr val="accent1"/>
+          </a:effectRef>
+          <a:fontRef idx="minor">
+            <a:schemeClr val="lt1"/>
+          </a:fontRef>
+        </p:style>
+        <p:txBody>
+          <a:bodyPr rtlCol="0" anchor="ctr"/>
+          <a:lstStyle/>
+          <a:p>
+            <a:pPr algn="ctr"/>
+            <a:r>
+              <a:rPr lang="es-ES" dirty="0" smtClean="0"/>
+              <a:t>Sala 1</a:t>
+            </a:r>
+            <a:endParaRPr lang="es-ES" dirty="0"/>
+          </a:p>
+        </p:txBody>
+      </p:sp>
+      <p:sp>
+        <p:nvSpPr>
+          <p:cNvPr id="81" name="Rectángulo 80"/>
+          <p:cNvSpPr/>
+          <p:nvPr/>
+        </p:nvSpPr>
+        <p:spPr>
+          <a:xfrm>
+            <a:off x="7860504" y="4176588"/>
+            <a:ext cx="1368841" cy="147177"/>
+          </a:xfrm>
+          <a:prstGeom prst="rect">
+            <a:avLst/>
+          </a:prstGeom>
+          <a:effectLst>
+            <a:glow rad="228600">
+              <a:schemeClr val="accent2">
+                <a:satMod val="175000"/>
+                <a:alpha val="40000"/>
+              </a:schemeClr>
+            </a:glow>
+          </a:effectLst>
+        </p:spPr>
+        <p:style>
+          <a:lnRef idx="2">
+            <a:schemeClr val="accent1">
+              <a:shade val="50000"/>
+            </a:schemeClr>
+          </a:lnRef>
+          <a:fillRef idx="1">
+            <a:schemeClr val="accent1"/>
+          </a:fillRef>
+          <a:effectRef idx="0">
+            <a:schemeClr val="accent1"/>
+          </a:effectRef>
+          <a:fontRef idx="minor">
+            <a:schemeClr val="lt1"/>
+          </a:fontRef>
+        </p:style>
+        <p:txBody>
+          <a:bodyPr rtlCol="0" anchor="ctr"/>
+          <a:lstStyle/>
+          <a:p>
+            <a:pPr algn="ctr"/>
+            <a:r>
+              <a:rPr lang="es-ES" dirty="0" smtClean="0"/>
+              <a:t>Sala 2</a:t>
+            </a:r>
+            <a:endParaRPr lang="es-ES" dirty="0"/>
+          </a:p>
+        </p:txBody>
+      </p:sp>
+      <p:sp>
+        <p:nvSpPr>
+          <p:cNvPr id="82" name="Rectángulo 81"/>
+          <p:cNvSpPr/>
+          <p:nvPr/>
+        </p:nvSpPr>
+        <p:spPr>
+          <a:xfrm>
+            <a:off x="7860504" y="4378823"/>
+            <a:ext cx="1368841" cy="147177"/>
+          </a:xfrm>
+          <a:prstGeom prst="rect">
+            <a:avLst/>
+          </a:prstGeom>
+          <a:ln>
+            <a:solidFill>
+              <a:srgbClr val="00B050"/>
+            </a:solidFill>
+          </a:ln>
+          <a:effectLst/>
+        </p:spPr>
+        <p:style>
+          <a:lnRef idx="2">
+            <a:schemeClr val="accent1">
+              <a:shade val="50000"/>
+            </a:schemeClr>
+          </a:lnRef>
+          <a:fillRef idx="1">
+            <a:schemeClr val="accent1"/>
+          </a:fillRef>
+          <a:effectRef idx="0">
+            <a:schemeClr val="accent1"/>
+          </a:effectRef>
+          <a:fontRef idx="minor">
+            <a:schemeClr val="lt1"/>
+          </a:fontRef>
+        </p:style>
+        <p:txBody>
+          <a:bodyPr rtlCol="0" anchor="ctr"/>
+          <a:lstStyle/>
+          <a:p>
+            <a:pPr algn="ctr"/>
+            <a:r>
+              <a:rPr lang="es-ES" dirty="0" smtClean="0"/>
+              <a:t>Sala 3</a:t>
+            </a:r>
+            <a:endParaRPr lang="es-ES" dirty="0"/>
+          </a:p>
+        </p:txBody>
+      </p:sp>
+      <p:sp>
+        <p:nvSpPr>
+          <p:cNvPr id="83" name="Rectángulo 82"/>
+          <p:cNvSpPr/>
+          <p:nvPr/>
+        </p:nvSpPr>
+        <p:spPr>
+          <a:xfrm>
+            <a:off x="9685073" y="3962097"/>
+            <a:ext cx="1759662" cy="147177"/>
+          </a:xfrm>
+          <a:prstGeom prst="rect">
+            <a:avLst/>
+          </a:prstGeom>
+          <a:effectLst/>
+        </p:spPr>
+        <p:style>
+          <a:lnRef idx="2">
+            <a:schemeClr val="accent1">
+              <a:shade val="50000"/>
+            </a:schemeClr>
+          </a:lnRef>
+          <a:fillRef idx="1">
+            <a:schemeClr val="accent1"/>
+          </a:fillRef>
+          <a:effectRef idx="0">
+            <a:schemeClr val="accent1"/>
+          </a:effectRef>
+          <a:fontRef idx="minor">
+            <a:schemeClr val="lt1"/>
+          </a:fontRef>
+        </p:style>
+        <p:txBody>
+          <a:bodyPr rtlCol="0" anchor="ctr"/>
+          <a:lstStyle/>
+          <a:p>
+            <a:pPr algn="ctr"/>
+            <a:r>
+              <a:rPr lang="es-ES" dirty="0" smtClean="0"/>
+              <a:t>horario 1</a:t>
+            </a:r>
+            <a:endParaRPr lang="es-ES" dirty="0"/>
+          </a:p>
+        </p:txBody>
+      </p:sp>
+      <p:sp>
+        <p:nvSpPr>
+          <p:cNvPr id="84" name="Rectángulo 83"/>
+          <p:cNvSpPr/>
+          <p:nvPr/>
+        </p:nvSpPr>
+        <p:spPr>
+          <a:xfrm>
+            <a:off x="9685073" y="4156028"/>
+            <a:ext cx="1736985" cy="147177"/>
+          </a:xfrm>
+          <a:prstGeom prst="rect">
+            <a:avLst/>
+          </a:prstGeom>
+          <a:effectLst>
+            <a:glow rad="228600">
+              <a:schemeClr val="accent2">
+                <a:satMod val="175000"/>
+                <a:alpha val="40000"/>
+              </a:schemeClr>
+            </a:glow>
+          </a:effectLst>
+        </p:spPr>
+        <p:style>
+          <a:lnRef idx="2">
+            <a:schemeClr val="accent1">
+              <a:shade val="50000"/>
+            </a:schemeClr>
+          </a:lnRef>
+          <a:fillRef idx="1">
+            <a:schemeClr val="accent1"/>
+          </a:fillRef>
+          <a:effectRef idx="0">
+            <a:schemeClr val="accent1"/>
+          </a:effectRef>
+          <a:fontRef idx="minor">
+            <a:schemeClr val="lt1"/>
+          </a:fontRef>
+        </p:style>
+        <p:txBody>
+          <a:bodyPr rtlCol="0" anchor="ctr"/>
+          <a:lstStyle/>
+          <a:p>
+            <a:pPr algn="ctr"/>
+            <a:r>
+              <a:rPr lang="es-ES" dirty="0" smtClean="0"/>
+              <a:t>horario 1</a:t>
+            </a:r>
+            <a:endParaRPr lang="es-ES" dirty="0"/>
+          </a:p>
+        </p:txBody>
+      </p:sp>
+      <p:sp>
+        <p:nvSpPr>
+          <p:cNvPr id="85" name="Rectángulo 84"/>
+          <p:cNvSpPr/>
+          <p:nvPr/>
+        </p:nvSpPr>
+        <p:spPr>
+          <a:xfrm>
+            <a:off x="9706307" y="4357130"/>
+            <a:ext cx="1736985" cy="147177"/>
+          </a:xfrm>
+          <a:prstGeom prst="rect">
+            <a:avLst/>
+          </a:prstGeom>
+          <a:effectLst/>
+        </p:spPr>
+        <p:style>
+          <a:lnRef idx="2">
+            <a:schemeClr val="accent1">
+              <a:shade val="50000"/>
+            </a:schemeClr>
+          </a:lnRef>
+          <a:fillRef idx="1">
+            <a:schemeClr val="accent1"/>
+          </a:fillRef>
+          <a:effectRef idx="0">
+            <a:schemeClr val="accent1"/>
+          </a:effectRef>
+          <a:fontRef idx="minor">
+            <a:schemeClr val="lt1"/>
+          </a:fontRef>
+        </p:style>
+        <p:txBody>
+          <a:bodyPr rtlCol="0" anchor="ctr"/>
+          <a:lstStyle/>
+          <a:p>
+            <a:pPr algn="ctr"/>
+            <a:r>
+              <a:rPr lang="es-ES" dirty="0" smtClean="0"/>
+              <a:t>horario 1</a:t>
+            </a:r>
+            <a:endParaRPr lang="es-ES" dirty="0"/>
+          </a:p>
+        </p:txBody>
+      </p:sp>
+      <p:grpSp>
+        <p:nvGrpSpPr>
+          <p:cNvPr id="86" name="Grupo 85"/>
+          <p:cNvGrpSpPr/>
+          <p:nvPr/>
+        </p:nvGrpSpPr>
+        <p:grpSpPr>
+          <a:xfrm>
+            <a:off x="9677950" y="437194"/>
+            <a:ext cx="2274044" cy="2408339"/>
+            <a:chOff x="6649395" y="424690"/>
+            <a:chExt cx="3734888" cy="2421542"/>
+          </a:xfrm>
+        </p:grpSpPr>
+        <p:sp>
+          <p:nvSpPr>
+            <p:cNvPr id="87" name="Rectángulo 86"/>
+            <p:cNvSpPr/>
+            <p:nvPr/>
+          </p:nvSpPr>
+          <p:spPr>
+            <a:xfrm>
+              <a:off x="6649395" y="756710"/>
+              <a:ext cx="3734888" cy="2089522"/>
+            </a:xfrm>
+            <a:prstGeom prst="rect">
+              <a:avLst/>
+            </a:prstGeom>
+            <a:noFill/>
+            <a:ln>
+              <a:solidFill>
+                <a:srgbClr val="FF0000"/>
+              </a:solidFill>
+            </a:ln>
+          </p:spPr>
+          <p:style>
+            <a:lnRef idx="2">
+              <a:schemeClr val="accent1">
+                <a:shade val="50000"/>
+              </a:schemeClr>
+            </a:lnRef>
+            <a:fillRef idx="1">
+              <a:schemeClr val="accent1"/>
+            </a:fillRef>
+            <a:effectRef idx="0">
+              <a:schemeClr val="accent1"/>
+            </a:effectRef>
+            <a:fontRef idx="minor">
+              <a:schemeClr val="lt1"/>
+            </a:fontRef>
+          </p:style>
+          <p:txBody>
+            <a:bodyPr rtlCol="0" anchor="ctr"/>
+            <a:lstStyle/>
+            <a:p>
+              <a:pPr algn="ctr"/>
+              <a:endParaRPr lang="es-ES"/>
+            </a:p>
+          </p:txBody>
+        </p:sp>
+        <p:sp>
+          <p:nvSpPr>
+            <p:cNvPr id="88" name="CuadroTexto 87"/>
+            <p:cNvSpPr txBox="1"/>
+            <p:nvPr/>
+          </p:nvSpPr>
+          <p:spPr>
+            <a:xfrm>
+              <a:off x="7123372" y="424690"/>
+              <a:ext cx="3012301" cy="674322"/>
+            </a:xfrm>
+            <a:prstGeom prst="rect">
+              <a:avLst/>
+            </a:prstGeom>
+            <a:noFill/>
+          </p:spPr>
+          <p:txBody>
+            <a:bodyPr wrap="square" rtlCol="0">
+              <a:spAutoFit/>
+            </a:bodyPr>
+            <a:lstStyle/>
+            <a:p>
+              <a:pPr algn="ctr"/>
+              <a:r>
+                <a:rPr lang="es-ES" dirty="0" smtClean="0"/>
+                <a:t>Configuración sala  </a:t>
+              </a:r>
+              <a:endParaRPr lang="es-ES" dirty="0"/>
+            </a:p>
+          </p:txBody>
+        </p:sp>
+        <p:grpSp>
+          <p:nvGrpSpPr>
+            <p:cNvPr id="89" name="Grupo 88"/>
+            <p:cNvGrpSpPr/>
+            <p:nvPr/>
+          </p:nvGrpSpPr>
+          <p:grpSpPr>
+            <a:xfrm>
+              <a:off x="6971875" y="911174"/>
+              <a:ext cx="3238334" cy="385328"/>
+              <a:chOff x="7388066" y="1232750"/>
+              <a:chExt cx="3511868" cy="435439"/>
+            </a:xfrm>
+          </p:grpSpPr>
+          <p:cxnSp>
+            <p:nvCxnSpPr>
+              <p:cNvPr id="90" name="Conector recto 89"/>
+              <p:cNvCxnSpPr/>
+              <p:nvPr/>
+            </p:nvCxnSpPr>
+            <p:spPr>
+              <a:xfrm>
+                <a:off x="7388066" y="1462944"/>
+                <a:ext cx="1443789" cy="0"/>
+              </a:xfrm>
+              <a:prstGeom prst="line">
+                <a:avLst/>
+              </a:prstGeom>
+              <a:ln w="76200"/>
+              <a:effectLst/>
+            </p:spPr>
+            <p:style>
+              <a:lnRef idx="1">
+                <a:schemeClr val="accent1"/>
+              </a:lnRef>
+              <a:fillRef idx="0">
+                <a:schemeClr val="accent1"/>
+              </a:fillRef>
+              <a:effectRef idx="0">
+                <a:schemeClr val="accent1"/>
+              </a:effectRef>
+              <a:fontRef idx="minor">
+                <a:schemeClr val="tx1"/>
+              </a:fontRef>
+            </p:style>
+          </p:cxnSp>
+          <p:sp>
+            <p:nvSpPr>
+              <p:cNvPr id="95" name="CuadroTexto 94"/>
+              <p:cNvSpPr txBox="1"/>
+              <p:nvPr/>
+            </p:nvSpPr>
+            <p:spPr>
+              <a:xfrm>
+                <a:off x="8878458" y="1232750"/>
+                <a:ext cx="2021476" cy="435439"/>
+              </a:xfrm>
+              <a:prstGeom prst="rect">
+                <a:avLst/>
+              </a:prstGeom>
+              <a:noFill/>
+            </p:spPr>
+            <p:txBody>
+              <a:bodyPr wrap="square" rtlCol="0">
+                <a:spAutoFit/>
+              </a:bodyPr>
+              <a:lstStyle/>
+              <a:p>
+                <a:r>
+                  <a:rPr lang="es-ES" dirty="0" smtClean="0"/>
+                  <a:t>Conf. 1</a:t>
+                </a:r>
+                <a:endParaRPr lang="es-ES" dirty="0"/>
+              </a:p>
+            </p:txBody>
+          </p:sp>
+        </p:grpSp>
+      </p:grpSp>
+      <p:cxnSp>
+        <p:nvCxnSpPr>
+          <p:cNvPr id="96" name="Conector recto 95"/>
+          <p:cNvCxnSpPr/>
+          <p:nvPr/>
+        </p:nvCxnSpPr>
+        <p:spPr>
+          <a:xfrm>
+            <a:off x="9928848" y="1551738"/>
+            <a:ext cx="810603" cy="0"/>
+          </a:xfrm>
+          <a:prstGeom prst="line">
+            <a:avLst/>
+          </a:prstGeom>
+          <a:ln w="76200"/>
+          <a:effectLst>
+            <a:glow rad="228600">
+              <a:schemeClr val="accent5">
+                <a:satMod val="175000"/>
+                <a:alpha val="40000"/>
+              </a:schemeClr>
+            </a:glow>
+          </a:effectLst>
+        </p:spPr>
+        <p:style>
+          <a:lnRef idx="1">
+            <a:schemeClr val="accent1"/>
+          </a:lnRef>
+          <a:fillRef idx="0">
+            <a:schemeClr val="accent1"/>
+          </a:fillRef>
+          <a:effectRef idx="0">
+            <a:schemeClr val="accent1"/>
+          </a:effectRef>
+          <a:fontRef idx="minor">
+            <a:schemeClr val="tx1"/>
+          </a:fontRef>
+        </p:style>
+      </p:cxnSp>
+      <p:cxnSp>
+        <p:nvCxnSpPr>
+          <p:cNvPr id="97" name="Conector recto 96"/>
+          <p:cNvCxnSpPr/>
+          <p:nvPr/>
+        </p:nvCxnSpPr>
+        <p:spPr>
+          <a:xfrm>
+            <a:off x="9938293" y="2033779"/>
+            <a:ext cx="810603" cy="0"/>
+          </a:xfrm>
+          <a:prstGeom prst="line">
+            <a:avLst/>
+          </a:prstGeom>
+          <a:ln w="76200"/>
+          <a:effectLst>
+            <a:glow rad="228600">
+              <a:schemeClr val="accent2">
+                <a:satMod val="175000"/>
+                <a:alpha val="40000"/>
+              </a:schemeClr>
+            </a:glow>
+          </a:effectLst>
+        </p:spPr>
+        <p:style>
+          <a:lnRef idx="1">
+            <a:schemeClr val="accent1"/>
+          </a:lnRef>
+          <a:fillRef idx="0">
+            <a:schemeClr val="accent1"/>
+          </a:fillRef>
+          <a:effectRef idx="0">
+            <a:schemeClr val="accent1"/>
+          </a:effectRef>
+          <a:fontRef idx="minor">
+            <a:schemeClr val="tx1"/>
+          </a:fontRef>
+        </p:style>
+      </p:cxnSp>
+      <p:sp>
+        <p:nvSpPr>
+          <p:cNvPr id="98" name="CuadroTexto 97"/>
+          <p:cNvSpPr txBox="1"/>
+          <p:nvPr/>
+        </p:nvSpPr>
+        <p:spPr>
+          <a:xfrm>
+            <a:off x="10796961" y="1432138"/>
+            <a:ext cx="1134941" cy="369333"/>
+          </a:xfrm>
+          <a:prstGeom prst="rect">
+            <a:avLst/>
+          </a:prstGeom>
+          <a:noFill/>
+        </p:spPr>
+        <p:txBody>
+          <a:bodyPr wrap="square" rtlCol="0">
+            <a:spAutoFit/>
+          </a:bodyPr>
+          <a:lstStyle/>
+          <a:p>
+            <a:r>
+              <a:rPr lang="es-ES" dirty="0" smtClean="0"/>
+              <a:t>Conf. 2</a:t>
+            </a:r>
+            <a:endParaRPr lang="es-ES" dirty="0"/>
+          </a:p>
+        </p:txBody>
+      </p:sp>
+      <p:sp>
+        <p:nvSpPr>
+          <p:cNvPr id="99" name="CuadroTexto 98"/>
+          <p:cNvSpPr txBox="1"/>
+          <p:nvPr/>
+        </p:nvSpPr>
+        <p:spPr>
+          <a:xfrm>
+            <a:off x="10814972" y="1868347"/>
+            <a:ext cx="1134941" cy="369333"/>
+          </a:xfrm>
+          <a:prstGeom prst="rect">
+            <a:avLst/>
+          </a:prstGeom>
+          <a:noFill/>
+        </p:spPr>
+        <p:txBody>
+          <a:bodyPr wrap="square" rtlCol="0">
+            <a:spAutoFit/>
+          </a:bodyPr>
+          <a:lstStyle/>
+          <a:p>
+            <a:r>
+              <a:rPr lang="es-ES" dirty="0" smtClean="0"/>
+              <a:t>Conf. 3</a:t>
+            </a:r>
+            <a:endParaRPr lang="es-ES" dirty="0"/>
+          </a:p>
+        </p:txBody>
+      </p:sp>
+      <p:grpSp>
+        <p:nvGrpSpPr>
+          <p:cNvPr id="12" name="Grupo 11"/>
+          <p:cNvGrpSpPr/>
+          <p:nvPr/>
+        </p:nvGrpSpPr>
+        <p:grpSpPr>
+          <a:xfrm>
+            <a:off x="6789665" y="5657581"/>
+            <a:ext cx="5096121" cy="874966"/>
+            <a:chOff x="6789665" y="5657581"/>
+            <a:chExt cx="5096121" cy="682583"/>
+          </a:xfrm>
+        </p:grpSpPr>
+        <p:cxnSp>
+          <p:nvCxnSpPr>
+            <p:cNvPr id="101" name="Conector recto 100"/>
+            <p:cNvCxnSpPr/>
+            <p:nvPr/>
+          </p:nvCxnSpPr>
+          <p:spPr>
+            <a:xfrm>
+              <a:off x="6954866" y="5749724"/>
+              <a:ext cx="855053" cy="0"/>
+            </a:xfrm>
+            <a:prstGeom prst="line">
+              <a:avLst/>
+            </a:prstGeom>
+            <a:ln w="76200"/>
+          </p:spPr>
+          <p:style>
+            <a:lnRef idx="1">
+              <a:schemeClr val="accent1"/>
+            </a:lnRef>
+            <a:fillRef idx="0">
+              <a:schemeClr val="accent1"/>
+            </a:fillRef>
+            <a:effectRef idx="0">
+              <a:schemeClr val="accent1"/>
+            </a:effectRef>
+            <a:fontRef idx="minor">
+              <a:schemeClr val="tx1"/>
+            </a:fontRef>
+          </p:style>
+        </p:cxnSp>
+        <p:sp>
+          <p:nvSpPr>
+            <p:cNvPr id="102" name="Rectángulo 101"/>
+            <p:cNvSpPr/>
+            <p:nvPr/>
+          </p:nvSpPr>
+          <p:spPr>
+            <a:xfrm>
+              <a:off x="6789665" y="5657581"/>
+              <a:ext cx="5096121" cy="682583"/>
+            </a:xfrm>
+            <a:prstGeom prst="rect">
+              <a:avLst/>
+            </a:prstGeom>
+            <a:noFill/>
+            <a:effectLst/>
+          </p:spPr>
+          <p:style>
+            <a:lnRef idx="2">
+              <a:schemeClr val="accent1">
+                <a:shade val="50000"/>
+              </a:schemeClr>
+            </a:lnRef>
+            <a:fillRef idx="1">
+              <a:schemeClr val="accent1"/>
+            </a:fillRef>
+            <a:effectRef idx="0">
+              <a:schemeClr val="accent1"/>
+            </a:effectRef>
+            <a:fontRef idx="minor">
+              <a:schemeClr val="lt1"/>
+            </a:fontRef>
+          </p:style>
+          <p:txBody>
+            <a:bodyPr rtlCol="0" anchor="ctr"/>
+            <a:lstStyle/>
+            <a:p>
+              <a:pPr algn="ctr"/>
+              <a:endParaRPr lang="es-ES">
+                <a:effectLst/>
+              </a:endParaRPr>
+            </a:p>
+          </p:txBody>
+        </p:sp>
+        <p:sp>
+          <p:nvSpPr>
+            <p:cNvPr id="103" name="Rectángulo 102"/>
+            <p:cNvSpPr/>
+            <p:nvPr/>
+          </p:nvSpPr>
+          <p:spPr>
+            <a:xfrm>
+              <a:off x="7880697" y="5723795"/>
+              <a:ext cx="1382927" cy="142925"/>
+            </a:xfrm>
+            <a:prstGeom prst="rect">
+              <a:avLst/>
+            </a:prstGeom>
+          </p:spPr>
+          <p:style>
+            <a:lnRef idx="2">
+              <a:schemeClr val="accent1">
+                <a:shade val="50000"/>
+              </a:schemeClr>
+            </a:lnRef>
+            <a:fillRef idx="1">
+              <a:schemeClr val="accent1"/>
+            </a:fillRef>
+            <a:effectRef idx="0">
+              <a:schemeClr val="accent1"/>
+            </a:effectRef>
+            <a:fontRef idx="minor">
+              <a:schemeClr val="lt1"/>
+            </a:fontRef>
+          </p:style>
+          <p:txBody>
+            <a:bodyPr rtlCol="0" anchor="ctr"/>
+            <a:lstStyle/>
+            <a:p>
+              <a:pPr algn="ctr"/>
+              <a:r>
+                <a:rPr lang="es-ES" dirty="0" smtClean="0"/>
+                <a:t>Sala 1</a:t>
+              </a:r>
+              <a:endParaRPr lang="es-ES" dirty="0"/>
+            </a:p>
+          </p:txBody>
+        </p:sp>
+        <p:sp>
+          <p:nvSpPr>
+            <p:cNvPr id="104" name="Rectángulo 103"/>
+            <p:cNvSpPr/>
+            <p:nvPr/>
+          </p:nvSpPr>
+          <p:spPr>
+            <a:xfrm>
+              <a:off x="7880697" y="5925195"/>
+              <a:ext cx="1382927" cy="142925"/>
+            </a:xfrm>
+            <a:prstGeom prst="rect">
+              <a:avLst/>
+            </a:prstGeom>
+          </p:spPr>
+          <p:style>
+            <a:lnRef idx="2">
+              <a:schemeClr val="accent6">
+                <a:shade val="50000"/>
+              </a:schemeClr>
+            </a:lnRef>
+            <a:fillRef idx="1">
+              <a:schemeClr val="accent6"/>
+            </a:fillRef>
+            <a:effectRef idx="0">
+              <a:schemeClr val="accent6"/>
+            </a:effectRef>
+            <a:fontRef idx="minor">
+              <a:schemeClr val="lt1"/>
+            </a:fontRef>
+          </p:style>
+          <p:txBody>
+            <a:bodyPr rtlCol="0" anchor="ctr"/>
+            <a:lstStyle/>
+            <a:p>
+              <a:pPr algn="ctr"/>
+              <a:r>
+                <a:rPr lang="es-ES" dirty="0" smtClean="0"/>
+                <a:t>Sala 2</a:t>
+              </a:r>
+              <a:endParaRPr lang="es-ES" dirty="0"/>
+            </a:p>
+          </p:txBody>
+        </p:sp>
+        <p:sp>
+          <p:nvSpPr>
+            <p:cNvPr id="105" name="Rectángulo 104"/>
+            <p:cNvSpPr/>
+            <p:nvPr/>
+          </p:nvSpPr>
+          <p:spPr>
+            <a:xfrm>
+              <a:off x="7880697" y="6121588"/>
+              <a:ext cx="1382927" cy="142925"/>
+            </a:xfrm>
+            <a:prstGeom prst="rect">
+              <a:avLst/>
+            </a:prstGeom>
+            <a:ln>
+              <a:solidFill>
+                <a:srgbClr val="00B050"/>
+              </a:solidFill>
+            </a:ln>
+          </p:spPr>
+          <p:style>
+            <a:lnRef idx="2">
+              <a:schemeClr val="accent1">
+                <a:shade val="50000"/>
+              </a:schemeClr>
+            </a:lnRef>
+            <a:fillRef idx="1">
+              <a:schemeClr val="accent1"/>
+            </a:fillRef>
+            <a:effectRef idx="0">
+              <a:schemeClr val="accent1"/>
+            </a:effectRef>
+            <a:fontRef idx="minor">
+              <a:schemeClr val="lt1"/>
+            </a:fontRef>
+          </p:style>
+          <p:txBody>
+            <a:bodyPr rtlCol="0" anchor="ctr"/>
+            <a:lstStyle/>
+            <a:p>
+              <a:pPr algn="ctr"/>
+              <a:r>
+                <a:rPr lang="es-ES" dirty="0" smtClean="0"/>
+                <a:t>Sala 3</a:t>
+              </a:r>
+              <a:endParaRPr lang="es-ES" dirty="0"/>
+            </a:p>
+          </p:txBody>
+        </p:sp>
+        <p:sp>
+          <p:nvSpPr>
+            <p:cNvPr id="106" name="Rectángulo 105"/>
+            <p:cNvSpPr/>
+            <p:nvPr/>
+          </p:nvSpPr>
+          <p:spPr>
+            <a:xfrm>
+              <a:off x="9724042" y="5716899"/>
+              <a:ext cx="1777771" cy="142925"/>
+            </a:xfrm>
+            <a:prstGeom prst="rect">
+              <a:avLst/>
+            </a:prstGeom>
+          </p:spPr>
+          <p:style>
+            <a:lnRef idx="2">
+              <a:schemeClr val="accent1">
+                <a:shade val="50000"/>
+              </a:schemeClr>
+            </a:lnRef>
+            <a:fillRef idx="1">
+              <a:schemeClr val="accent1"/>
+            </a:fillRef>
+            <a:effectRef idx="0">
+              <a:schemeClr val="accent1"/>
+            </a:effectRef>
+            <a:fontRef idx="minor">
+              <a:schemeClr val="lt1"/>
+            </a:fontRef>
+          </p:style>
+          <p:txBody>
+            <a:bodyPr rtlCol="0" anchor="ctr"/>
+            <a:lstStyle/>
+            <a:p>
+              <a:pPr algn="ctr"/>
+              <a:r>
+                <a:rPr lang="es-ES" dirty="0" smtClean="0"/>
+                <a:t>horario 1</a:t>
+              </a:r>
+              <a:endParaRPr lang="es-ES" dirty="0"/>
+            </a:p>
+          </p:txBody>
+        </p:sp>
+        <p:sp>
+          <p:nvSpPr>
+            <p:cNvPr id="107" name="Rectángulo 106"/>
+            <p:cNvSpPr/>
+            <p:nvPr/>
+          </p:nvSpPr>
+          <p:spPr>
+            <a:xfrm>
+              <a:off x="9724042" y="5905229"/>
+              <a:ext cx="1754860" cy="142925"/>
+            </a:xfrm>
+            <a:prstGeom prst="rect">
+              <a:avLst/>
+            </a:prstGeom>
+          </p:spPr>
+          <p:style>
+            <a:lnRef idx="2">
+              <a:schemeClr val="accent6">
+                <a:shade val="50000"/>
+              </a:schemeClr>
+            </a:lnRef>
+            <a:fillRef idx="1">
+              <a:schemeClr val="accent6"/>
+            </a:fillRef>
+            <a:effectRef idx="0">
+              <a:schemeClr val="accent6"/>
+            </a:effectRef>
+            <a:fontRef idx="minor">
+              <a:schemeClr val="lt1"/>
+            </a:fontRef>
+          </p:style>
+          <p:txBody>
+            <a:bodyPr rtlCol="0" anchor="ctr"/>
+            <a:lstStyle/>
+            <a:p>
+              <a:pPr algn="ctr"/>
+              <a:r>
+                <a:rPr lang="es-ES" dirty="0" smtClean="0"/>
+                <a:t>horario 1</a:t>
+              </a:r>
+              <a:endParaRPr lang="es-ES" dirty="0"/>
+            </a:p>
+          </p:txBody>
+        </p:sp>
+        <p:sp>
+          <p:nvSpPr>
+            <p:cNvPr id="108" name="Rectángulo 107"/>
+            <p:cNvSpPr/>
+            <p:nvPr/>
+          </p:nvSpPr>
+          <p:spPr>
+            <a:xfrm>
+              <a:off x="9745495" y="6100522"/>
+              <a:ext cx="1754860" cy="142925"/>
+            </a:xfrm>
+            <a:prstGeom prst="rect">
+              <a:avLst/>
+            </a:prstGeom>
+          </p:spPr>
+          <p:style>
+            <a:lnRef idx="2">
+              <a:schemeClr val="accent1">
+                <a:shade val="50000"/>
+              </a:schemeClr>
+            </a:lnRef>
+            <a:fillRef idx="1">
+              <a:schemeClr val="accent1"/>
+            </a:fillRef>
+            <a:effectRef idx="0">
+              <a:schemeClr val="accent1"/>
+            </a:effectRef>
+            <a:fontRef idx="minor">
+              <a:schemeClr val="lt1"/>
+            </a:fontRef>
+          </p:style>
+          <p:txBody>
+            <a:bodyPr rtlCol="0" anchor="ctr"/>
+            <a:lstStyle/>
+            <a:p>
+              <a:pPr algn="ctr"/>
+              <a:r>
+                <a:rPr lang="es-ES" dirty="0" smtClean="0"/>
+                <a:t>horario 1</a:t>
+              </a:r>
+              <a:endParaRPr lang="es-ES" dirty="0"/>
+            </a:p>
+          </p:txBody>
+        </p:sp>
+      </p:grpSp>
+      <p:cxnSp>
+        <p:nvCxnSpPr>
+          <p:cNvPr id="109" name="Conector recto 108"/>
+          <p:cNvCxnSpPr/>
+          <p:nvPr/>
+        </p:nvCxnSpPr>
+        <p:spPr>
+          <a:xfrm>
+            <a:off x="9938293" y="2373652"/>
+            <a:ext cx="832938" cy="11130"/>
+          </a:xfrm>
+          <a:prstGeom prst="line">
+            <a:avLst/>
+          </a:prstGeom>
+          <a:ln w="76200">
+            <a:solidFill>
+              <a:schemeClr val="accent6"/>
+            </a:solidFill>
+          </a:ln>
+          <a:effectLst/>
+        </p:spPr>
+        <p:style>
+          <a:lnRef idx="1">
+            <a:schemeClr val="accent1"/>
+          </a:lnRef>
+          <a:fillRef idx="0">
+            <a:schemeClr val="accent1"/>
+          </a:fillRef>
+          <a:effectRef idx="0">
+            <a:schemeClr val="accent1"/>
+          </a:effectRef>
+          <a:fontRef idx="minor">
+            <a:schemeClr val="tx1"/>
+          </a:fontRef>
+        </p:style>
+      </p:cxnSp>
+      <p:sp>
+        <p:nvSpPr>
+          <p:cNvPr id="110" name="CuadroTexto 109"/>
+          <p:cNvSpPr txBox="1"/>
+          <p:nvPr/>
+        </p:nvSpPr>
+        <p:spPr>
+          <a:xfrm>
+            <a:off x="10864697" y="2175213"/>
+            <a:ext cx="1134941" cy="369332"/>
+          </a:xfrm>
+          <a:prstGeom prst="rect">
+            <a:avLst/>
+          </a:prstGeom>
+          <a:noFill/>
+        </p:spPr>
+        <p:txBody>
+          <a:bodyPr wrap="square" rtlCol="0">
+            <a:spAutoFit/>
+          </a:bodyPr>
+          <a:lstStyle/>
+          <a:p>
+            <a:r>
+              <a:rPr lang="es-ES" dirty="0" smtClean="0"/>
+              <a:t>Viaje</a:t>
+            </a:r>
+          </a:p>
+        </p:txBody>
+      </p:sp>
+      <p:sp>
+        <p:nvSpPr>
+          <p:cNvPr id="112" name="CuadroTexto 111"/>
+          <p:cNvSpPr txBox="1"/>
+          <p:nvPr/>
+        </p:nvSpPr>
+        <p:spPr>
+          <a:xfrm flipH="1">
+            <a:off x="5161689" y="4710939"/>
+            <a:ext cx="393812" cy="646331"/>
+          </a:xfrm>
+          <a:prstGeom prst="rect">
+            <a:avLst/>
+          </a:prstGeom>
+          <a:noFill/>
+        </p:spPr>
+        <p:txBody>
+          <a:bodyPr wrap="square" rtlCol="0">
+            <a:spAutoFit/>
+          </a:bodyPr>
+          <a:lstStyle/>
+          <a:p>
+            <a:r>
+              <a:rPr lang="es-ES" dirty="0" smtClean="0"/>
+              <a:t>A</a:t>
+            </a:r>
+          </a:p>
+          <a:p>
+            <a:r>
+              <a:rPr lang="es-ES" dirty="0"/>
+              <a:t>2</a:t>
+            </a:r>
+            <a:endParaRPr lang="es-ES" dirty="0"/>
+          </a:p>
+        </p:txBody>
+      </p:sp>
+      <p:sp>
+        <p:nvSpPr>
+          <p:cNvPr id="113" name="CuadroTexto 112"/>
+          <p:cNvSpPr txBox="1"/>
+          <p:nvPr/>
+        </p:nvSpPr>
+        <p:spPr>
+          <a:xfrm flipH="1">
+            <a:off x="5235763" y="5685881"/>
+            <a:ext cx="393812" cy="646331"/>
+          </a:xfrm>
+          <a:prstGeom prst="rect">
+            <a:avLst/>
+          </a:prstGeom>
+          <a:noFill/>
+        </p:spPr>
+        <p:txBody>
+          <a:bodyPr wrap="square" rtlCol="0">
+            <a:spAutoFit/>
+          </a:bodyPr>
+          <a:lstStyle/>
+          <a:p>
+            <a:r>
+              <a:rPr lang="es-ES" dirty="0" smtClean="0"/>
+              <a:t>A</a:t>
+            </a:r>
+          </a:p>
+          <a:p>
+            <a:r>
+              <a:rPr lang="es-ES" dirty="0"/>
+              <a:t>3</a:t>
+            </a:r>
+          </a:p>
+        </p:txBody>
+      </p:sp>
+      <p:cxnSp>
+        <p:nvCxnSpPr>
+          <p:cNvPr id="25" name="Conector recto de flecha 24"/>
+          <p:cNvCxnSpPr>
+            <a:endCxn id="30" idx="2"/>
+          </p:cNvCxnSpPr>
+          <p:nvPr/>
+        </p:nvCxnSpPr>
+        <p:spPr>
+          <a:xfrm flipV="1">
+            <a:off x="5015614" y="4275453"/>
+            <a:ext cx="373004" cy="975011"/>
+          </a:xfrm>
+          <a:prstGeom prst="straightConnector1">
+            <a:avLst/>
+          </a:prstGeom>
+          <a:ln>
+            <a:tailEnd type="triangle"/>
+          </a:ln>
+        </p:spPr>
+        <p:style>
+          <a:lnRef idx="1">
+            <a:schemeClr val="accent1"/>
+          </a:lnRef>
+          <a:fillRef idx="0">
+            <a:schemeClr val="accent1"/>
+          </a:fillRef>
+          <a:effectRef idx="0">
+            <a:schemeClr val="accent1"/>
+          </a:effectRef>
+          <a:fontRef idx="minor">
+            <a:schemeClr val="tx1"/>
+          </a:fontRef>
+        </p:style>
+      </p:cxnSp>
+      <p:cxnSp>
+        <p:nvCxnSpPr>
+          <p:cNvPr id="29" name="Conector recto 28"/>
+          <p:cNvCxnSpPr/>
+          <p:nvPr/>
+        </p:nvCxnSpPr>
+        <p:spPr>
+          <a:xfrm>
+            <a:off x="6904226" y="1517847"/>
+            <a:ext cx="1107352" cy="0"/>
+          </a:xfrm>
+          <a:prstGeom prst="line">
+            <a:avLst/>
+          </a:prstGeom>
+          <a:ln w="76200">
+            <a:solidFill>
+              <a:srgbClr val="7030A0"/>
+            </a:solidFill>
+          </a:ln>
+        </p:spPr>
+        <p:style>
+          <a:lnRef idx="1">
+            <a:schemeClr val="accent1"/>
+          </a:lnRef>
+          <a:fillRef idx="0">
+            <a:schemeClr val="accent1"/>
+          </a:fillRef>
+          <a:effectRef idx="0">
+            <a:schemeClr val="accent1"/>
+          </a:effectRef>
+          <a:fontRef idx="minor">
+            <a:schemeClr val="tx1"/>
+          </a:fontRef>
+        </p:style>
+      </p:cxnSp>
+    </p:spTree>
+    <p:extLst>
+      <p:ext uri="{BB962C8B-B14F-4D97-AF65-F5344CB8AC3E}">
+        <p14:creationId xmlns:p14="http://schemas.microsoft.com/office/powerpoint/2010/main" val="352675498"/>
       </p:ext>
     </p:extLst>
   </p:cSld>

--- a/diseño/Presentación1.pptx
+++ b/diseño/Presentación1.pptx
@@ -249,7 +249,7 @@
           <a:p>
             <a:fld id="{9578C2D5-FF63-4A80-9782-41C04971033D}" type="datetimeFigureOut">
               <a:rPr lang="es-ES" smtClean="0"/>
-              <a:t>30/11/2022</a:t>
+              <a:t>04/12/2022</a:t>
             </a:fld>
             <a:endParaRPr lang="es-ES"/>
           </a:p>
@@ -419,7 +419,7 @@
           <a:p>
             <a:fld id="{9578C2D5-FF63-4A80-9782-41C04971033D}" type="datetimeFigureOut">
               <a:rPr lang="es-ES" smtClean="0"/>
-              <a:t>30/11/2022</a:t>
+              <a:t>04/12/2022</a:t>
             </a:fld>
             <a:endParaRPr lang="es-ES"/>
           </a:p>
@@ -599,7 +599,7 @@
           <a:p>
             <a:fld id="{9578C2D5-FF63-4A80-9782-41C04971033D}" type="datetimeFigureOut">
               <a:rPr lang="es-ES" smtClean="0"/>
-              <a:t>30/11/2022</a:t>
+              <a:t>04/12/2022</a:t>
             </a:fld>
             <a:endParaRPr lang="es-ES"/>
           </a:p>
@@ -769,7 +769,7 @@
           <a:p>
             <a:fld id="{9578C2D5-FF63-4A80-9782-41C04971033D}" type="datetimeFigureOut">
               <a:rPr lang="es-ES" smtClean="0"/>
-              <a:t>30/11/2022</a:t>
+              <a:t>04/12/2022</a:t>
             </a:fld>
             <a:endParaRPr lang="es-ES"/>
           </a:p>
@@ -1015,7 +1015,7 @@
           <a:p>
             <a:fld id="{9578C2D5-FF63-4A80-9782-41C04971033D}" type="datetimeFigureOut">
               <a:rPr lang="es-ES" smtClean="0"/>
-              <a:t>30/11/2022</a:t>
+              <a:t>04/12/2022</a:t>
             </a:fld>
             <a:endParaRPr lang="es-ES"/>
           </a:p>
@@ -1247,7 +1247,7 @@
           <a:p>
             <a:fld id="{9578C2D5-FF63-4A80-9782-41C04971033D}" type="datetimeFigureOut">
               <a:rPr lang="es-ES" smtClean="0"/>
-              <a:t>30/11/2022</a:t>
+              <a:t>04/12/2022</a:t>
             </a:fld>
             <a:endParaRPr lang="es-ES"/>
           </a:p>
@@ -1614,7 +1614,7 @@
           <a:p>
             <a:fld id="{9578C2D5-FF63-4A80-9782-41C04971033D}" type="datetimeFigureOut">
               <a:rPr lang="es-ES" smtClean="0"/>
-              <a:t>30/11/2022</a:t>
+              <a:t>04/12/2022</a:t>
             </a:fld>
             <a:endParaRPr lang="es-ES"/>
           </a:p>
@@ -1732,7 +1732,7 @@
           <a:p>
             <a:fld id="{9578C2D5-FF63-4A80-9782-41C04971033D}" type="datetimeFigureOut">
               <a:rPr lang="es-ES" smtClean="0"/>
-              <a:t>30/11/2022</a:t>
+              <a:t>04/12/2022</a:t>
             </a:fld>
             <a:endParaRPr lang="es-ES"/>
           </a:p>
@@ -1827,7 +1827,7 @@
           <a:p>
             <a:fld id="{9578C2D5-FF63-4A80-9782-41C04971033D}" type="datetimeFigureOut">
               <a:rPr lang="es-ES" smtClean="0"/>
-              <a:t>30/11/2022</a:t>
+              <a:t>04/12/2022</a:t>
             </a:fld>
             <a:endParaRPr lang="es-ES"/>
           </a:p>
@@ -2104,7 +2104,7 @@
           <a:p>
             <a:fld id="{9578C2D5-FF63-4A80-9782-41C04971033D}" type="datetimeFigureOut">
               <a:rPr lang="es-ES" smtClean="0"/>
-              <a:t>30/11/2022</a:t>
+              <a:t>04/12/2022</a:t>
             </a:fld>
             <a:endParaRPr lang="es-ES"/>
           </a:p>
@@ -2357,7 +2357,7 @@
           <a:p>
             <a:fld id="{9578C2D5-FF63-4A80-9782-41C04971033D}" type="datetimeFigureOut">
               <a:rPr lang="es-ES" smtClean="0"/>
-              <a:t>30/11/2022</a:t>
+              <a:t>04/12/2022</a:t>
             </a:fld>
             <a:endParaRPr lang="es-ES"/>
           </a:p>
@@ -2570,7 +2570,7 @@
           <a:p>
             <a:fld id="{9578C2D5-FF63-4A80-9782-41C04971033D}" type="datetimeFigureOut">
               <a:rPr lang="es-ES" smtClean="0"/>
-              <a:t>30/11/2022</a:t>
+              <a:t>04/12/2022</a:t>
             </a:fld>
             <a:endParaRPr lang="es-ES"/>
           </a:p>
@@ -7900,74 +7900,6 @@
         </p:cxnSp>
         <p:cxnSp>
           <p:nvCxnSpPr>
-            <p:cNvPr id="19" name="Conector recto 18"/>
-            <p:cNvCxnSpPr/>
-            <p:nvPr/>
-          </p:nvCxnSpPr>
-          <p:spPr>
-            <a:xfrm>
-              <a:off x="2292439" y="489397"/>
-              <a:ext cx="0" cy="965915"/>
-            </a:xfrm>
-            <a:prstGeom prst="line">
-              <a:avLst/>
-            </a:prstGeom>
-            <a:ln w="76200"/>
-          </p:spPr>
-          <p:style>
-            <a:lnRef idx="3">
-              <a:schemeClr val="accent2"/>
-            </a:lnRef>
-            <a:fillRef idx="0">
-              <a:schemeClr val="accent2"/>
-            </a:fillRef>
-            <a:effectRef idx="2">
-              <a:schemeClr val="accent2"/>
-            </a:effectRef>
-            <a:fontRef idx="minor">
-              <a:schemeClr val="tx1"/>
-            </a:fontRef>
-          </p:style>
-        </p:cxnSp>
-        <p:cxnSp>
-          <p:nvCxnSpPr>
-            <p:cNvPr id="21" name="Conector recto 20"/>
-            <p:cNvCxnSpPr/>
-            <p:nvPr/>
-          </p:nvCxnSpPr>
-          <p:spPr>
-            <a:xfrm>
-              <a:off x="2292439" y="1658953"/>
-              <a:ext cx="0" cy="824247"/>
-            </a:xfrm>
-            <a:prstGeom prst="line">
-              <a:avLst/>
-            </a:prstGeom>
-            <a:ln w="76200">
-              <a:solidFill>
-                <a:schemeClr val="accent2">
-                  <a:lumMod val="50000"/>
-                </a:schemeClr>
-              </a:solidFill>
-            </a:ln>
-          </p:spPr>
-          <p:style>
-            <a:lnRef idx="3">
-              <a:schemeClr val="accent2"/>
-            </a:lnRef>
-            <a:fillRef idx="0">
-              <a:schemeClr val="accent2"/>
-            </a:fillRef>
-            <a:effectRef idx="2">
-              <a:schemeClr val="accent2"/>
-            </a:effectRef>
-            <a:fontRef idx="minor">
-              <a:schemeClr val="tx1"/>
-            </a:fontRef>
-          </p:style>
-        </p:cxnSp>
-        <p:cxnSp>
-          <p:nvCxnSpPr>
             <p:cNvPr id="24" name="Conector recto 23"/>
             <p:cNvCxnSpPr/>
             <p:nvPr/>
@@ -8149,77 +8081,6 @@
         </p:sp>
         <p:sp>
           <p:nvSpPr>
-            <p:cNvPr id="36" name="CuadroTexto 35"/>
-            <p:cNvSpPr txBox="1"/>
-            <p:nvPr/>
-          </p:nvSpPr>
-          <p:spPr>
-            <a:xfrm flipH="1">
-              <a:off x="1873874" y="649188"/>
-              <a:ext cx="347732" cy="646331"/>
-            </a:xfrm>
-            <a:prstGeom prst="rect">
-              <a:avLst/>
-            </a:prstGeom>
-            <a:noFill/>
-          </p:spPr>
-          <p:txBody>
-            <a:bodyPr wrap="square" rtlCol="0">
-              <a:spAutoFit/>
-            </a:bodyPr>
-            <a:lstStyle/>
-            <a:p>
-              <a:r>
-                <a:rPr lang="es-ES" dirty="0" smtClean="0"/>
-                <a:t>A</a:t>
-              </a:r>
-            </a:p>
-            <a:p>
-              <a:r>
-                <a:rPr lang="es-ES" dirty="0" smtClean="0"/>
-                <a:t>4</a:t>
-              </a:r>
-              <a:endParaRPr lang="es-ES" dirty="0"/>
-            </a:p>
-          </p:txBody>
-        </p:sp>
-        <p:sp>
-          <p:nvSpPr>
-            <p:cNvPr id="37" name="CuadroTexto 36"/>
-            <p:cNvSpPr txBox="1"/>
-            <p:nvPr/>
-          </p:nvSpPr>
-          <p:spPr>
-            <a:xfrm flipH="1">
-              <a:off x="1873874" y="1685938"/>
-              <a:ext cx="347732" cy="646331"/>
-            </a:xfrm>
-            <a:prstGeom prst="rect">
-              <a:avLst/>
-            </a:prstGeom>
-            <a:noFill/>
-          </p:spPr>
-          <p:txBody>
-            <a:bodyPr wrap="square" rtlCol="0">
-              <a:spAutoFit/>
-            </a:bodyPr>
-            <a:lstStyle/>
-            <a:p>
-              <a:r>
-                <a:rPr lang="es-ES" dirty="0" smtClean="0"/>
-                <a:t>A</a:t>
-              </a:r>
-            </a:p>
-            <a:p>
-              <a:r>
-                <a:rPr lang="es-ES" dirty="0"/>
-                <a:t>5</a:t>
-              </a:r>
-            </a:p>
-          </p:txBody>
-        </p:sp>
-        <p:sp>
-          <p:nvSpPr>
             <p:cNvPr id="38" name="CuadroTexto 37"/>
             <p:cNvSpPr txBox="1"/>
             <p:nvPr/>
@@ -8291,41 +8152,6 @@
         </p:sp>
         <p:cxnSp>
           <p:nvCxnSpPr>
-            <p:cNvPr id="59" name="Conector recto 58"/>
-            <p:cNvCxnSpPr/>
-            <p:nvPr/>
-          </p:nvCxnSpPr>
-          <p:spPr>
-            <a:xfrm>
-              <a:off x="2656268" y="3555760"/>
-              <a:ext cx="8555" cy="951846"/>
-            </a:xfrm>
-            <a:prstGeom prst="line">
-              <a:avLst/>
-            </a:prstGeom>
-            <a:ln w="76200">
-              <a:solidFill>
-                <a:srgbClr val="7030A0"/>
-              </a:solidFill>
-            </a:ln>
-          </p:spPr>
-          <p:style>
-            <a:lnRef idx="1">
-              <a:schemeClr val="accent1"/>
-            </a:lnRef>
-            <a:fillRef idx="0">
-              <a:schemeClr val="accent1"/>
-            </a:fillRef>
-            <a:effectRef idx="0">
-              <a:schemeClr val="accent1"/>
-            </a:effectRef>
-            <a:fontRef idx="minor">
-              <a:schemeClr val="tx1"/>
-            </a:fontRef>
-          </p:style>
-        </p:cxnSp>
-        <p:cxnSp>
-          <p:nvCxnSpPr>
             <p:cNvPr id="67" name="Conector recto 66"/>
             <p:cNvCxnSpPr/>
             <p:nvPr/>
@@ -9451,7 +9277,7 @@
         </p:nvCxnSpPr>
         <p:spPr>
           <a:xfrm flipH="1">
-            <a:off x="5087485" y="2286531"/>
+            <a:off x="5214800" y="1958340"/>
             <a:ext cx="1192" cy="2221075"/>
           </a:xfrm>
           <a:prstGeom prst="line">
@@ -9790,7 +9616,6 @@
               <a:rPr lang="es-ES" dirty="0"/>
               <a:t>2</a:t>
             </a:r>
-            <a:endParaRPr lang="es-ES" dirty="0"/>
           </a:p>
         </p:txBody>
       </p:sp>
@@ -9852,8 +9677,8 @@
           <a:lstStyle/>
           <a:p>
             <a:r>
-              <a:rPr lang="es-ES" dirty="0" err="1" smtClean="0"/>
-              <a:t>Atencion</a:t>
+              <a:rPr lang="es-ES" dirty="0" smtClean="0"/>
+              <a:t>Atención</a:t>
             </a:r>
             <a:endParaRPr lang="es-ES" dirty="0"/>
           </a:p>
@@ -10013,7 +9838,7 @@
         </p:nvSpPr>
         <p:spPr>
           <a:xfrm>
-            <a:off x="8303211" y="4097967"/>
+            <a:off x="8291637" y="4031661"/>
             <a:ext cx="1380402" cy="487583"/>
           </a:xfrm>
           <a:prstGeom prst="rect">
@@ -10057,7 +9882,7 @@
         </p:nvSpPr>
         <p:spPr>
           <a:xfrm>
-            <a:off x="8303211" y="4774176"/>
+            <a:off x="8291637" y="4720532"/>
             <a:ext cx="1380402" cy="487583"/>
           </a:xfrm>
           <a:prstGeom prst="rect">
@@ -10101,7 +9926,7 @@
         </p:nvSpPr>
         <p:spPr>
           <a:xfrm>
-            <a:off x="9932209" y="3385330"/>
+            <a:off x="9957026" y="3437115"/>
             <a:ext cx="1380402" cy="487583"/>
           </a:xfrm>
           <a:prstGeom prst="rect">
@@ -10265,6 +10090,265 @@
         <p:spPr>
           <a:xfrm flipV="1">
             <a:off x="2324630" y="1022242"/>
+            <a:ext cx="1443789" cy="5146"/>
+          </a:xfrm>
+          <a:prstGeom prst="line">
+            <a:avLst/>
+          </a:prstGeom>
+          <a:ln w="76200"/>
+        </p:spPr>
+        <p:style>
+          <a:lnRef idx="1">
+            <a:schemeClr val="accent1"/>
+          </a:lnRef>
+          <a:fillRef idx="0">
+            <a:schemeClr val="accent1"/>
+          </a:fillRef>
+          <a:effectRef idx="0">
+            <a:schemeClr val="accent1"/>
+          </a:effectRef>
+          <a:fontRef idx="minor">
+            <a:schemeClr val="tx1"/>
+          </a:fontRef>
+        </p:style>
+      </p:cxnSp>
+      <p:sp>
+        <p:nvSpPr>
+          <p:cNvPr id="39" name="CuadroTexto 38"/>
+          <p:cNvSpPr txBox="1"/>
+          <p:nvPr/>
+        </p:nvSpPr>
+        <p:spPr>
+          <a:xfrm flipH="1">
+            <a:off x="4686473" y="4679442"/>
+            <a:ext cx="393812" cy="646331"/>
+          </a:xfrm>
+          <a:prstGeom prst="rect">
+            <a:avLst/>
+          </a:prstGeom>
+          <a:noFill/>
+        </p:spPr>
+        <p:txBody>
+          <a:bodyPr wrap="square" rtlCol="0">
+            <a:spAutoFit/>
+          </a:bodyPr>
+          <a:lstStyle/>
+          <a:p>
+            <a:r>
+              <a:rPr lang="es-ES" dirty="0" smtClean="0"/>
+              <a:t>A</a:t>
+            </a:r>
+          </a:p>
+          <a:p>
+            <a:r>
+              <a:rPr lang="es-ES" dirty="0"/>
+              <a:t>2</a:t>
+            </a:r>
+          </a:p>
+        </p:txBody>
+      </p:sp>
+      <p:sp>
+        <p:nvSpPr>
+          <p:cNvPr id="40" name="CuadroTexto 39"/>
+          <p:cNvSpPr txBox="1"/>
+          <p:nvPr/>
+        </p:nvSpPr>
+        <p:spPr>
+          <a:xfrm flipH="1">
+            <a:off x="4694252" y="5929679"/>
+            <a:ext cx="393812" cy="646331"/>
+          </a:xfrm>
+          <a:prstGeom prst="rect">
+            <a:avLst/>
+          </a:prstGeom>
+          <a:noFill/>
+        </p:spPr>
+        <p:txBody>
+          <a:bodyPr wrap="square" rtlCol="0">
+            <a:spAutoFit/>
+          </a:bodyPr>
+          <a:lstStyle/>
+          <a:p>
+            <a:r>
+              <a:rPr lang="es-ES" dirty="0" smtClean="0"/>
+              <a:t>A</a:t>
+            </a:r>
+          </a:p>
+          <a:p>
+            <a:r>
+              <a:rPr lang="es-ES" dirty="0"/>
+              <a:t>3</a:t>
+            </a:r>
+            <a:endParaRPr lang="es-ES" dirty="0"/>
+          </a:p>
+        </p:txBody>
+      </p:sp>
+      <p:cxnSp>
+        <p:nvCxnSpPr>
+          <p:cNvPr id="41" name="Conector recto de flecha 40"/>
+          <p:cNvCxnSpPr/>
+          <p:nvPr/>
+        </p:nvCxnSpPr>
+        <p:spPr>
+          <a:xfrm flipV="1">
+            <a:off x="4942114" y="4050887"/>
+            <a:ext cx="616177" cy="913437"/>
+          </a:xfrm>
+          <a:prstGeom prst="straightConnector1">
+            <a:avLst/>
+          </a:prstGeom>
+          <a:ln>
+            <a:tailEnd type="triangle"/>
+          </a:ln>
+        </p:spPr>
+        <p:style>
+          <a:lnRef idx="1">
+            <a:schemeClr val="accent1"/>
+          </a:lnRef>
+          <a:fillRef idx="0">
+            <a:schemeClr val="accent1"/>
+          </a:fillRef>
+          <a:effectRef idx="0">
+            <a:schemeClr val="accent1"/>
+          </a:effectRef>
+          <a:fontRef idx="minor">
+            <a:schemeClr val="tx1"/>
+          </a:fontRef>
+        </p:style>
+      </p:cxnSp>
+      <p:cxnSp>
+        <p:nvCxnSpPr>
+          <p:cNvPr id="46" name="Conector recto 45"/>
+          <p:cNvCxnSpPr/>
+          <p:nvPr/>
+        </p:nvCxnSpPr>
+        <p:spPr>
+          <a:xfrm flipV="1">
+            <a:off x="2324630" y="1174659"/>
+            <a:ext cx="1443789" cy="5146"/>
+          </a:xfrm>
+          <a:prstGeom prst="line">
+            <a:avLst/>
+          </a:prstGeom>
+          <a:ln w="76200"/>
+        </p:spPr>
+        <p:style>
+          <a:lnRef idx="1">
+            <a:schemeClr val="accent1"/>
+          </a:lnRef>
+          <a:fillRef idx="0">
+            <a:schemeClr val="accent1"/>
+          </a:fillRef>
+          <a:effectRef idx="0">
+            <a:schemeClr val="accent1"/>
+          </a:effectRef>
+          <a:fontRef idx="minor">
+            <a:schemeClr val="tx1"/>
+          </a:fontRef>
+        </p:style>
+      </p:cxnSp>
+      <p:cxnSp>
+        <p:nvCxnSpPr>
+          <p:cNvPr id="53" name="Conector recto 52"/>
+          <p:cNvCxnSpPr/>
+          <p:nvPr/>
+        </p:nvCxnSpPr>
+        <p:spPr>
+          <a:xfrm flipV="1">
+            <a:off x="2324630" y="1311772"/>
+            <a:ext cx="1443789" cy="5146"/>
+          </a:xfrm>
+          <a:prstGeom prst="line">
+            <a:avLst/>
+          </a:prstGeom>
+          <a:ln w="76200"/>
+        </p:spPr>
+        <p:style>
+          <a:lnRef idx="1">
+            <a:schemeClr val="accent1"/>
+          </a:lnRef>
+          <a:fillRef idx="0">
+            <a:schemeClr val="accent1"/>
+          </a:fillRef>
+          <a:effectRef idx="0">
+            <a:schemeClr val="accent1"/>
+          </a:effectRef>
+          <a:fontRef idx="minor">
+            <a:schemeClr val="tx1"/>
+          </a:fontRef>
+        </p:style>
+      </p:cxnSp>
+      <p:cxnSp>
+        <p:nvCxnSpPr>
+          <p:cNvPr id="54" name="Conector recto 53"/>
+          <p:cNvCxnSpPr/>
+          <p:nvPr/>
+        </p:nvCxnSpPr>
+        <p:spPr>
+          <a:xfrm flipV="1">
+            <a:off x="2330075" y="1608971"/>
+            <a:ext cx="1443789" cy="5146"/>
+          </a:xfrm>
+          <a:prstGeom prst="line">
+            <a:avLst/>
+          </a:prstGeom>
+          <a:ln w="76200"/>
+        </p:spPr>
+        <p:style>
+          <a:lnRef idx="1">
+            <a:schemeClr val="accent1"/>
+          </a:lnRef>
+          <a:fillRef idx="0">
+            <a:schemeClr val="accent1"/>
+          </a:fillRef>
+          <a:effectRef idx="0">
+            <a:schemeClr val="accent1"/>
+          </a:effectRef>
+          <a:fontRef idx="minor">
+            <a:schemeClr val="tx1"/>
+          </a:fontRef>
+        </p:style>
+      </p:cxnSp>
+      <p:cxnSp>
+        <p:nvCxnSpPr>
+          <p:cNvPr id="56" name="Conector recto 55"/>
+          <p:cNvCxnSpPr/>
+          <p:nvPr/>
+        </p:nvCxnSpPr>
+        <p:spPr>
+          <a:xfrm flipV="1">
+            <a:off x="2302952" y="1937599"/>
+            <a:ext cx="1443789" cy="5146"/>
+          </a:xfrm>
+          <a:prstGeom prst="line">
+            <a:avLst/>
+          </a:prstGeom>
+          <a:ln w="76200"/>
+        </p:spPr>
+        <p:style>
+          <a:lnRef idx="1">
+            <a:schemeClr val="accent1"/>
+          </a:lnRef>
+          <a:fillRef idx="0">
+            <a:schemeClr val="accent1"/>
+          </a:fillRef>
+          <a:effectRef idx="0">
+            <a:schemeClr val="accent1"/>
+          </a:effectRef>
+          <a:fontRef idx="minor">
+            <a:schemeClr val="tx1"/>
+          </a:fontRef>
+        </p:style>
+      </p:cxnSp>
+      <p:cxnSp>
+        <p:nvCxnSpPr>
+          <p:cNvPr id="57" name="Conector recto 56"/>
+          <p:cNvCxnSpPr/>
+          <p:nvPr/>
+        </p:nvCxnSpPr>
+        <p:spPr>
+          <a:xfrm flipV="1">
+            <a:off x="2346464" y="2122856"/>
             <a:ext cx="1443789" cy="5146"/>
           </a:xfrm>
           <a:prstGeom prst="line">
@@ -11092,7 +11176,6 @@
               <a:rPr lang="es-ES" dirty="0"/>
               <a:t>2</a:t>
             </a:r>
-            <a:endParaRPr lang="es-ES" dirty="0"/>
           </a:p>
         </p:txBody>
       </p:sp>
@@ -13306,7 +13389,6 @@
               <a:rPr lang="es-ES" dirty="0"/>
               <a:t>2</a:t>
             </a:r>
-            <a:endParaRPr lang="es-ES" dirty="0"/>
           </a:p>
         </p:txBody>
       </p:sp>
